--- a/poster/poster-version2.pptx
+++ b/poster/poster-version2.pptx
@@ -304,7 +304,7 @@
           <a:p>
             <a:fld id="{9A230909-950A-47DB-9D57-C917A0047A48}" type="datetimeFigureOut">
               <a:rPr lang="en-GB" smtClean="0"/>
-              <a:t>06/11/2019</a:t>
+              <a:t>07/11/2019</a:t>
             </a:fld>
             <a:endParaRPr lang="en-GB"/>
           </a:p>
@@ -474,7 +474,7 @@
           <a:p>
             <a:fld id="{9A230909-950A-47DB-9D57-C917A0047A48}" type="datetimeFigureOut">
               <a:rPr lang="en-GB" smtClean="0"/>
-              <a:t>06/11/2019</a:t>
+              <a:t>07/11/2019</a:t>
             </a:fld>
             <a:endParaRPr lang="en-GB"/>
           </a:p>
@@ -654,7 +654,7 @@
           <a:p>
             <a:fld id="{9A230909-950A-47DB-9D57-C917A0047A48}" type="datetimeFigureOut">
               <a:rPr lang="en-GB" smtClean="0"/>
-              <a:t>06/11/2019</a:t>
+              <a:t>07/11/2019</a:t>
             </a:fld>
             <a:endParaRPr lang="en-GB"/>
           </a:p>
@@ -824,7 +824,7 @@
           <a:p>
             <a:fld id="{9A230909-950A-47DB-9D57-C917A0047A48}" type="datetimeFigureOut">
               <a:rPr lang="en-GB" smtClean="0"/>
-              <a:t>06/11/2019</a:t>
+              <a:t>07/11/2019</a:t>
             </a:fld>
             <a:endParaRPr lang="en-GB"/>
           </a:p>
@@ -1070,7 +1070,7 @@
           <a:p>
             <a:fld id="{9A230909-950A-47DB-9D57-C917A0047A48}" type="datetimeFigureOut">
               <a:rPr lang="en-GB" smtClean="0"/>
-              <a:t>06/11/2019</a:t>
+              <a:t>07/11/2019</a:t>
             </a:fld>
             <a:endParaRPr lang="en-GB"/>
           </a:p>
@@ -1358,7 +1358,7 @@
           <a:p>
             <a:fld id="{9A230909-950A-47DB-9D57-C917A0047A48}" type="datetimeFigureOut">
               <a:rPr lang="en-GB" smtClean="0"/>
-              <a:t>06/11/2019</a:t>
+              <a:t>07/11/2019</a:t>
             </a:fld>
             <a:endParaRPr lang="en-GB"/>
           </a:p>
@@ -1785,7 +1785,7 @@
           <a:p>
             <a:fld id="{9A230909-950A-47DB-9D57-C917A0047A48}" type="datetimeFigureOut">
               <a:rPr lang="en-GB" smtClean="0"/>
-              <a:t>06/11/2019</a:t>
+              <a:t>07/11/2019</a:t>
             </a:fld>
             <a:endParaRPr lang="en-GB"/>
           </a:p>
@@ -1903,7 +1903,7 @@
           <a:p>
             <a:fld id="{9A230909-950A-47DB-9D57-C917A0047A48}" type="datetimeFigureOut">
               <a:rPr lang="en-GB" smtClean="0"/>
-              <a:t>06/11/2019</a:t>
+              <a:t>07/11/2019</a:t>
             </a:fld>
             <a:endParaRPr lang="en-GB"/>
           </a:p>
@@ -1998,7 +1998,7 @@
           <a:p>
             <a:fld id="{9A230909-950A-47DB-9D57-C917A0047A48}" type="datetimeFigureOut">
               <a:rPr lang="en-GB" smtClean="0"/>
-              <a:t>06/11/2019</a:t>
+              <a:t>07/11/2019</a:t>
             </a:fld>
             <a:endParaRPr lang="en-GB"/>
           </a:p>
@@ -2275,7 +2275,7 @@
           <a:p>
             <a:fld id="{9A230909-950A-47DB-9D57-C917A0047A48}" type="datetimeFigureOut">
               <a:rPr lang="en-GB" smtClean="0"/>
-              <a:t>06/11/2019</a:t>
+              <a:t>07/11/2019</a:t>
             </a:fld>
             <a:endParaRPr lang="en-GB"/>
           </a:p>
@@ -2528,7 +2528,7 @@
           <a:p>
             <a:fld id="{9A230909-950A-47DB-9D57-C917A0047A48}" type="datetimeFigureOut">
               <a:rPr lang="en-GB" smtClean="0"/>
-              <a:t>06/11/2019</a:t>
+              <a:t>07/11/2019</a:t>
             </a:fld>
             <a:endParaRPr lang="en-GB"/>
           </a:p>
@@ -2765,7 +2765,7 @@
           <a:p>
             <a:fld id="{9A230909-950A-47DB-9D57-C917A0047A48}" type="datetimeFigureOut">
               <a:rPr lang="en-GB" smtClean="0"/>
-              <a:t>06/11/2019</a:t>
+              <a:t>07/11/2019</a:t>
             </a:fld>
             <a:endParaRPr lang="en-GB"/>
           </a:p>
@@ -3197,7 +3197,7 @@
         </p:blipFill>
         <p:spPr>
           <a:xfrm>
-            <a:off x="9117741" y="10657756"/>
+            <a:off x="9351869" y="10657756"/>
             <a:ext cx="11476750" cy="5565815"/>
           </a:xfrm>
           <a:prstGeom prst="rect">
@@ -3207,257 +3207,6 @@
             <a:solidFill>
               <a:schemeClr val="tx1"/>
             </a:solidFill>
-          </a:ln>
-          <a:effectLst>
-            <a:outerShdw blurRad="190500" algn="tl" rotWithShape="0">
-              <a:srgbClr val="000000">
-                <a:alpha val="70000"/>
-              </a:srgbClr>
-            </a:outerShdw>
-          </a:effectLst>
-        </p:spPr>
-      </p:pic>
-      <p:sp>
-        <p:nvSpPr>
-          <p:cNvPr id="14" name="Rounded Rectangle 13"/>
-          <p:cNvSpPr/>
-          <p:nvPr/>
-        </p:nvSpPr>
-        <p:spPr>
-          <a:xfrm>
-            <a:off x="21230461" y="13566018"/>
-            <a:ext cx="8784976" cy="4228307"/>
-          </a:xfrm>
-          <a:prstGeom prst="rect">
-            <a:avLst/>
-          </a:prstGeom>
-          <a:noFill/>
-          <a:ln w="50800">
-            <a:solidFill>
-              <a:schemeClr val="tx1"/>
-            </a:solidFill>
-          </a:ln>
-        </p:spPr>
-        <p:style>
-          <a:lnRef idx="2">
-            <a:schemeClr val="accent1">
-              <a:shade val="50000"/>
-            </a:schemeClr>
-          </a:lnRef>
-          <a:fillRef idx="1">
-            <a:schemeClr val="accent1"/>
-          </a:fillRef>
-          <a:effectRef idx="0">
-            <a:schemeClr val="accent1"/>
-          </a:effectRef>
-          <a:fontRef idx="minor">
-            <a:schemeClr val="lt1"/>
-          </a:fontRef>
-        </p:style>
-        <p:txBody>
-          <a:bodyPr rtlCol="0" anchor="t"/>
-          <a:lstStyle/>
-          <a:p>
-            <a:pPr algn="ctr"/>
-            <a:r>
-              <a:rPr lang="en-GB" sz="4000" dirty="0">
-                <a:solidFill>
-                  <a:schemeClr val="tx1"/>
-                </a:solidFill>
-              </a:rPr>
-              <a:t>Conclusions &amp; Future Work</a:t>
-            </a:r>
-          </a:p>
-          <a:p>
-            <a:pPr algn="just"/>
-            <a:r>
-              <a:rPr lang="en-GB" sz="2000" dirty="0">
-                <a:solidFill>
-                  <a:schemeClr val="tx1"/>
-                </a:solidFill>
-              </a:rPr>
-              <a:t>The new method was compared to existing approaches for model extraction, and was found to offer drastically simpler models, with statistically equivalent test accuracy. To our best knowledge, this is the first utilisation of multi-objective optimisation in explainable AI. We also believe this is the first application of GP for model extraction, and shows a promising direction for future developments.</a:t>
-            </a:r>
-          </a:p>
-          <a:p>
-            <a:pPr algn="just"/>
-            <a:endParaRPr lang="en-GB" sz="2000" dirty="0">
-              <a:solidFill>
-                <a:schemeClr val="tx1"/>
-              </a:solidFill>
-            </a:endParaRPr>
-          </a:p>
-          <a:p>
-            <a:pPr algn="just"/>
-            <a:r>
-              <a:rPr lang="en-GB" sz="2000" dirty="0">
-                <a:solidFill>
-                  <a:schemeClr val="tx1"/>
-                </a:solidFill>
-              </a:rPr>
-              <a:t>Three focus areas for future work:</a:t>
-            </a:r>
-          </a:p>
-          <a:p>
-            <a:pPr marL="342900" indent="-342900" algn="just">
-              <a:buFont typeface="Arial" panose="020B0604020202020204" pitchFamily="34" charset="0"/>
-              <a:buChar char="•"/>
-            </a:pPr>
-            <a:r>
-              <a:rPr lang="en-GB" sz="2000" dirty="0">
-                <a:solidFill>
-                  <a:schemeClr val="tx1"/>
-                </a:solidFill>
-              </a:rPr>
-              <a:t>Can recreation ability be improved without sacrificing simplicity? </a:t>
-            </a:r>
-          </a:p>
-          <a:p>
-            <a:pPr marL="342900" indent="-342900" algn="just">
-              <a:buFont typeface="Arial" panose="020B0604020202020204" pitchFamily="34" charset="0"/>
-              <a:buChar char="•"/>
-            </a:pPr>
-            <a:r>
-              <a:rPr lang="en-GB" sz="2000" dirty="0">
-                <a:solidFill>
-                  <a:schemeClr val="tx1"/>
-                </a:solidFill>
-              </a:rPr>
-              <a:t>Can we find a more suitable measure of complexity to describe human interpretability?  </a:t>
-            </a:r>
-          </a:p>
-          <a:p>
-            <a:pPr marL="342900" indent="-342900" algn="just">
-              <a:buFont typeface="Arial" panose="020B0604020202020204" pitchFamily="34" charset="0"/>
-              <a:buChar char="•"/>
-            </a:pPr>
-            <a:r>
-              <a:rPr lang="en-GB" sz="2000" dirty="0">
-                <a:solidFill>
-                  <a:schemeClr val="tx1"/>
-                </a:solidFill>
-              </a:rPr>
-              <a:t>Is it possible to guide the evolution of the models based on human feedback?</a:t>
-            </a:r>
-          </a:p>
-        </p:txBody>
-      </p:sp>
-      <p:pic>
-        <p:nvPicPr>
-          <p:cNvPr id="6" name="Picture 5"/>
-          <p:cNvPicPr>
-            <a:picLocks noChangeAspect="1"/>
-          </p:cNvPicPr>
-          <p:nvPr/>
-        </p:nvPicPr>
-        <p:blipFill>
-          <a:blip r:embed="rId4">
-            <a:extLst>
-              <a:ext uri="{28A0092B-C50C-407E-A947-70E740481C1C}">
-                <a14:useLocalDpi xmlns:a14="http://schemas.microsoft.com/office/drawing/2010/main" val="0"/>
-              </a:ext>
-            </a:extLst>
-          </a:blip>
-          <a:stretch>
-            <a:fillRect/>
-          </a:stretch>
-        </p:blipFill>
-        <p:spPr>
-          <a:xfrm>
-            <a:off x="4167119" y="17298568"/>
-            <a:ext cx="4699987" cy="3592537"/>
-          </a:xfrm>
-          <a:prstGeom prst="rect">
-            <a:avLst/>
-          </a:prstGeom>
-          <a:ln>
-            <a:noFill/>
-          </a:ln>
-          <a:effectLst>
-            <a:outerShdw blurRad="190500" algn="tl" rotWithShape="0">
-              <a:srgbClr val="000000">
-                <a:alpha val="70000"/>
-              </a:srgbClr>
-            </a:outerShdw>
-          </a:effectLst>
-        </p:spPr>
-      </p:pic>
-      <p:pic>
-        <p:nvPicPr>
-          <p:cNvPr id="10" name="Picture 9"/>
-          <p:cNvPicPr>
-            <a:picLocks noChangeAspect="1"/>
-          </p:cNvPicPr>
-          <p:nvPr/>
-        </p:nvPicPr>
-        <p:blipFill>
-          <a:blip r:embed="rId5" cstate="print">
-            <a:extLst>
-              <a:ext uri="{28A0092B-C50C-407E-A947-70E740481C1C}">
-                <a14:useLocalDpi xmlns:a14="http://schemas.microsoft.com/office/drawing/2010/main" val="0"/>
-              </a:ext>
-            </a:extLst>
-          </a:blip>
-          <a:stretch>
-            <a:fillRect/>
-          </a:stretch>
-        </p:blipFill>
-        <p:spPr>
-          <a:xfrm>
-            <a:off x="334728" y="17447682"/>
-            <a:ext cx="3583643" cy="2030694"/>
-          </a:xfrm>
-          <a:prstGeom prst="rect">
-            <a:avLst/>
-          </a:prstGeom>
-          <a:ln>
-            <a:noFill/>
-          </a:ln>
-          <a:effectLst>
-            <a:outerShdw blurRad="190500" algn="tl" rotWithShape="0">
-              <a:srgbClr val="000000">
-                <a:alpha val="70000"/>
-              </a:srgbClr>
-            </a:outerShdw>
-          </a:effectLst>
-        </p:spPr>
-      </p:pic>
-      <p:pic>
-        <p:nvPicPr>
-          <p:cNvPr id="45" name="Picture 44">
-            <a:extLst>
-              <a:ext uri="{FF2B5EF4-FFF2-40B4-BE49-F238E27FC236}">
-                <a16:creationId xmlns:a16="http://schemas.microsoft.com/office/drawing/2014/main" id="{6526A47A-CB1A-40C8-B2E9-C7143A7AA3A1}"/>
-              </a:ext>
-            </a:extLst>
-          </p:cNvPr>
-          <p:cNvPicPr>
-            <a:picLocks noChangeAspect="1"/>
-          </p:cNvPicPr>
-          <p:nvPr/>
-        </p:nvPicPr>
-        <p:blipFill>
-          <a:blip r:embed="rId6" cstate="print">
-            <a:extLst>
-              <a:ext uri="{28A0092B-C50C-407E-A947-70E740481C1C}">
-                <a14:useLocalDpi xmlns:a14="http://schemas.microsoft.com/office/drawing/2010/main" val="0"/>
-              </a:ext>
-            </a:extLst>
-          </a:blip>
-          <a:stretch>
-            <a:fillRect/>
-          </a:stretch>
-        </p:blipFill>
-        <p:spPr>
-          <a:xfrm>
-            <a:off x="31052164" y="9800013"/>
-            <a:ext cx="14165114" cy="7835803"/>
-          </a:xfrm>
-          <a:prstGeom prst="rect">
-            <a:avLst/>
-          </a:prstGeom>
-          <a:ln>
-            <a:noFill/>
           </a:ln>
           <a:effectLst>
             <a:outerShdw blurRad="190500" algn="tl" rotWithShape="0">
@@ -3483,13 +3232,13 @@
           <p:nvPr>
             <p:extLst>
               <p:ext uri="{D42A27DB-BD31-4B8C-83A1-F6EECF244321}">
-                <p14:modId xmlns:p14="http://schemas.microsoft.com/office/powerpoint/2010/main" val="746463716"/>
+                <p14:modId xmlns:p14="http://schemas.microsoft.com/office/powerpoint/2010/main" val="1883467947"/>
               </p:ext>
             </p:extLst>
           </p:nvPr>
         </p:nvGraphicFramePr>
         <p:xfrm>
-          <a:off x="8890759" y="5139670"/>
+          <a:off x="9163323" y="4788744"/>
           <a:ext cx="6249228" cy="3017520"/>
         </p:xfrm>
         <a:graphic>
@@ -3773,8 +3522,8 @@
         </p:nvSpPr>
         <p:spPr>
           <a:xfrm>
-            <a:off x="9000295" y="7787244"/>
-            <a:ext cx="5903323" cy="2554545"/>
+            <a:off x="9236664" y="7569761"/>
+            <a:ext cx="5903323" cy="1323439"/>
           </a:xfrm>
           <a:prstGeom prst="rect">
             <a:avLst/>
@@ -3792,76 +3541,7 @@
               <a:rPr lang="en-GB" sz="2000" dirty="0">
                 <a:cs typeface="Arial" panose="020B0604020202020204" pitchFamily="34" charset="0"/>
               </a:rPr>
-              <a:t>A broad range of 30 datasets from the OpenML repository [7] were used for comparison. These were the 20 most run binary datasets, and 10 most run multiclass datasets. The datasets were restricted to less than 15000 instances, less than 5 classes, and no missing values. These datasets are from a variety of domains, and have a varying number of features (both categorical and numeric), classes, and instances.</a:t>
-            </a:r>
-          </a:p>
-        </p:txBody>
-      </p:sp>
-      <p:sp>
-        <p:nvSpPr>
-          <p:cNvPr id="54" name="Rounded Rectangle 13">
-            <a:extLst>
-              <a:ext uri="{FF2B5EF4-FFF2-40B4-BE49-F238E27FC236}">
-                <a16:creationId xmlns:a16="http://schemas.microsoft.com/office/drawing/2014/main" id="{29F75D6C-A8A1-41D1-8003-5B0C6BA508FD}"/>
-              </a:ext>
-            </a:extLst>
-          </p:cNvPr>
-          <p:cNvSpPr/>
-          <p:nvPr/>
-        </p:nvSpPr>
-        <p:spPr>
-          <a:xfrm>
-            <a:off x="21230460" y="18103584"/>
-            <a:ext cx="8784976" cy="3041086"/>
-          </a:xfrm>
-          <a:prstGeom prst="rect">
-            <a:avLst/>
-          </a:prstGeom>
-          <a:noFill/>
-          <a:ln w="50800">
-            <a:solidFill>
-              <a:schemeClr val="tx1"/>
-            </a:solidFill>
-          </a:ln>
-        </p:spPr>
-        <p:style>
-          <a:lnRef idx="2">
-            <a:schemeClr val="accent1">
-              <a:shade val="50000"/>
-            </a:schemeClr>
-          </a:lnRef>
-          <a:fillRef idx="1">
-            <a:schemeClr val="accent1"/>
-          </a:fillRef>
-          <a:effectRef idx="0">
-            <a:schemeClr val="accent1"/>
-          </a:effectRef>
-          <a:fontRef idx="minor">
-            <a:schemeClr val="lt1"/>
-          </a:fontRef>
-        </p:style>
-        <p:txBody>
-          <a:bodyPr rtlCol="0" anchor="t"/>
-          <a:lstStyle/>
-          <a:p>
-            <a:pPr algn="ctr"/>
-            <a:r>
-              <a:rPr lang="en-GB" sz="4000" dirty="0">
-                <a:solidFill>
-                  <a:schemeClr val="tx1"/>
-                </a:solidFill>
-              </a:rPr>
-              <a:t>References</a:t>
-            </a:r>
-          </a:p>
-          <a:p>
-            <a:r>
-              <a:rPr lang="en-GB" sz="2000" dirty="0">
-                <a:solidFill>
-                  <a:schemeClr val="tx1"/>
-                </a:solidFill>
-              </a:rPr>
-              <a:t>REFERENCES GO HERE - TODO</a:t>
+              <a:t>A broad range of 30 datasets from the OpenML repository [7] were used for comparison. The datasets were restricted to less than 15000 instances, less than 5 classes, and no missing values. </a:t>
             </a:r>
           </a:p>
         </p:txBody>
@@ -3875,7 +3555,7 @@
           <p:nvPr/>
         </p:nvPicPr>
         <p:blipFill>
-          <a:blip r:embed="rId7">
+          <a:blip r:embed="rId4">
             <a:extLst>
               <a:ext uri="{28A0092B-C50C-407E-A947-70E740481C1C}">
                 <a14:useLocalDpi xmlns:a14="http://schemas.microsoft.com/office/drawing/2010/main" val="0"/>
@@ -3888,7 +3568,7 @@
         </p:blipFill>
         <p:spPr>
           <a:xfrm>
-            <a:off x="15376358" y="5383636"/>
+            <a:off x="15551110" y="5220792"/>
             <a:ext cx="5205501" cy="4848144"/>
           </a:xfrm>
           <a:prstGeom prst="rect">
@@ -4134,7 +3814,7 @@
           <p:nvPr/>
         </p:nvPicPr>
         <p:blipFill>
-          <a:blip r:embed="rId8">
+          <a:blip r:embed="rId5">
             <a:extLst>
               <a:ext uri="{28A0092B-C50C-407E-A947-70E740481C1C}">
                 <a14:useLocalDpi xmlns:a14="http://schemas.microsoft.com/office/drawing/2010/main" val="0"/>
@@ -4169,7 +3849,7 @@
         </p:nvGrpSpPr>
         <p:grpSpPr>
           <a:xfrm>
-            <a:off x="9020083" y="16751609"/>
+            <a:off x="9226902" y="16751609"/>
             <a:ext cx="11313685" cy="3729920"/>
             <a:chOff x="7481073" y="16636001"/>
             <a:chExt cx="11313685" cy="3729920"/>
@@ -4184,7 +3864,7 @@
             <p:nvPr/>
           </p:nvPicPr>
           <p:blipFill>
-            <a:blip r:embed="rId9" cstate="print">
+            <a:blip r:embed="rId6" cstate="print">
               <a:extLst>
                 <a:ext uri="{28A0092B-C50C-407E-A947-70E740481C1C}">
                   <a14:useLocalDpi xmlns:a14="http://schemas.microsoft.com/office/drawing/2010/main" val="0"/>
@@ -4230,7 +3910,7 @@
             <p:nvPr/>
           </p:nvPicPr>
           <p:blipFill>
-            <a:blip r:embed="rId10">
+            <a:blip r:embed="rId7">
               <a:extLst>
                 <a:ext uri="{28A0092B-C50C-407E-A947-70E740481C1C}">
                   <a14:useLocalDpi xmlns:a14="http://schemas.microsoft.com/office/drawing/2010/main" val="0"/>
@@ -4276,7 +3956,7 @@
             <p:nvPr/>
           </p:nvPicPr>
           <p:blipFill>
-            <a:blip r:embed="rId11" cstate="print">
+            <a:blip r:embed="rId8" cstate="print">
               <a:extLst>
                 <a:ext uri="{28A0092B-C50C-407E-A947-70E740481C1C}">
                   <a14:useLocalDpi xmlns:a14="http://schemas.microsoft.com/office/drawing/2010/main" val="0"/>
@@ -4499,86 +4179,12 @@
         </p:nvGrpSpPr>
         <p:grpSpPr>
           <a:xfrm>
-            <a:off x="21230460" y="3711664"/>
-            <a:ext cx="8784976" cy="9545095"/>
-            <a:chOff x="21327182" y="3596577"/>
-            <a:chExt cx="8784976" cy="9545095"/>
+            <a:off x="21835758" y="4495900"/>
+            <a:ext cx="7719569" cy="8334774"/>
+            <a:chOff x="21932480" y="4380813"/>
+            <a:chExt cx="7719569" cy="8334774"/>
           </a:xfrm>
         </p:grpSpPr>
-        <p:sp>
-          <p:nvSpPr>
-            <p:cNvPr id="32" name="Rounded Rectangle 12">
-              <a:extLst>
-                <a:ext uri="{FF2B5EF4-FFF2-40B4-BE49-F238E27FC236}">
-                  <a16:creationId xmlns:a16="http://schemas.microsoft.com/office/drawing/2014/main" id="{6BB5D9B5-837D-4ED6-A04E-97EEC64DEF68}"/>
-                </a:ext>
-              </a:extLst>
-            </p:cNvPr>
-            <p:cNvSpPr/>
-            <p:nvPr/>
-          </p:nvSpPr>
-          <p:spPr>
-            <a:xfrm>
-              <a:off x="21327182" y="3596577"/>
-              <a:ext cx="8784976" cy="9545095"/>
-            </a:xfrm>
-            <a:prstGeom prst="rect">
-              <a:avLst/>
-            </a:prstGeom>
-            <a:noFill/>
-            <a:ln w="50800">
-              <a:solidFill>
-                <a:schemeClr val="tx1"/>
-              </a:solidFill>
-            </a:ln>
-          </p:spPr>
-          <p:style>
-            <a:lnRef idx="2">
-              <a:schemeClr val="accent1">
-                <a:shade val="50000"/>
-              </a:schemeClr>
-            </a:lnRef>
-            <a:fillRef idx="1">
-              <a:schemeClr val="accent1"/>
-            </a:fillRef>
-            <a:effectRef idx="0">
-              <a:schemeClr val="accent1"/>
-            </a:effectRef>
-            <a:fontRef idx="minor">
-              <a:schemeClr val="lt1"/>
-            </a:fontRef>
-          </p:style>
-          <p:txBody>
-            <a:bodyPr rtlCol="0" anchor="t"/>
-            <a:lstStyle/>
-            <a:p>
-              <a:pPr algn="ctr"/>
-              <a:r>
-                <a:rPr lang="en-GB" sz="4000" dirty="0">
-                  <a:solidFill>
-                    <a:schemeClr val="tx1"/>
-                  </a:solidFill>
-                </a:rPr>
-                <a:t>Further Analysis (Hill-Valley Dataset)</a:t>
-              </a:r>
-            </a:p>
-            <a:p>
-              <a:pPr algn="just"/>
-              <a:endParaRPr lang="en-GB" sz="2000" dirty="0">
-                <a:solidFill>
-                  <a:schemeClr val="tx1"/>
-                </a:solidFill>
-              </a:endParaRPr>
-            </a:p>
-            <a:p>
-              <a:endParaRPr lang="en-GB" sz="2000" dirty="0">
-                <a:solidFill>
-                  <a:schemeClr val="tx1"/>
-                </a:solidFill>
-              </a:endParaRPr>
-            </a:p>
-          </p:txBody>
-        </p:sp>
         <p:grpSp>
           <p:nvGrpSpPr>
             <p:cNvPr id="19" name="Group 18">
@@ -4614,7 +4220,7 @@
               <p:nvPr/>
             </p:nvPicPr>
             <p:blipFill>
-              <a:blip r:embed="rId12">
+              <a:blip r:embed="rId9">
                 <a:extLst>
                   <a:ext uri="{28A0092B-C50C-407E-A947-70E740481C1C}">
                     <a14:useLocalDpi xmlns:a14="http://schemas.microsoft.com/office/drawing/2010/main" val="0"/>
@@ -4739,7 +4345,7 @@
               <a:pPr algn="just"/>
               <a:r>
                 <a:rPr lang="en-GB" sz="2000" dirty="0"/>
-                <a:t>Looking into our evolved tree we can see its splitting points make sense when considering the hill-valley dataset, which "when plotted in order the Y coordinate will create either a Hill or a Valley [13]. We can see the tree is checking the first point, and comparing to the point at 30\% (i.e. the 30th feature), or the point at 70\%, where the tree is trying to distinguish between classes by finding the common points for the hills/valleys and checking if these are high or low relative to the training data (e.g. a high point at the start, a low point at 30\%, then a high point at 57\% indicates a valley based on this tree).</a:t>
+                <a:t>Looking into our evolved tree we can see its splitting points make sense when considering the hill-valley dataset, which "when plotted in order the Y coordinate will create either a Hill or a Valley [13]. We can see the tree is checking the first point, and comparing to the point at 30\%, or the point at 70\%, where the tree is trying to distinguish between classes by finding the common points for the hills/valleys and checking if these are high or low relative to the training data (e.g. a high point at the start, a low point at 30\%, then a high point at 57\% indicates a valley based on this tree).</a:t>
               </a:r>
             </a:p>
             <a:p>
@@ -4762,8 +4368,8 @@
         </p:nvSpPr>
         <p:spPr>
           <a:xfrm>
-            <a:off x="30523103" y="6376547"/>
-            <a:ext cx="6710151" cy="2862322"/>
+            <a:off x="21836927" y="13258076"/>
+            <a:ext cx="7718400" cy="2763916"/>
           </a:xfrm>
           <a:prstGeom prst="rect">
             <a:avLst/>
@@ -4772,7 +4378,7 @@
         </p:spPr>
         <p:txBody>
           <a:bodyPr wrap="square" rtlCol="0">
-            <a:spAutoFit/>
+            <a:noAutofit/>
           </a:bodyPr>
           <a:lstStyle/>
           <a:p>
@@ -4783,25 +4389,21 @@
             </a:r>
           </a:p>
           <a:p>
-            <a:pPr marL="342900" indent="-342900" algn="just">
+            <a:pPr algn="just"/>
+            <a:endParaRPr lang="en-GB" sz="2000" dirty="0"/>
+          </a:p>
+          <a:p>
+            <a:pPr marL="342900" indent="-342900">
               <a:buFont typeface="Arial" panose="020B0604020202020204" pitchFamily="34" charset="0"/>
               <a:buChar char="•"/>
             </a:pPr>
             <a:r>
               <a:rPr lang="en-GB" sz="2000" dirty="0"/>
-              <a:t>Autonuniv-Au7-500 and GesturePhase datasets have 5 classes. Relax push for simple trees on </a:t>
-            </a:r>
-            <a:r>
-              <a:rPr lang="en-GB" sz="2000" dirty="0" err="1"/>
-              <a:t>datastes</a:t>
-            </a:r>
-            <a:r>
-              <a:rPr lang="en-GB" sz="2000" dirty="0"/>
-              <a:t> with many classes.</a:t>
-            </a:r>
-          </a:p>
-          <a:p>
-            <a:pPr marL="342900" indent="-342900" algn="just">
+              <a:t>Autonuniv-Au7-500 and GesturePhase datasets have 5 classes. Perhaps relax push for simple trees on datasets with many classes.</a:t>
+            </a:r>
+          </a:p>
+          <a:p>
+            <a:pPr marL="342900" indent="-342900">
               <a:buFont typeface="Arial" panose="020B0604020202020204" pitchFamily="34" charset="0"/>
               <a:buChar char="•"/>
             </a:pPr>
@@ -4811,7 +4413,7 @@
             </a:r>
           </a:p>
           <a:p>
-            <a:pPr marL="342900" indent="-342900" algn="just">
+            <a:pPr marL="342900" indent="-342900">
               <a:buFont typeface="Arial" panose="020B0604020202020204" pitchFamily="34" charset="0"/>
               <a:buChar char="•"/>
             </a:pPr>
@@ -4847,7 +4449,7 @@
         </p:nvSpPr>
         <p:spPr>
           <a:xfrm>
-            <a:off x="12090424" y="3986865"/>
+            <a:off x="12295480" y="3708624"/>
             <a:ext cx="6012859" cy="830997"/>
           </a:xfrm>
           <a:prstGeom prst="rect">
@@ -4882,8 +4484,8 @@
         </p:nvSpPr>
         <p:spPr>
           <a:xfrm>
-            <a:off x="264538" y="12471929"/>
-            <a:ext cx="8369700" cy="1569660"/>
+            <a:off x="634068" y="8749184"/>
+            <a:ext cx="7718400" cy="2404823"/>
           </a:xfrm>
           <a:prstGeom prst="rect">
             <a:avLst/>
@@ -4892,15 +4494,19 @@
         </p:spPr>
         <p:txBody>
           <a:bodyPr wrap="square" rtlCol="0">
-            <a:spAutoFit/>
+            <a:noAutofit/>
           </a:bodyPr>
           <a:lstStyle/>
           <a:p>
             <a:pPr algn="just"/>
             <a:r>
               <a:rPr lang="en-GB" sz="2400" dirty="0"/>
-              <a:t>We propose a novel model agnostic approach to XAI model extraction. We use NSGA-II paired with strongly typed GP (STGP) to evolve decision tree-like structures which simultaneously balance the complexity and accuracy of the trees.</a:t>
-            </a:r>
+              <a:t>We propose a novel model agnostic approach to XAI model extraction. We use NSGA-II paired with strongly typed GP (STGP) to evolve decision tree-like structures which simultaneously balance the complexity and accuracy of the trees. Complexity is minimised and accuracy maximised by our objective functions below. </a:t>
+            </a:r>
+          </a:p>
+          <a:p>
+            <a:pPr algn="just"/>
+            <a:endParaRPr lang="en-GB" sz="2400" dirty="0"/>
           </a:p>
         </p:txBody>
       </p:sp>
@@ -4918,7 +4524,7 @@
         </p:nvSpPr>
         <p:spPr>
           <a:xfrm>
-            <a:off x="2317931" y="11710039"/>
+            <a:off x="2423120" y="8029104"/>
             <a:ext cx="4152742" cy="769441"/>
           </a:xfrm>
           <a:prstGeom prst="rect">
@@ -4939,522 +4545,1021 @@
           </a:p>
         </p:txBody>
       </p:sp>
-      <mc:AlternateContent xmlns:mc="http://schemas.openxmlformats.org/markup-compatibility/2006">
-        <mc:Choice xmlns:a14="http://schemas.microsoft.com/office/drawing/2010/main" Requires="a14">
-          <p:sp>
-            <p:nvSpPr>
-              <p:cNvPr id="27" name="TextBox 26">
+      <p:cxnSp>
+        <p:nvCxnSpPr>
+          <p:cNvPr id="37" name="Straight Connector 36">
+            <a:extLst>
+              <a:ext uri="{FF2B5EF4-FFF2-40B4-BE49-F238E27FC236}">
+                <a16:creationId xmlns:a16="http://schemas.microsoft.com/office/drawing/2014/main" id="{41F36828-6B33-48D0-B8C9-0D9CCC8494FF}"/>
+              </a:ext>
+            </a:extLst>
+          </p:cNvPr>
+          <p:cNvCxnSpPr>
+            <a:cxnSpLocks/>
+          </p:cNvCxnSpPr>
+          <p:nvPr/>
+        </p:nvCxnSpPr>
+        <p:spPr>
+          <a:xfrm>
+            <a:off x="21332675" y="3529521"/>
+            <a:ext cx="0" cy="17361584"/>
+          </a:xfrm>
+          <a:prstGeom prst="line">
+            <a:avLst/>
+          </a:prstGeom>
+          <a:ln w="127000">
+            <a:solidFill>
+              <a:schemeClr val="tx1"/>
+            </a:solidFill>
+          </a:ln>
+        </p:spPr>
+        <p:style>
+          <a:lnRef idx="1">
+            <a:schemeClr val="accent1"/>
+          </a:lnRef>
+          <a:fillRef idx="0">
+            <a:schemeClr val="accent1"/>
+          </a:fillRef>
+          <a:effectRef idx="0">
+            <a:schemeClr val="accent1"/>
+          </a:effectRef>
+          <a:fontRef idx="minor">
+            <a:schemeClr val="tx1"/>
+          </a:fontRef>
+        </p:style>
+      </p:cxnSp>
+      <p:cxnSp>
+        <p:nvCxnSpPr>
+          <p:cNvPr id="39" name="Straight Connector 38">
+            <a:extLst>
+              <a:ext uri="{FF2B5EF4-FFF2-40B4-BE49-F238E27FC236}">
+                <a16:creationId xmlns:a16="http://schemas.microsoft.com/office/drawing/2014/main" id="{F31C3F9F-7E07-400A-8C41-62E3853F8547}"/>
+              </a:ext>
+            </a:extLst>
+          </p:cNvPr>
+          <p:cNvCxnSpPr>
+            <a:cxnSpLocks/>
+          </p:cNvCxnSpPr>
+          <p:nvPr/>
+        </p:nvCxnSpPr>
+        <p:spPr>
+          <a:xfrm>
+            <a:off x="8803283" y="3529521"/>
+            <a:ext cx="0" cy="17361584"/>
+          </a:xfrm>
+          <a:prstGeom prst="line">
+            <a:avLst/>
+          </a:prstGeom>
+          <a:ln w="127000">
+            <a:solidFill>
+              <a:schemeClr val="tx1"/>
+            </a:solidFill>
+          </a:ln>
+        </p:spPr>
+        <p:style>
+          <a:lnRef idx="1">
+            <a:schemeClr val="accent1"/>
+          </a:lnRef>
+          <a:fillRef idx="0">
+            <a:schemeClr val="accent1"/>
+          </a:fillRef>
+          <a:effectRef idx="0">
+            <a:schemeClr val="accent1"/>
+          </a:effectRef>
+          <a:fontRef idx="minor">
+            <a:schemeClr val="tx1"/>
+          </a:fontRef>
+        </p:style>
+      </p:cxnSp>
+      <p:sp>
+        <p:nvSpPr>
+          <p:cNvPr id="13" name="TextBox 12">
+            <a:extLst>
+              <a:ext uri="{FF2B5EF4-FFF2-40B4-BE49-F238E27FC236}">
+                <a16:creationId xmlns:a16="http://schemas.microsoft.com/office/drawing/2014/main" id="{4CB12018-CB45-4E76-BF69-DC072BFB0F6A}"/>
+              </a:ext>
+            </a:extLst>
+          </p:cNvPr>
+          <p:cNvSpPr txBox="1"/>
+          <p:nvPr/>
+        </p:nvSpPr>
+        <p:spPr>
+          <a:xfrm>
+            <a:off x="21813931" y="16787741"/>
+            <a:ext cx="7704000" cy="4004161"/>
+          </a:xfrm>
+          <a:prstGeom prst="rect">
+            <a:avLst/>
+          </a:prstGeom>
+          <a:noFill/>
+        </p:spPr>
+        <p:txBody>
+          <a:bodyPr wrap="square" rtlCol="0">
+            <a:noAutofit/>
+          </a:bodyPr>
+          <a:lstStyle/>
+          <a:p>
+            <a:pPr algn="just"/>
+            <a:r>
+              <a:rPr lang="en-GB" sz="2000" dirty="0"/>
+              <a:t>The new method was compared to existing approaches for model extraction, and was found to offer drastically simpler models, with statistically equivalent test accuracy. To our best knowledge, this is the first utilisation of multi-objective optimisation in explainable AI. We also believe this is the first application of GP for model extraction, and shows a promising direction for future developments.</a:t>
+            </a:r>
+          </a:p>
+          <a:p>
+            <a:pPr algn="just"/>
+            <a:endParaRPr lang="en-GB" sz="2000" dirty="0"/>
+          </a:p>
+          <a:p>
+            <a:pPr algn="just"/>
+            <a:r>
+              <a:rPr lang="en-GB" sz="2000" dirty="0"/>
+              <a:t>Three focus areas for future work:</a:t>
+            </a:r>
+          </a:p>
+          <a:p>
+            <a:pPr marL="342900" indent="-342900" algn="just">
+              <a:buFont typeface="Arial" panose="020B0604020202020204" pitchFamily="34" charset="0"/>
+              <a:buChar char="•"/>
+            </a:pPr>
+            <a:r>
+              <a:rPr lang="en-GB" sz="2000" dirty="0"/>
+              <a:t>Can recreation ability be improved without sacrificing simplicity? </a:t>
+            </a:r>
+          </a:p>
+          <a:p>
+            <a:pPr marL="342900" indent="-342900" algn="just">
+              <a:buFont typeface="Arial" panose="020B0604020202020204" pitchFamily="34" charset="0"/>
+              <a:buChar char="•"/>
+            </a:pPr>
+            <a:r>
+              <a:rPr lang="en-GB" sz="2000" dirty="0"/>
+              <a:t>Can we find a more suitable measure of complexity to describe human interpretability?  </a:t>
+            </a:r>
+          </a:p>
+          <a:p>
+            <a:pPr marL="342900" indent="-342900" algn="just">
+              <a:buFont typeface="Arial" panose="020B0604020202020204" pitchFamily="34" charset="0"/>
+              <a:buChar char="•"/>
+            </a:pPr>
+            <a:r>
+              <a:rPr lang="en-GB" sz="2000" dirty="0"/>
+              <a:t>Is it possible to guide the evolution of the models based on human feedback?</a:t>
+            </a:r>
+          </a:p>
+          <a:p>
+            <a:endParaRPr lang="en-GB" sz="2000" dirty="0"/>
+          </a:p>
+        </p:txBody>
+      </p:sp>
+      <p:sp>
+        <p:nvSpPr>
+          <p:cNvPr id="25" name="TextBox 24">
+            <a:extLst>
+              <a:ext uri="{FF2B5EF4-FFF2-40B4-BE49-F238E27FC236}">
+                <a16:creationId xmlns:a16="http://schemas.microsoft.com/office/drawing/2014/main" id="{5A961CB8-D9BB-43E8-AA4C-030CE5CC5E83}"/>
+              </a:ext>
+            </a:extLst>
+          </p:cNvPr>
+          <p:cNvSpPr txBox="1"/>
+          <p:nvPr/>
+        </p:nvSpPr>
+        <p:spPr>
+          <a:xfrm>
+            <a:off x="22488866" y="16021992"/>
+            <a:ext cx="6354129" cy="769441"/>
+          </a:xfrm>
+          <a:prstGeom prst="rect">
+            <a:avLst/>
+          </a:prstGeom>
+          <a:noFill/>
+        </p:spPr>
+        <p:txBody>
+          <a:bodyPr wrap="square" rtlCol="0">
+            <a:spAutoFit/>
+          </a:bodyPr>
+          <a:lstStyle/>
+          <a:p>
+            <a:r>
+              <a:rPr lang="en-GB" sz="4400" dirty="0"/>
+              <a:t>Conclusion &amp; Future Work</a:t>
+            </a:r>
+          </a:p>
+        </p:txBody>
+      </p:sp>
+      <p:sp>
+        <p:nvSpPr>
+          <p:cNvPr id="28" name="TextBox 27">
+            <a:extLst>
+              <a:ext uri="{FF2B5EF4-FFF2-40B4-BE49-F238E27FC236}">
+                <a16:creationId xmlns:a16="http://schemas.microsoft.com/office/drawing/2014/main" id="{F161C641-936D-4EC1-821E-B6406AD2FA10}"/>
+              </a:ext>
+            </a:extLst>
+          </p:cNvPr>
+          <p:cNvSpPr txBox="1"/>
+          <p:nvPr/>
+        </p:nvSpPr>
+        <p:spPr>
+          <a:xfrm>
+            <a:off x="23727048" y="3753943"/>
+            <a:ext cx="4639487" cy="769441"/>
+          </a:xfrm>
+          <a:prstGeom prst="rect">
+            <a:avLst/>
+          </a:prstGeom>
+          <a:noFill/>
+        </p:spPr>
+        <p:txBody>
+          <a:bodyPr wrap="square" rtlCol="0">
+            <a:spAutoFit/>
+          </a:bodyPr>
+          <a:lstStyle/>
+          <a:p>
+            <a:r>
+              <a:rPr lang="en-GB" sz="4400" dirty="0"/>
+              <a:t>Further Analysis</a:t>
+            </a:r>
+          </a:p>
+        </p:txBody>
+      </p:sp>
+      <p:grpSp>
+        <p:nvGrpSpPr>
+          <p:cNvPr id="38" name="Group 37">
+            <a:extLst>
+              <a:ext uri="{FF2B5EF4-FFF2-40B4-BE49-F238E27FC236}">
+                <a16:creationId xmlns:a16="http://schemas.microsoft.com/office/drawing/2014/main" id="{89D48EB8-C025-45D1-A868-9F9691F60AF4}"/>
+              </a:ext>
+            </a:extLst>
+          </p:cNvPr>
+          <p:cNvGrpSpPr/>
+          <p:nvPr/>
+        </p:nvGrpSpPr>
+        <p:grpSpPr>
+          <a:xfrm>
+            <a:off x="1365515" y="15669347"/>
+            <a:ext cx="6325177" cy="4097061"/>
+            <a:chOff x="1365515" y="16841893"/>
+            <a:chExt cx="6325177" cy="4097061"/>
+          </a:xfrm>
+        </p:grpSpPr>
+        <p:grpSp>
+          <p:nvGrpSpPr>
+            <p:cNvPr id="5" name="Group 4">
+              <a:extLst>
+                <a:ext uri="{FF2B5EF4-FFF2-40B4-BE49-F238E27FC236}">
+                  <a16:creationId xmlns:a16="http://schemas.microsoft.com/office/drawing/2014/main" id="{DAA3E9FC-1EE3-4D42-9FB4-83425C8D64E6}"/>
+                </a:ext>
+              </a:extLst>
+            </p:cNvPr>
+            <p:cNvGrpSpPr/>
+            <p:nvPr/>
+          </p:nvGrpSpPr>
+          <p:grpSpPr>
+            <a:xfrm>
+              <a:off x="1365515" y="16841893"/>
+              <a:ext cx="6325177" cy="4097061"/>
+              <a:chOff x="738094" y="16751609"/>
+              <a:chExt cx="6325177" cy="4097061"/>
+            </a:xfrm>
+          </p:grpSpPr>
+          <p:pic>
+            <p:nvPicPr>
+              <p:cNvPr id="6" name="Picture 5"/>
+              <p:cNvPicPr>
+                <a:picLocks noChangeAspect="1"/>
+              </p:cNvPicPr>
+              <p:nvPr/>
+            </p:nvPicPr>
+            <p:blipFill>
+              <a:blip r:embed="rId10">
                 <a:extLst>
-                  <a:ext uri="{FF2B5EF4-FFF2-40B4-BE49-F238E27FC236}">
-                    <a16:creationId xmlns:a16="http://schemas.microsoft.com/office/drawing/2014/main" id="{C3C5D9DB-291A-406A-941D-203402A8590E}"/>
+                  <a:ext uri="{28A0092B-C50C-407E-A947-70E740481C1C}">
+                    <a14:useLocalDpi xmlns:a14="http://schemas.microsoft.com/office/drawing/2010/main" val="0"/>
                   </a:ext>
                 </a:extLst>
-              </p:cNvPr>
-              <p:cNvSpPr txBox="1"/>
-              <p:nvPr/>
-            </p:nvSpPr>
+              </a:blip>
+              <a:stretch>
+                <a:fillRect/>
+              </a:stretch>
+            </p:blipFill>
             <p:spPr>
               <a:xfrm>
-                <a:off x="989754" y="15961316"/>
-                <a:ext cx="7309116" cy="1043363"/>
+                <a:off x="2363284" y="16751609"/>
+                <a:ext cx="4699987" cy="3592537"/>
               </a:xfrm>
               <a:prstGeom prst="rect">
                 <a:avLst/>
               </a:prstGeom>
-              <a:noFill/>
+              <a:ln>
+                <a:noFill/>
+              </a:ln>
+              <a:effectLst>
+                <a:outerShdw blurRad="190500" algn="tl" rotWithShape="0">
+                  <a:srgbClr val="000000">
+                    <a:alpha val="70000"/>
+                  </a:srgbClr>
+                </a:outerShdw>
+              </a:effectLst>
             </p:spPr>
-            <p:txBody>
-              <a:bodyPr wrap="square" lIns="0" tIns="0" rIns="0" bIns="0" rtlCol="0">
-                <a:spAutoFit/>
-              </a:bodyPr>
-              <a:lstStyle/>
-              <a:p>
-                <a14:m>
-                  <m:oMathPara xmlns:m="http://schemas.openxmlformats.org/officeDocument/2006/math">
-                    <m:oMathParaPr>
-                      <m:jc m:val="centerGroup"/>
-                    </m:oMathParaPr>
-                    <m:oMath xmlns:m="http://schemas.openxmlformats.org/officeDocument/2006/math">
-                      <m:r>
-                        <a:rPr lang="en-GB" sz="2800" b="0" i="1" smtClean="0">
-                          <a:latin typeface="Cambria Math" panose="02040503050406030204" pitchFamily="18" charset="0"/>
-                        </a:rPr>
-                        <m:t>𝑚𝑖𝑛𝑖𝑚𝑖𝑠𝑒</m:t>
-                      </m:r>
-                      <m:nary>
-                        <m:naryPr>
-                          <m:chr m:val="∑"/>
-                          <m:subHide m:val="on"/>
-                          <m:supHide m:val="on"/>
-                          <m:ctrlPr>
-                            <a:rPr lang="en-GB" sz="2800" b="0" i="1" smtClean="0">
-                              <a:latin typeface="Cambria Math" panose="02040503050406030204" pitchFamily="18" charset="0"/>
-                            </a:rPr>
-                          </m:ctrlPr>
-                        </m:naryPr>
-                        <m:sub/>
-                        <m:sup/>
-                        <m:e>
-                          <m:r>
-                            <a:rPr lang="en-GB" sz="2800" b="0" i="1" smtClean="0">
-                              <a:latin typeface="Cambria Math" panose="02040503050406030204" pitchFamily="18" charset="0"/>
-                            </a:rPr>
-                            <m:t>𝑠𝑝𝑙𝑖𝑡</m:t>
-                          </m:r>
-                          <m:r>
-                            <a:rPr lang="en-GB" sz="2800" b="0" i="1" smtClean="0">
-                              <a:latin typeface="Cambria Math" panose="02040503050406030204" pitchFamily="18" charset="0"/>
-                            </a:rPr>
-                            <m:t>_</m:t>
-                          </m:r>
-                          <m:r>
-                            <a:rPr lang="en-GB" sz="2800" b="0" i="1" smtClean="0">
-                              <a:latin typeface="Cambria Math" panose="02040503050406030204" pitchFamily="18" charset="0"/>
-                            </a:rPr>
-                            <m:t>𝑝𝑜𝑖𝑛𝑡𝑠</m:t>
-                          </m:r>
-                        </m:e>
-                      </m:nary>
-                    </m:oMath>
-                  </m:oMathPara>
-                </a14:m>
-                <a:endParaRPr lang="en-GB" sz="2800" dirty="0"/>
-              </a:p>
-            </p:txBody>
-          </p:sp>
-        </mc:Choice>
-        <mc:Fallback>
-          <p:sp>
-            <p:nvSpPr>
-              <p:cNvPr id="27" name="TextBox 26">
+          </p:pic>
+          <p:pic>
+            <p:nvPicPr>
+              <p:cNvPr id="10" name="Picture 9"/>
+              <p:cNvPicPr>
+                <a:picLocks noChangeAspect="1"/>
+              </p:cNvPicPr>
+              <p:nvPr/>
+            </p:nvPicPr>
+            <p:blipFill>
+              <a:blip r:embed="rId11" cstate="print">
                 <a:extLst>
-                  <a:ext uri="{FF2B5EF4-FFF2-40B4-BE49-F238E27FC236}">
-                    <a16:creationId xmlns:a16="http://schemas.microsoft.com/office/drawing/2014/main" id="{C3C5D9DB-291A-406A-941D-203402A8590E}"/>
+                  <a:ext uri="{28A0092B-C50C-407E-A947-70E740481C1C}">
+                    <a14:useLocalDpi xmlns:a14="http://schemas.microsoft.com/office/drawing/2010/main" val="0"/>
                   </a:ext>
                 </a:extLst>
-              </p:cNvPr>
-              <p:cNvSpPr txBox="1">
-                <a:spLocks noRot="1" noChangeAspect="1" noMove="1" noResize="1" noEditPoints="1" noAdjustHandles="1" noChangeArrowheads="1" noChangeShapeType="1" noTextEdit="1"/>
-              </p:cNvSpPr>
-              <p:nvPr/>
-            </p:nvSpPr>
+              </a:blip>
+              <a:stretch>
+                <a:fillRect/>
+              </a:stretch>
+            </p:blipFill>
             <p:spPr>
               <a:xfrm>
-                <a:off x="989754" y="15961316"/>
-                <a:ext cx="7309116" cy="1043363"/>
+                <a:off x="738094" y="18817976"/>
+                <a:ext cx="3583643" cy="2030694"/>
               </a:xfrm>
               <a:prstGeom prst="rect">
                 <a:avLst/>
               </a:prstGeom>
-              <a:blipFill>
-                <a:blip r:embed="rId13"/>
-                <a:stretch>
-                  <a:fillRect/>
-                </a:stretch>
-              </a:blipFill>
+              <a:ln>
+                <a:noFill/>
+              </a:ln>
+              <a:effectLst>
+                <a:outerShdw blurRad="190500" algn="tl" rotWithShape="0">
+                  <a:srgbClr val="000000">
+                    <a:alpha val="70000"/>
+                  </a:srgbClr>
+                </a:outerShdw>
+              </a:effectLst>
             </p:spPr>
-            <p:txBody>
-              <a:bodyPr/>
-              <a:lstStyle/>
-              <a:p>
-                <a:r>
-                  <a:rPr lang="en-GB">
-                    <a:noFill/>
-                  </a:rPr>
-                  <a:t> </a:t>
-                </a:r>
-              </a:p>
-            </p:txBody>
-          </p:sp>
-        </mc:Fallback>
-      </mc:AlternateContent>
-      <mc:AlternateContent xmlns:mc="http://schemas.openxmlformats.org/markup-compatibility/2006">
-        <mc:Choice xmlns:a14="http://schemas.microsoft.com/office/drawing/2010/main" Requires="a14">
-          <p:sp>
-            <p:nvSpPr>
-              <p:cNvPr id="29" name="TextBox 28">
-                <a:extLst>
-                  <a:ext uri="{FF2B5EF4-FFF2-40B4-BE49-F238E27FC236}">
-                    <a16:creationId xmlns:a16="http://schemas.microsoft.com/office/drawing/2014/main" id="{F34BC0A3-5C58-4D1E-AB58-06E2A1D7B69B}"/>
-                  </a:ext>
-                </a:extLst>
-              </p:cNvPr>
-              <p:cNvSpPr txBox="1"/>
-              <p:nvPr/>
-            </p:nvSpPr>
-            <p:spPr>
-              <a:xfrm>
-                <a:off x="89776" y="14070709"/>
-                <a:ext cx="8933279" cy="1045927"/>
-              </a:xfrm>
-              <a:prstGeom prst="rect">
-                <a:avLst/>
-              </a:prstGeom>
-              <a:noFill/>
-            </p:spPr>
-            <p:txBody>
-              <a:bodyPr wrap="square" lIns="0" tIns="0" rIns="0" bIns="0" rtlCol="0">
-                <a:spAutoFit/>
-              </a:bodyPr>
-              <a:lstStyle/>
-              <a:p>
-                <a14:m>
-                  <m:oMathPara xmlns:m="http://schemas.openxmlformats.org/officeDocument/2006/math">
-                    <m:oMathParaPr>
-                      <m:jc m:val="centerGroup"/>
-                    </m:oMathParaPr>
-                    <m:oMath xmlns:m="http://schemas.openxmlformats.org/officeDocument/2006/math">
-                      <m:r>
-                        <a:rPr lang="en-GB" sz="2400" b="0" i="1" smtClean="0">
-                          <a:latin typeface="Cambria Math" panose="02040503050406030204" pitchFamily="18" charset="0"/>
-                        </a:rPr>
-                        <m:t>𝑚𝑎𝑥𝑖𝑚𝑖𝑠𝑒</m:t>
-                      </m:r>
-                      <m:f>
-                        <m:fPr>
-                          <m:ctrlPr>
-                            <a:rPr lang="en-GB" sz="2400" b="0" i="1" smtClean="0">
+          </p:pic>
+        </p:grpSp>
+        <p:cxnSp>
+          <p:nvCxnSpPr>
+            <p:cNvPr id="35" name="Straight Arrow Connector 34">
+              <a:extLst>
+                <a:ext uri="{FF2B5EF4-FFF2-40B4-BE49-F238E27FC236}">
+                  <a16:creationId xmlns:a16="http://schemas.microsoft.com/office/drawing/2014/main" id="{BD5494EA-A04D-4E4A-8152-19A0E4256222}"/>
+                </a:ext>
+              </a:extLst>
+            </p:cNvPr>
+            <p:cNvCxnSpPr>
+              <a:cxnSpLocks/>
+            </p:cNvCxnSpPr>
+            <p:nvPr/>
+          </p:nvCxnSpPr>
+          <p:spPr>
+            <a:xfrm flipH="1">
+              <a:off x="2990705" y="18657407"/>
+              <a:ext cx="2587973" cy="437430"/>
+            </a:xfrm>
+            <a:prstGeom prst="straightConnector1">
+              <a:avLst/>
+            </a:prstGeom>
+            <a:ln w="63500">
+              <a:solidFill>
+                <a:schemeClr val="tx1"/>
+              </a:solidFill>
+              <a:tailEnd type="triangle"/>
+            </a:ln>
+          </p:spPr>
+          <p:style>
+            <a:lnRef idx="1">
+              <a:schemeClr val="accent1"/>
+            </a:lnRef>
+            <a:fillRef idx="0">
+              <a:schemeClr val="accent1"/>
+            </a:fillRef>
+            <a:effectRef idx="0">
+              <a:schemeClr val="accent1"/>
+            </a:effectRef>
+            <a:fontRef idx="minor">
+              <a:schemeClr val="tx1"/>
+            </a:fontRef>
+          </p:style>
+        </p:cxnSp>
+      </p:grpSp>
+      <p:sp>
+        <p:nvSpPr>
+          <p:cNvPr id="42" name="TextBox 41">
+            <a:extLst>
+              <a:ext uri="{FF2B5EF4-FFF2-40B4-BE49-F238E27FC236}">
+                <a16:creationId xmlns:a16="http://schemas.microsoft.com/office/drawing/2014/main" id="{C358187D-65FB-4CE4-8774-C1B970BA7745}"/>
+              </a:ext>
+            </a:extLst>
+          </p:cNvPr>
+          <p:cNvSpPr txBox="1"/>
+          <p:nvPr/>
+        </p:nvSpPr>
+        <p:spPr>
+          <a:xfrm>
+            <a:off x="593263" y="20021690"/>
+            <a:ext cx="7718400" cy="824838"/>
+          </a:xfrm>
+          <a:prstGeom prst="rect">
+            <a:avLst/>
+          </a:prstGeom>
+          <a:noFill/>
+        </p:spPr>
+        <p:txBody>
+          <a:bodyPr wrap="square" rtlCol="0">
+            <a:noAutofit/>
+          </a:bodyPr>
+          <a:lstStyle/>
+          <a:p>
+            <a:r>
+              <a:rPr lang="en-GB" sz="2400" dirty="0"/>
+              <a:t>Evolutionary training process of our algorithm shown above alongside diagram of non-dominated sorting in NSGA-II.</a:t>
+            </a:r>
+          </a:p>
+        </p:txBody>
+      </p:sp>
+      <p:sp>
+        <p:nvSpPr>
+          <p:cNvPr id="43" name="TextBox 42">
+            <a:extLst>
+              <a:ext uri="{FF2B5EF4-FFF2-40B4-BE49-F238E27FC236}">
+                <a16:creationId xmlns:a16="http://schemas.microsoft.com/office/drawing/2014/main" id="{E85481DA-2C0F-45A3-BFA0-4215A1F7A989}"/>
+              </a:ext>
+            </a:extLst>
+          </p:cNvPr>
+          <p:cNvSpPr txBox="1"/>
+          <p:nvPr/>
+        </p:nvSpPr>
+        <p:spPr>
+          <a:xfrm>
+            <a:off x="2863135" y="3522703"/>
+            <a:ext cx="3187278" cy="769441"/>
+          </a:xfrm>
+          <a:prstGeom prst="rect">
+            <a:avLst/>
+          </a:prstGeom>
+          <a:noFill/>
+        </p:spPr>
+        <p:txBody>
+          <a:bodyPr wrap="square" rtlCol="0">
+            <a:spAutoFit/>
+          </a:bodyPr>
+          <a:lstStyle/>
+          <a:p>
+            <a:r>
+              <a:rPr lang="en-GB" sz="4400" dirty="0"/>
+              <a:t>Introduction</a:t>
+            </a:r>
+          </a:p>
+        </p:txBody>
+      </p:sp>
+      <p:sp>
+        <p:nvSpPr>
+          <p:cNvPr id="44" name="TextBox 43">
+            <a:extLst>
+              <a:ext uri="{FF2B5EF4-FFF2-40B4-BE49-F238E27FC236}">
+                <a16:creationId xmlns:a16="http://schemas.microsoft.com/office/drawing/2014/main" id="{67D0FB02-1202-4F84-8097-46B1F140C1A5}"/>
+              </a:ext>
+            </a:extLst>
+          </p:cNvPr>
+          <p:cNvSpPr txBox="1"/>
+          <p:nvPr/>
+        </p:nvSpPr>
+        <p:spPr>
+          <a:xfrm>
+            <a:off x="700696" y="4244586"/>
+            <a:ext cx="7651772" cy="3662541"/>
+          </a:xfrm>
+          <a:prstGeom prst="rect">
+            <a:avLst/>
+          </a:prstGeom>
+          <a:noFill/>
+        </p:spPr>
+        <p:txBody>
+          <a:bodyPr wrap="square" rtlCol="0">
+            <a:spAutoFit/>
+          </a:bodyPr>
+          <a:lstStyle/>
+          <a:p>
+            <a:pPr algn="just"/>
+            <a:r>
+              <a:rPr lang="en-GB" sz="2000" dirty="0"/>
+              <a:t>The most useful machine learning techniques are also the least interpretable but for AI to be adopted into more areas it needs to be explainable and it’s decisions justified.</a:t>
+            </a:r>
+          </a:p>
+          <a:p>
+            <a:pPr algn="just"/>
+            <a:endParaRPr lang="en-GB" sz="1600" dirty="0"/>
+          </a:p>
+          <a:p>
+            <a:pPr algn="just"/>
+            <a:r>
+              <a:rPr lang="en-GB" sz="2000" dirty="0"/>
+              <a:t>Model extraction functions as an unobtrusive addition that can provide insight into a complex model’s predictions. Decision trees are most naturally interpretable, although current approaches are flawed (greedy tree-construction)</a:t>
+            </a:r>
+          </a:p>
+          <a:p>
+            <a:pPr algn="just"/>
+            <a:endParaRPr lang="en-GB" sz="1600" dirty="0"/>
+          </a:p>
+          <a:p>
+            <a:pPr algn="just"/>
+            <a:r>
+              <a:rPr lang="en-GB" sz="2000" dirty="0"/>
+              <a:t>Using multi-objective Genetic Programming we can extract models that provide the reconstruction ability seen previously but ensure human readability by keeping tree complexity to a minimum. </a:t>
+            </a:r>
+          </a:p>
+        </p:txBody>
+      </p:sp>
+      <p:grpSp>
+        <p:nvGrpSpPr>
+          <p:cNvPr id="64" name="Group 63">
+            <a:extLst>
+              <a:ext uri="{FF2B5EF4-FFF2-40B4-BE49-F238E27FC236}">
+                <a16:creationId xmlns:a16="http://schemas.microsoft.com/office/drawing/2014/main" id="{200DB834-B55B-4869-AC7F-609A5D1A31D4}"/>
+              </a:ext>
+            </a:extLst>
+          </p:cNvPr>
+          <p:cNvGrpSpPr/>
+          <p:nvPr/>
+        </p:nvGrpSpPr>
+        <p:grpSpPr>
+          <a:xfrm>
+            <a:off x="-62665" y="11170161"/>
+            <a:ext cx="8933279" cy="2979623"/>
+            <a:chOff x="-62665" y="12493600"/>
+            <a:chExt cx="8933279" cy="2979623"/>
+          </a:xfrm>
+        </p:grpSpPr>
+        <mc:AlternateContent xmlns:mc="http://schemas.openxmlformats.org/markup-compatibility/2006">
+          <mc:Choice xmlns:a14="http://schemas.microsoft.com/office/drawing/2010/main" Requires="a14">
+            <p:sp>
+              <p:nvSpPr>
+                <p:cNvPr id="27" name="TextBox 26">
+                  <a:extLst>
+                    <a:ext uri="{FF2B5EF4-FFF2-40B4-BE49-F238E27FC236}">
+                      <a16:creationId xmlns:a16="http://schemas.microsoft.com/office/drawing/2014/main" id="{C3C5D9DB-291A-406A-941D-203402A8590E}"/>
+                    </a:ext>
+                  </a:extLst>
+                </p:cNvPr>
+                <p:cNvSpPr txBox="1"/>
+                <p:nvPr/>
+              </p:nvSpPr>
+              <p:spPr>
+                <a:xfrm>
+                  <a:off x="3583793" y="14437816"/>
+                  <a:ext cx="4518857" cy="745332"/>
+                </a:xfrm>
+                <a:prstGeom prst="rect">
+                  <a:avLst/>
+                </a:prstGeom>
+                <a:noFill/>
+              </p:spPr>
+              <p:txBody>
+                <a:bodyPr wrap="square" lIns="0" tIns="0" rIns="0" bIns="0" rtlCol="0">
+                  <a:spAutoFit/>
+                </a:bodyPr>
+                <a:lstStyle/>
+                <a:p>
+                  <a:pPr/>
+                  <a14:m>
+                    <m:oMathPara xmlns:m="http://schemas.openxmlformats.org/officeDocument/2006/math">
+                      <m:oMathParaPr>
+                        <m:jc m:val="centerGroup"/>
+                      </m:oMathParaPr>
+                      <m:oMath xmlns:m="http://schemas.openxmlformats.org/officeDocument/2006/math">
+                        <m:r>
+                          <a:rPr lang="en-GB" sz="2000" b="0" i="1" smtClean="0">
+                            <a:latin typeface="Cambria Math" panose="02040503050406030204" pitchFamily="18" charset="0"/>
+                          </a:rPr>
+                          <m:t>𝑚𝑖𝑛𝑖𝑚𝑖𝑠𝑒</m:t>
+                        </m:r>
+                        <m:nary>
+                          <m:naryPr>
+                            <m:chr m:val="∑"/>
+                            <m:subHide m:val="on"/>
+                            <m:supHide m:val="on"/>
+                            <m:ctrlPr>
+                              <a:rPr lang="en-GB" sz="2000" b="0" i="1" smtClean="0">
+                                <a:latin typeface="Cambria Math" panose="02040503050406030204" pitchFamily="18" charset="0"/>
+                              </a:rPr>
+                            </m:ctrlPr>
+                          </m:naryPr>
+                          <m:sub/>
+                          <m:sup/>
+                          <m:e>
+                            <m:r>
+                              <a:rPr lang="en-GB" sz="2000" b="0" i="1" smtClean="0">
+                                <a:latin typeface="Cambria Math" panose="02040503050406030204" pitchFamily="18" charset="0"/>
+                              </a:rPr>
+                              <m:t>𝑠𝑝𝑙𝑖𝑡</m:t>
+                            </m:r>
+                            <m:r>
+                              <a:rPr lang="en-GB" sz="2000" b="0" i="1" smtClean="0">
+                                <a:latin typeface="Cambria Math" panose="02040503050406030204" pitchFamily="18" charset="0"/>
+                              </a:rPr>
+                              <m:t>_</m:t>
+                            </m:r>
+                            <m:r>
+                              <a:rPr lang="en-GB" sz="2000" b="0" i="1" smtClean="0">
+                                <a:latin typeface="Cambria Math" panose="02040503050406030204" pitchFamily="18" charset="0"/>
+                              </a:rPr>
+                              <m:t>𝑝𝑜𝑖𝑛𝑡𝑠</m:t>
+                            </m:r>
+                          </m:e>
+                        </m:nary>
+                      </m:oMath>
+                    </m:oMathPara>
+                  </a14:m>
+                  <a:endParaRPr lang="en-GB" sz="2800" dirty="0"/>
+                </a:p>
+              </p:txBody>
+            </p:sp>
+          </mc:Choice>
+          <mc:Fallback>
+            <p:sp>
+              <p:nvSpPr>
+                <p:cNvPr id="27" name="TextBox 26">
+                  <a:extLst>
+                    <a:ext uri="{FF2B5EF4-FFF2-40B4-BE49-F238E27FC236}">
+                      <a16:creationId xmlns:a16="http://schemas.microsoft.com/office/drawing/2014/main" id="{C3C5D9DB-291A-406A-941D-203402A8590E}"/>
+                    </a:ext>
+                  </a:extLst>
+                </p:cNvPr>
+                <p:cNvSpPr txBox="1">
+                  <a:spLocks noRot="1" noChangeAspect="1" noMove="1" noResize="1" noEditPoints="1" noAdjustHandles="1" noChangeArrowheads="1" noChangeShapeType="1" noTextEdit="1"/>
+                </p:cNvSpPr>
+                <p:nvPr/>
+              </p:nvSpPr>
+              <p:spPr>
+                <a:xfrm>
+                  <a:off x="3583793" y="14437816"/>
+                  <a:ext cx="4518857" cy="745332"/>
+                </a:xfrm>
+                <a:prstGeom prst="rect">
+                  <a:avLst/>
+                </a:prstGeom>
+                <a:blipFill>
+                  <a:blip r:embed="rId12"/>
+                  <a:stretch>
+                    <a:fillRect/>
+                  </a:stretch>
+                </a:blipFill>
+              </p:spPr>
+              <p:txBody>
+                <a:bodyPr/>
+                <a:lstStyle/>
+                <a:p>
+                  <a:r>
+                    <a:rPr lang="en-GB">
+                      <a:noFill/>
+                    </a:rPr>
+                    <a:t> </a:t>
+                  </a:r>
+                </a:p>
+              </p:txBody>
+            </p:sp>
+          </mc:Fallback>
+        </mc:AlternateContent>
+        <p:grpSp>
+          <p:nvGrpSpPr>
+            <p:cNvPr id="41" name="Group 40">
+              <a:extLst>
+                <a:ext uri="{FF2B5EF4-FFF2-40B4-BE49-F238E27FC236}">
+                  <a16:creationId xmlns:a16="http://schemas.microsoft.com/office/drawing/2014/main" id="{F84BBB69-561A-434F-BCB6-132C99BD9D1D}"/>
+                </a:ext>
+              </a:extLst>
+            </p:cNvPr>
+            <p:cNvGrpSpPr/>
+            <p:nvPr/>
+          </p:nvGrpSpPr>
+          <p:grpSpPr>
+            <a:xfrm>
+              <a:off x="-62665" y="12493600"/>
+              <a:ext cx="8933279" cy="1683424"/>
+              <a:chOff x="-73363" y="12612512"/>
+              <a:chExt cx="8933279" cy="1683424"/>
+            </a:xfrm>
+          </p:grpSpPr>
+          <mc:AlternateContent xmlns:mc="http://schemas.openxmlformats.org/markup-compatibility/2006">
+            <mc:Choice xmlns:a14="http://schemas.microsoft.com/office/drawing/2010/main" Requires="a14">
+              <p:sp>
+                <p:nvSpPr>
+                  <p:cNvPr id="29" name="TextBox 28">
+                    <a:extLst>
+                      <a:ext uri="{FF2B5EF4-FFF2-40B4-BE49-F238E27FC236}">
+                        <a16:creationId xmlns:a16="http://schemas.microsoft.com/office/drawing/2014/main" id="{F34BC0A3-5C58-4D1E-AB58-06E2A1D7B69B}"/>
+                      </a:ext>
+                    </a:extLst>
+                  </p:cNvPr>
+                  <p:cNvSpPr txBox="1"/>
+                  <p:nvPr/>
+                </p:nvSpPr>
+                <p:spPr>
+                  <a:xfrm>
+                    <a:off x="-73363" y="12612512"/>
+                    <a:ext cx="8933279" cy="871713"/>
+                  </a:xfrm>
+                  <a:prstGeom prst="rect">
+                    <a:avLst/>
+                  </a:prstGeom>
+                  <a:noFill/>
+                </p:spPr>
+                <p:txBody>
+                  <a:bodyPr wrap="square" lIns="0" tIns="0" rIns="0" bIns="0" rtlCol="0">
+                    <a:spAutoFit/>
+                  </a:bodyPr>
+                  <a:lstStyle/>
+                  <a:p>
+                    <a:pPr/>
+                    <a14:m>
+                      <m:oMathPara xmlns:m="http://schemas.openxmlformats.org/officeDocument/2006/math">
+                        <m:oMathParaPr>
+                          <m:jc m:val="centerGroup"/>
+                        </m:oMathParaPr>
+                        <m:oMath xmlns:m="http://schemas.openxmlformats.org/officeDocument/2006/math">
+                          <m:r>
+                            <a:rPr lang="en-GB" sz="2000" b="0" i="1" smtClean="0">
                               <a:latin typeface="Cambria Math" panose="02040503050406030204" pitchFamily="18" charset="0"/>
                             </a:rPr>
-                          </m:ctrlPr>
-                        </m:fPr>
-                        <m:num>
+                            <m:t>𝑚𝑎𝑥𝑖𝑚𝑖𝑠𝑒</m:t>
+                          </m:r>
+                          <m:f>
+                            <m:fPr>
+                              <m:ctrlPr>
+                                <a:rPr lang="en-GB" sz="2000" b="0" i="1" smtClean="0">
+                                  <a:latin typeface="Cambria Math" panose="02040503050406030204" pitchFamily="18" charset="0"/>
+                                </a:rPr>
+                              </m:ctrlPr>
+                            </m:fPr>
+                            <m:num>
+                              <m:r>
+                                <a:rPr lang="en-GB" sz="2000" b="0" i="1" smtClean="0">
+                                  <a:latin typeface="Cambria Math" panose="02040503050406030204" pitchFamily="18" charset="0"/>
+                                </a:rPr>
+                                <m:t>1</m:t>
+                              </m:r>
+                            </m:num>
+                            <m:den>
+                              <m:r>
+                                <a:rPr lang="en-GB" sz="2000" b="0" i="1" smtClean="0">
+                                  <a:latin typeface="Cambria Math" panose="02040503050406030204" pitchFamily="18" charset="0"/>
+                                </a:rPr>
+                                <m:t>𝑘</m:t>
+                              </m:r>
+                            </m:den>
+                          </m:f>
+                          <m:nary>
+                            <m:naryPr>
+                              <m:chr m:val="∑"/>
+                              <m:ctrlPr>
+                                <a:rPr lang="en-GB" sz="2000" b="0" i="1" smtClean="0">
+                                  <a:latin typeface="Cambria Math" panose="02040503050406030204" pitchFamily="18" charset="0"/>
+                                </a:rPr>
+                              </m:ctrlPr>
+                            </m:naryPr>
+                            <m:sub>
+                              <m:r>
+                                <m:rPr>
+                                  <m:brk m:alnAt="23"/>
+                                </m:rPr>
+                                <a:rPr lang="en-GB" sz="2000" b="0" i="1" smtClean="0">
+                                  <a:latin typeface="Cambria Math" panose="02040503050406030204" pitchFamily="18" charset="0"/>
+                                </a:rPr>
+                                <m:t>𝑖</m:t>
+                              </m:r>
+                              <m:r>
+                                <a:rPr lang="en-GB" sz="2000" b="0" i="1" smtClean="0">
+                                  <a:latin typeface="Cambria Math" panose="02040503050406030204" pitchFamily="18" charset="0"/>
+                                </a:rPr>
+                                <m:t>=1</m:t>
+                              </m:r>
+                            </m:sub>
+                            <m:sup>
+                              <m:r>
+                                <a:rPr lang="en-GB" sz="2000" b="0" i="1" smtClean="0">
+                                  <a:latin typeface="Cambria Math" panose="02040503050406030204" pitchFamily="18" charset="0"/>
+                                </a:rPr>
+                                <m:t>𝑘</m:t>
+                              </m:r>
+                            </m:sup>
+                            <m:e>
+                              <m:r>
+                                <a:rPr lang="en-GB" sz="2000" b="0" i="1" smtClean="0">
+                                  <a:latin typeface="Cambria Math" panose="02040503050406030204" pitchFamily="18" charset="0"/>
+                                </a:rPr>
+                                <m:t>𝑓</m:t>
+                              </m:r>
+                              <m:r>
+                                <a:rPr lang="en-GB" sz="2000" b="0" i="1" smtClean="0">
+                                  <a:latin typeface="Cambria Math" panose="02040503050406030204" pitchFamily="18" charset="0"/>
+                                </a:rPr>
+                                <m:t>1(</m:t>
+                              </m:r>
+                              <m:r>
+                                <a:rPr lang="en-GB" sz="2000" b="0" i="1" smtClean="0">
+                                  <a:latin typeface="Cambria Math" panose="02040503050406030204" pitchFamily="18" charset="0"/>
+                                </a:rPr>
+                                <m:t>𝑝𝑟𝑒𝑑𝑖𝑐𝑡</m:t>
+                              </m:r>
+                              <m:r>
+                                <a:rPr lang="en-GB" sz="2000" b="0" i="1" smtClean="0">
+                                  <a:latin typeface="Cambria Math" panose="02040503050406030204" pitchFamily="18" charset="0"/>
+                                </a:rPr>
+                                <m:t>(</m:t>
+                              </m:r>
+                              <m:r>
+                                <a:rPr lang="en-GB" sz="2000" b="0" i="1" smtClean="0">
+                                  <a:latin typeface="Cambria Math" panose="02040503050406030204" pitchFamily="18" charset="0"/>
+                                </a:rPr>
+                                <m:t>𝑓𝑜𝑙𝑑</m:t>
+                              </m:r>
+                              <m:d>
+                                <m:dPr>
+                                  <m:ctrlPr>
+                                    <a:rPr lang="en-GB" sz="2000" b="0" i="1" smtClean="0">
+                                      <a:latin typeface="Cambria Math" panose="02040503050406030204" pitchFamily="18" charset="0"/>
+                                    </a:rPr>
+                                  </m:ctrlPr>
+                                </m:dPr>
+                                <m:e>
+                                  <m:r>
+                                    <a:rPr lang="en-GB" sz="2000" b="0" i="1" smtClean="0">
+                                      <a:latin typeface="Cambria Math" panose="02040503050406030204" pitchFamily="18" charset="0"/>
+                                    </a:rPr>
+                                    <m:t>𝑖</m:t>
+                                  </m:r>
+                                </m:e>
+                              </m:d>
+                              <m:r>
+                                <a:rPr lang="en-GB" sz="2000" b="0" i="1" smtClean="0">
+                                  <a:latin typeface="Cambria Math" panose="02040503050406030204" pitchFamily="18" charset="0"/>
+                                </a:rPr>
+                                <m:t>),</m:t>
+                              </m:r>
+                              <m:r>
+                                <a:rPr lang="en-GB" sz="2000" b="0" i="1" smtClean="0">
+                                  <a:latin typeface="Cambria Math" panose="02040503050406030204" pitchFamily="18" charset="0"/>
+                                </a:rPr>
+                                <m:t>𝑏𝑙𝑎𝑐𝑘𝑏𝑜𝑥</m:t>
+                              </m:r>
+                              <m:r>
+                                <a:rPr lang="en-GB" sz="2000" b="0" i="1" smtClean="0">
+                                  <a:latin typeface="Cambria Math" panose="02040503050406030204" pitchFamily="18" charset="0"/>
+                                </a:rPr>
+                                <m:t>_</m:t>
+                              </m:r>
+                              <m:r>
+                                <a:rPr lang="en-GB" sz="2000" b="0" i="1" smtClean="0">
+                                  <a:latin typeface="Cambria Math" panose="02040503050406030204" pitchFamily="18" charset="0"/>
+                                </a:rPr>
+                                <m:t>𝑝𝑟𝑒𝑑𝑖𝑐𝑡</m:t>
+                              </m:r>
+                              <m:r>
+                                <a:rPr lang="en-GB" sz="2000" b="0" i="1" smtClean="0">
+                                  <a:latin typeface="Cambria Math" panose="02040503050406030204" pitchFamily="18" charset="0"/>
+                                </a:rPr>
+                                <m:t>(</m:t>
+                              </m:r>
+                              <m:r>
+                                <a:rPr lang="en-GB" sz="2000" b="0" i="1" smtClean="0">
+                                  <a:latin typeface="Cambria Math" panose="02040503050406030204" pitchFamily="18" charset="0"/>
+                                </a:rPr>
+                                <m:t>𝑓𝑜𝑙𝑑</m:t>
+                              </m:r>
+                              <m:d>
+                                <m:dPr>
+                                  <m:ctrlPr>
+                                    <a:rPr lang="en-GB" sz="2000" b="0" i="1" smtClean="0">
+                                      <a:latin typeface="Cambria Math" panose="02040503050406030204" pitchFamily="18" charset="0"/>
+                                    </a:rPr>
+                                  </m:ctrlPr>
+                                </m:dPr>
+                                <m:e>
+                                  <m:r>
+                                    <a:rPr lang="en-GB" sz="2000" b="0" i="1" smtClean="0">
+                                      <a:latin typeface="Cambria Math" panose="02040503050406030204" pitchFamily="18" charset="0"/>
+                                    </a:rPr>
+                                    <m:t>𝑖</m:t>
+                                  </m:r>
+                                </m:e>
+                              </m:d>
+                              <m:r>
+                                <a:rPr lang="en-GB" sz="2000" b="0" i="1" smtClean="0">
+                                  <a:latin typeface="Cambria Math" panose="02040503050406030204" pitchFamily="18" charset="0"/>
+                                </a:rPr>
+                                <m:t>))</m:t>
+                              </m:r>
+                            </m:e>
+                          </m:nary>
+                        </m:oMath>
+                      </m:oMathPara>
+                    </a14:m>
+                    <a:endParaRPr lang="en-GB" dirty="0"/>
+                  </a:p>
+                </p:txBody>
+              </p:sp>
+            </mc:Choice>
+            <mc:Fallback>
+              <p:sp>
+                <p:nvSpPr>
+                  <p:cNvPr id="29" name="TextBox 28">
+                    <a:extLst>
+                      <a:ext uri="{FF2B5EF4-FFF2-40B4-BE49-F238E27FC236}">
+                        <a16:creationId xmlns:a16="http://schemas.microsoft.com/office/drawing/2014/main" id="{F34BC0A3-5C58-4D1E-AB58-06E2A1D7B69B}"/>
+                      </a:ext>
+                    </a:extLst>
+                  </p:cNvPr>
+                  <p:cNvSpPr txBox="1">
+                    <a:spLocks noRot="1" noChangeAspect="1" noMove="1" noResize="1" noEditPoints="1" noAdjustHandles="1" noChangeArrowheads="1" noChangeShapeType="1" noTextEdit="1"/>
+                  </p:cNvSpPr>
+                  <p:nvPr/>
+                </p:nvSpPr>
+                <p:spPr>
+                  <a:xfrm>
+                    <a:off x="-73363" y="12612512"/>
+                    <a:ext cx="8933279" cy="871713"/>
+                  </a:xfrm>
+                  <a:prstGeom prst="rect">
+                    <a:avLst/>
+                  </a:prstGeom>
+                  <a:blipFill>
+                    <a:blip r:embed="rId13"/>
+                    <a:stretch>
+                      <a:fillRect/>
+                    </a:stretch>
+                  </a:blipFill>
+                </p:spPr>
+                <p:txBody>
+                  <a:bodyPr/>
+                  <a:lstStyle/>
+                  <a:p>
+                    <a:r>
+                      <a:rPr lang="en-GB">
+                        <a:noFill/>
+                      </a:rPr>
+                      <a:t> </a:t>
+                    </a:r>
+                  </a:p>
+                </p:txBody>
+              </p:sp>
+            </mc:Fallback>
+          </mc:AlternateContent>
+          <mc:AlternateContent xmlns:mc="http://schemas.openxmlformats.org/markup-compatibility/2006">
+            <mc:Choice xmlns:a14="http://schemas.microsoft.com/office/drawing/2010/main" Requires="a14">
+              <p:sp>
+                <p:nvSpPr>
+                  <p:cNvPr id="30" name="TextBox 29">
+                    <a:extLst>
+                      <a:ext uri="{FF2B5EF4-FFF2-40B4-BE49-F238E27FC236}">
+                        <a16:creationId xmlns:a16="http://schemas.microsoft.com/office/drawing/2014/main" id="{0176BFC8-13F4-4CB7-9752-140161DD25FF}"/>
+                      </a:ext>
+                    </a:extLst>
+                  </p:cNvPr>
+                  <p:cNvSpPr txBox="1"/>
+                  <p:nvPr/>
+                </p:nvSpPr>
+                <p:spPr>
+                  <a:xfrm>
+                    <a:off x="762044" y="13548616"/>
+                    <a:ext cx="7309116" cy="747320"/>
+                  </a:xfrm>
+                  <a:prstGeom prst="rect">
+                    <a:avLst/>
+                  </a:prstGeom>
+                  <a:noFill/>
+                </p:spPr>
+                <p:txBody>
+                  <a:bodyPr wrap="square" lIns="0" tIns="0" rIns="0" bIns="0" rtlCol="0">
+                    <a:spAutoFit/>
+                  </a:bodyPr>
+                  <a:lstStyle/>
+                  <a:p>
+                    <a:pPr/>
+                    <a14:m>
+                      <m:oMathPara xmlns:m="http://schemas.openxmlformats.org/officeDocument/2006/math">
+                        <m:oMathParaPr>
+                          <m:jc m:val="centerGroup"/>
+                        </m:oMathParaPr>
+                        <m:oMath xmlns:m="http://schemas.openxmlformats.org/officeDocument/2006/math">
                           <m:r>
-                            <a:rPr lang="en-GB" sz="2400" b="0" i="1" smtClean="0">
-                              <a:latin typeface="Cambria Math" panose="02040503050406030204" pitchFamily="18" charset="0"/>
-                            </a:rPr>
-                            <m:t>1</m:t>
-                          </m:r>
-                        </m:num>
-                        <m:den>
-                          <m:r>
-                            <a:rPr lang="en-GB" sz="2400" b="0" i="1" smtClean="0">
-                              <a:latin typeface="Cambria Math" panose="02040503050406030204" pitchFamily="18" charset="0"/>
-                            </a:rPr>
-                            <m:t>𝑘</m:t>
-                          </m:r>
-                        </m:den>
-                      </m:f>
-                      <m:nary>
-                        <m:naryPr>
-                          <m:chr m:val="∑"/>
-                          <m:ctrlPr>
-                            <a:rPr lang="en-GB" sz="2400" b="0" i="1" smtClean="0">
-                              <a:latin typeface="Cambria Math" panose="02040503050406030204" pitchFamily="18" charset="0"/>
-                            </a:rPr>
-                          </m:ctrlPr>
-                        </m:naryPr>
-                        <m:sub>
-                          <m:r>
-                            <m:rPr>
-                              <m:brk m:alnAt="23"/>
-                            </m:rPr>
-                            <a:rPr lang="en-GB" sz="2400" b="0" i="1" smtClean="0">
-                              <a:latin typeface="Cambria Math" panose="02040503050406030204" pitchFamily="18" charset="0"/>
-                            </a:rPr>
-                            <m:t>𝑖</m:t>
-                          </m:r>
-                          <m:r>
-                            <a:rPr lang="en-GB" sz="2400" b="0" i="1" smtClean="0">
-                              <a:latin typeface="Cambria Math" panose="02040503050406030204" pitchFamily="18" charset="0"/>
-                            </a:rPr>
-                            <m:t>=1</m:t>
-                          </m:r>
-                        </m:sub>
-                        <m:sup>
-                          <m:r>
-                            <a:rPr lang="en-GB" sz="2400" b="0" i="1" smtClean="0">
-                              <a:latin typeface="Cambria Math" panose="02040503050406030204" pitchFamily="18" charset="0"/>
-                            </a:rPr>
-                            <m:t>𝑘</m:t>
-                          </m:r>
-                        </m:sup>
-                        <m:e>
-                          <m:r>
-                            <a:rPr lang="en-GB" sz="2400" b="0" i="1" smtClean="0">
+                            <a:rPr lang="en-GB" sz="2000" b="0" i="1" smtClean="0">
                               <a:latin typeface="Cambria Math" panose="02040503050406030204" pitchFamily="18" charset="0"/>
                             </a:rPr>
                             <m:t>𝑓</m:t>
                           </m:r>
                           <m:r>
-                            <a:rPr lang="en-GB" sz="2400" b="0" i="1" smtClean="0">
+                            <a:rPr lang="en-GB" sz="2000" b="0" i="1" smtClean="0">
                               <a:latin typeface="Cambria Math" panose="02040503050406030204" pitchFamily="18" charset="0"/>
                             </a:rPr>
-                            <m:t>1(</m:t>
-                          </m:r>
-                          <m:r>
-                            <a:rPr lang="en-GB" sz="2400" b="0" i="1" smtClean="0">
-                              <a:latin typeface="Cambria Math" panose="02040503050406030204" pitchFamily="18" charset="0"/>
-                            </a:rPr>
-                            <m:t>𝑝𝑟𝑒𝑑𝑖𝑐𝑡</m:t>
-                          </m:r>
-                          <m:r>
-                            <a:rPr lang="en-GB" sz="2400" b="0" i="1" smtClean="0">
-                              <a:latin typeface="Cambria Math" panose="02040503050406030204" pitchFamily="18" charset="0"/>
-                            </a:rPr>
-                            <m:t>(</m:t>
-                          </m:r>
-                          <m:r>
-                            <a:rPr lang="en-GB" sz="2400" b="0" i="1" smtClean="0">
-                              <a:latin typeface="Cambria Math" panose="02040503050406030204" pitchFamily="18" charset="0"/>
-                            </a:rPr>
-                            <m:t>𝑓𝑜𝑙𝑑</m:t>
+                            <m:t>1</m:t>
                           </m:r>
                           <m:d>
                             <m:dPr>
-                              <m:ctrlPr>
-                                <a:rPr lang="en-GB" sz="2400" b="0" i="1" smtClean="0">
-                                  <a:latin typeface="Cambria Math" panose="02040503050406030204" pitchFamily="18" charset="0"/>
-                                </a:rPr>
-                              </m:ctrlPr>
-                            </m:dPr>
-                            <m:e>
-                              <m:r>
-                                <a:rPr lang="en-GB" sz="2400" b="0" i="1" smtClean="0">
-                                  <a:latin typeface="Cambria Math" panose="02040503050406030204" pitchFamily="18" charset="0"/>
-                                </a:rPr>
-                                <m:t>𝑖</m:t>
-                              </m:r>
-                            </m:e>
-                          </m:d>
-                          <m:r>
-                            <a:rPr lang="en-GB" sz="2400" b="0" i="1" smtClean="0">
-                              <a:latin typeface="Cambria Math" panose="02040503050406030204" pitchFamily="18" charset="0"/>
-                            </a:rPr>
-                            <m:t>),</m:t>
-                          </m:r>
-                          <m:r>
-                            <a:rPr lang="en-GB" sz="2400" b="0" i="1" smtClean="0">
-                              <a:latin typeface="Cambria Math" panose="02040503050406030204" pitchFamily="18" charset="0"/>
-                            </a:rPr>
-                            <m:t>𝑏𝑙𝑎𝑐𝑘𝑏𝑜𝑥</m:t>
-                          </m:r>
-                          <m:r>
-                            <a:rPr lang="en-GB" sz="2400" b="0" i="1" smtClean="0">
-                              <a:latin typeface="Cambria Math" panose="02040503050406030204" pitchFamily="18" charset="0"/>
-                            </a:rPr>
-                            <m:t>_</m:t>
-                          </m:r>
-                          <m:r>
-                            <a:rPr lang="en-GB" sz="2400" b="0" i="1" smtClean="0">
-                              <a:latin typeface="Cambria Math" panose="02040503050406030204" pitchFamily="18" charset="0"/>
-                            </a:rPr>
-                            <m:t>𝑝𝑟𝑒𝑑𝑖𝑐𝑡</m:t>
-                          </m:r>
-                          <m:r>
-                            <a:rPr lang="en-GB" sz="2400" b="0" i="1" smtClean="0">
-                              <a:latin typeface="Cambria Math" panose="02040503050406030204" pitchFamily="18" charset="0"/>
-                            </a:rPr>
-                            <m:t>(</m:t>
-                          </m:r>
-                          <m:r>
-                            <a:rPr lang="en-GB" sz="2400" b="0" i="1" smtClean="0">
-                              <a:latin typeface="Cambria Math" panose="02040503050406030204" pitchFamily="18" charset="0"/>
-                            </a:rPr>
-                            <m:t>𝑓𝑜𝑙𝑑</m:t>
-                          </m:r>
-                          <m:d>
-                            <m:dPr>
-                              <m:ctrlPr>
-                                <a:rPr lang="en-GB" sz="2400" b="0" i="1" smtClean="0">
-                                  <a:latin typeface="Cambria Math" panose="02040503050406030204" pitchFamily="18" charset="0"/>
-                                </a:rPr>
-                              </m:ctrlPr>
-                            </m:dPr>
-                            <m:e>
-                              <m:r>
-                                <a:rPr lang="en-GB" sz="2400" b="0" i="1" smtClean="0">
-                                  <a:latin typeface="Cambria Math" panose="02040503050406030204" pitchFamily="18" charset="0"/>
-                                </a:rPr>
-                                <m:t>𝑖</m:t>
-                              </m:r>
-                            </m:e>
-                          </m:d>
-                          <m:r>
-                            <a:rPr lang="en-GB" sz="2400" b="0" i="1" smtClean="0">
-                              <a:latin typeface="Cambria Math" panose="02040503050406030204" pitchFamily="18" charset="0"/>
-                            </a:rPr>
-                            <m:t>))</m:t>
-                          </m:r>
-                        </m:e>
-                      </m:nary>
-                    </m:oMath>
-                  </m:oMathPara>
-                </a14:m>
-                <a:endParaRPr lang="en-GB" dirty="0"/>
-              </a:p>
-            </p:txBody>
-          </p:sp>
-        </mc:Choice>
-        <mc:Fallback>
-          <p:sp>
-            <p:nvSpPr>
-              <p:cNvPr id="29" name="TextBox 28">
-                <a:extLst>
-                  <a:ext uri="{FF2B5EF4-FFF2-40B4-BE49-F238E27FC236}">
-                    <a16:creationId xmlns:a16="http://schemas.microsoft.com/office/drawing/2014/main" id="{F34BC0A3-5C58-4D1E-AB58-06E2A1D7B69B}"/>
-                  </a:ext>
-                </a:extLst>
-              </p:cNvPr>
-              <p:cNvSpPr txBox="1">
-                <a:spLocks noRot="1" noChangeAspect="1" noMove="1" noResize="1" noEditPoints="1" noAdjustHandles="1" noChangeArrowheads="1" noChangeShapeType="1" noTextEdit="1"/>
-              </p:cNvSpPr>
-              <p:nvPr/>
-            </p:nvSpPr>
-            <p:spPr>
-              <a:xfrm>
-                <a:off x="89776" y="14070709"/>
-                <a:ext cx="8933279" cy="1045927"/>
-              </a:xfrm>
-              <a:prstGeom prst="rect">
-                <a:avLst/>
-              </a:prstGeom>
-              <a:blipFill>
-                <a:blip r:embed="rId14"/>
-                <a:stretch>
-                  <a:fillRect/>
-                </a:stretch>
-              </a:blipFill>
-            </p:spPr>
-            <p:txBody>
-              <a:bodyPr/>
-              <a:lstStyle/>
-              <a:p>
-                <a:r>
-                  <a:rPr lang="en-GB">
-                    <a:noFill/>
-                  </a:rPr>
-                  <a:t> </a:t>
-                </a:r>
-              </a:p>
-            </p:txBody>
-          </p:sp>
-        </mc:Fallback>
-      </mc:AlternateContent>
-      <mc:AlternateContent xmlns:mc="http://schemas.openxmlformats.org/markup-compatibility/2006">
-        <mc:Choice xmlns:a14="http://schemas.microsoft.com/office/drawing/2010/main" Requires="a14">
-          <p:sp>
-            <p:nvSpPr>
-              <p:cNvPr id="30" name="TextBox 29">
-                <a:extLst>
-                  <a:ext uri="{FF2B5EF4-FFF2-40B4-BE49-F238E27FC236}">
-                    <a16:creationId xmlns:a16="http://schemas.microsoft.com/office/drawing/2014/main" id="{0176BFC8-13F4-4CB7-9752-140161DD25FF}"/>
-                  </a:ext>
-                </a:extLst>
-              </p:cNvPr>
-              <p:cNvSpPr txBox="1"/>
-              <p:nvPr/>
-            </p:nvSpPr>
-            <p:spPr>
-              <a:xfrm>
-                <a:off x="1172655" y="15145756"/>
-                <a:ext cx="7309116" cy="747320"/>
-              </a:xfrm>
-              <a:prstGeom prst="rect">
-                <a:avLst/>
-              </a:prstGeom>
-              <a:noFill/>
-            </p:spPr>
-            <p:txBody>
-              <a:bodyPr wrap="none" lIns="0" tIns="0" rIns="0" bIns="0" rtlCol="0">
-                <a:spAutoFit/>
-              </a:bodyPr>
-              <a:lstStyle/>
-              <a:p>
-                <a14:m>
-                  <m:oMathPara xmlns:m="http://schemas.openxmlformats.org/officeDocument/2006/math">
-                    <m:oMathParaPr>
-                      <m:jc m:val="centerGroup"/>
-                    </m:oMathParaPr>
-                    <m:oMath xmlns:m="http://schemas.openxmlformats.org/officeDocument/2006/math">
-                      <m:r>
-                        <a:rPr lang="en-GB" sz="2000" b="0" i="1" smtClean="0">
-                          <a:latin typeface="Cambria Math" panose="02040503050406030204" pitchFamily="18" charset="0"/>
-                        </a:rPr>
-                        <m:t>𝑓</m:t>
-                      </m:r>
-                      <m:r>
-                        <a:rPr lang="en-GB" sz="2000" b="0" i="1" smtClean="0">
-                          <a:latin typeface="Cambria Math" panose="02040503050406030204" pitchFamily="18" charset="0"/>
-                        </a:rPr>
-                        <m:t>1</m:t>
-                      </m:r>
-                      <m:d>
-                        <m:dPr>
-                          <m:ctrlPr>
-                            <a:rPr lang="en-GB" sz="2000" b="0" i="1" smtClean="0">
-                              <a:latin typeface="Cambria Math" panose="02040503050406030204" pitchFamily="18" charset="0"/>
-                            </a:rPr>
-                          </m:ctrlPr>
-                        </m:dPr>
-                        <m:e>
-                          <m:r>
-                            <a:rPr lang="en-GB" sz="2000" b="0" i="1" smtClean="0">
-                              <a:latin typeface="Cambria Math" panose="02040503050406030204" pitchFamily="18" charset="0"/>
-                            </a:rPr>
-                            <m:t>𝑝𝑟𝑒𝑑𝑖𝑐𝑡𝑒𝑑</m:t>
-                          </m:r>
-                          <m:r>
-                            <a:rPr lang="en-GB" sz="2000" b="0" i="1" smtClean="0">
-                              <a:latin typeface="Cambria Math" panose="02040503050406030204" pitchFamily="18" charset="0"/>
-                            </a:rPr>
-                            <m:t>, </m:t>
-                          </m:r>
-                          <m:r>
-                            <a:rPr lang="en-GB" sz="2000" b="0" i="1" smtClean="0">
-                              <a:latin typeface="Cambria Math" panose="02040503050406030204" pitchFamily="18" charset="0"/>
-                            </a:rPr>
-                            <m:t>𝑟𝑒𝑎𝑙</m:t>
-                          </m:r>
-                        </m:e>
-                      </m:d>
-                      <m:r>
-                        <a:rPr lang="en-GB" sz="2000" b="0" i="1" smtClean="0">
-                          <a:latin typeface="Cambria Math" panose="02040503050406030204" pitchFamily="18" charset="0"/>
-                        </a:rPr>
-                        <m:t>=(</m:t>
-                      </m:r>
-                      <m:nary>
-                        <m:naryPr>
-                          <m:chr m:val="∑"/>
-                          <m:supHide m:val="on"/>
-                          <m:ctrlPr>
-                            <a:rPr lang="en-GB" sz="2000" b="0" i="1" smtClean="0">
-                              <a:latin typeface="Cambria Math" panose="02040503050406030204" pitchFamily="18" charset="0"/>
-                            </a:rPr>
-                          </m:ctrlPr>
-                        </m:naryPr>
-                        <m:sub>
-                          <m:r>
-                            <m:rPr>
-                              <m:brk m:alnAt="7"/>
-                            </m:rPr>
-                            <a:rPr lang="en-GB" sz="2000" b="0" i="1" smtClean="0">
-                              <a:latin typeface="Cambria Math" panose="02040503050406030204" pitchFamily="18" charset="0"/>
-                            </a:rPr>
-                            <m:t>𝑐</m:t>
-                          </m:r>
-                          <m:r>
-                            <a:rPr lang="en-GB" sz="2000" b="0" i="1" smtClean="0">
-                              <a:latin typeface="Cambria Math" panose="02040503050406030204" pitchFamily="18" charset="0"/>
-                              <a:ea typeface="Cambria Math" panose="02040503050406030204" pitchFamily="18" charset="0"/>
-                            </a:rPr>
-                            <m:t>∈</m:t>
-                          </m:r>
-                          <m:r>
-                            <a:rPr lang="en-GB" sz="2000" b="0" i="1" smtClean="0">
-                              <a:latin typeface="Cambria Math" panose="02040503050406030204" pitchFamily="18" charset="0"/>
-                              <a:ea typeface="Cambria Math" panose="02040503050406030204" pitchFamily="18" charset="0"/>
-                            </a:rPr>
-                            <m:t>𝐶</m:t>
-                          </m:r>
-                        </m:sub>
-                        <m:sup/>
-                        <m:e>
-                          <m:d>
-                            <m:dPr>
-                              <m:begChr m:val="|"/>
-                              <m:endChr m:val="|"/>
                               <m:ctrlPr>
                                 <a:rPr lang="en-GB" sz="2000" b="0" i="1" smtClean="0">
                                   <a:latin typeface="Cambria Math" panose="02040503050406030204" pitchFamily="18" charset="0"/>
@@ -5466,7 +5571,19 @@
                                 <a:rPr lang="en-GB" sz="2000" b="0" i="1" smtClean="0">
                                   <a:latin typeface="Cambria Math" panose="02040503050406030204" pitchFamily="18" charset="0"/>
                                 </a:rPr>
-                                <m:t>𝐶</m:t>
+                                <m:t>𝑝𝑟𝑒𝑑𝑖𝑐𝑡𝑒𝑑</m:t>
+                              </m:r>
+                              <m:r>
+                                <a:rPr lang="en-GB" sz="2000" b="0" i="1" smtClean="0">
+                                  <a:latin typeface="Cambria Math" panose="02040503050406030204" pitchFamily="18" charset="0"/>
+                                </a:rPr>
+                                <m:t>, </m:t>
+                              </m:r>
+                              <m:r>
+                                <a:rPr lang="en-GB" sz="2000" b="0" i="1" smtClean="0">
+                                  <a:latin typeface="Cambria Math" panose="02040503050406030204" pitchFamily="18" charset="0"/>
+                                </a:rPr>
+                                <m:t>𝑟𝑒𝑎𝑙</m:t>
                               </m:r>
                             </m:e>
                           </m:d>
@@ -5474,84 +5591,7 @@
                             <a:rPr lang="en-GB" sz="2000" b="0" i="1" smtClean="0">
                               <a:latin typeface="Cambria Math" panose="02040503050406030204" pitchFamily="18" charset="0"/>
                             </a:rPr>
-                            <m:t> </m:t>
-                          </m:r>
-                          <m:r>
-                            <a:rPr lang="en-GB" sz="2000" b="0" i="1" smtClean="0">
-                              <a:latin typeface="Cambria Math" panose="02040503050406030204" pitchFamily="18" charset="0"/>
-                              <a:ea typeface="Cambria Math" panose="02040503050406030204" pitchFamily="18" charset="0"/>
-                            </a:rPr>
-                            <m:t>× </m:t>
-                          </m:r>
-                          <m:f>
-                            <m:fPr>
-                              <m:ctrlPr>
-                                <a:rPr lang="en-GB" sz="2000" b="0" i="1" smtClean="0">
-                                  <a:latin typeface="Cambria Math" panose="02040503050406030204" pitchFamily="18" charset="0"/>
-                                  <a:ea typeface="Cambria Math" panose="02040503050406030204" pitchFamily="18" charset="0"/>
-                                </a:rPr>
-                              </m:ctrlPr>
-                            </m:fPr>
-                            <m:num>
-                              <m:r>
-                                <a:rPr lang="en-GB" sz="2000" b="0" i="1" smtClean="0">
-                                  <a:latin typeface="Cambria Math" panose="02040503050406030204" pitchFamily="18" charset="0"/>
-                                  <a:ea typeface="Cambria Math" panose="02040503050406030204" pitchFamily="18" charset="0"/>
-                                </a:rPr>
-                                <m:t>2×</m:t>
-                              </m:r>
-                              <m:r>
-                                <a:rPr lang="en-GB" sz="2000" b="0" i="1" smtClean="0">
-                                  <a:latin typeface="Cambria Math" panose="02040503050406030204" pitchFamily="18" charset="0"/>
-                                  <a:ea typeface="Cambria Math" panose="02040503050406030204" pitchFamily="18" charset="0"/>
-                                </a:rPr>
-                                <m:t>𝑝𝑟𝑒𝑐𝑖𝑠𝑖𝑜𝑛</m:t>
-                              </m:r>
-                              <m:r>
-                                <a:rPr lang="en-GB" sz="2000" b="0" i="1" smtClean="0">
-                                  <a:latin typeface="Cambria Math" panose="02040503050406030204" pitchFamily="18" charset="0"/>
-                                  <a:ea typeface="Cambria Math" panose="02040503050406030204" pitchFamily="18" charset="0"/>
-                                </a:rPr>
-                                <m:t>×</m:t>
-                              </m:r>
-                              <m:r>
-                                <a:rPr lang="en-GB" sz="2000" b="0" i="1" smtClean="0">
-                                  <a:latin typeface="Cambria Math" panose="02040503050406030204" pitchFamily="18" charset="0"/>
-                                  <a:ea typeface="Cambria Math" panose="02040503050406030204" pitchFamily="18" charset="0"/>
-                                </a:rPr>
-                                <m:t>𝑟𝑒𝑐𝑎𝑙𝑙</m:t>
-                              </m:r>
-                            </m:num>
-                            <m:den>
-                              <m:r>
-                                <a:rPr lang="en-GB" sz="2000" b="0" i="1" smtClean="0">
-                                  <a:latin typeface="Cambria Math" panose="02040503050406030204" pitchFamily="18" charset="0"/>
-                                  <a:ea typeface="Cambria Math" panose="02040503050406030204" pitchFamily="18" charset="0"/>
-                                </a:rPr>
-                                <m:t>𝑝𝑟𝑒𝑐𝑖𝑠𝑖𝑜𝑛</m:t>
-                              </m:r>
-                              <m:r>
-                                <a:rPr lang="en-GB" sz="2000" b="0" i="1" smtClean="0">
-                                  <a:latin typeface="Cambria Math" panose="02040503050406030204" pitchFamily="18" charset="0"/>
-                                  <a:ea typeface="Cambria Math" panose="02040503050406030204" pitchFamily="18" charset="0"/>
-                                </a:rPr>
-                                <m:t>+</m:t>
-                              </m:r>
-                              <m:r>
-                                <a:rPr lang="en-GB" sz="2000" b="0" i="1" smtClean="0">
-                                  <a:latin typeface="Cambria Math" panose="02040503050406030204" pitchFamily="18" charset="0"/>
-                                  <a:ea typeface="Cambria Math" panose="02040503050406030204" pitchFamily="18" charset="0"/>
-                                </a:rPr>
-                                <m:t>𝑟𝑒𝑐𝑎𝑙𝑙</m:t>
-                              </m:r>
-                            </m:den>
-                          </m:f>
-                          <m:r>
-                            <a:rPr lang="en-GB" sz="2000" b="0" i="1" smtClean="0">
-                              <a:latin typeface="Cambria Math" panose="02040503050406030204" pitchFamily="18" charset="0"/>
-                              <a:ea typeface="Cambria Math" panose="02040503050406030204" pitchFamily="18" charset="0"/>
-                            </a:rPr>
-                            <m:t>)/</m:t>
+                            <m:t>=(</m:t>
                           </m:r>
                           <m:nary>
                             <m:naryPr>
@@ -5560,7 +5600,6 @@
                               <m:ctrlPr>
                                 <a:rPr lang="en-GB" sz="2000" b="0" i="1" smtClean="0">
                                   <a:latin typeface="Cambria Math" panose="02040503050406030204" pitchFamily="18" charset="0"/>
-                                  <a:ea typeface="Cambria Math" panose="02040503050406030204" pitchFamily="18" charset="0"/>
                                 </a:rPr>
                               </m:ctrlPr>
                             </m:naryPr>
@@ -5571,7 +5610,6 @@
                                 </m:rPr>
                                 <a:rPr lang="en-GB" sz="2000" b="0" i="1" smtClean="0">
                                   <a:latin typeface="Cambria Math" panose="02040503050406030204" pitchFamily="18" charset="0"/>
-                                  <a:ea typeface="Cambria Math" panose="02040503050406030204" pitchFamily="18" charset="0"/>
                                 </a:rPr>
                                 <m:t>𝑐</m:t>
                               </m:r>
@@ -5592,90 +5630,503 @@
                             </m:sub>
                             <m:sup/>
                             <m:e>
+                              <m:d>
+                                <m:dPr>
+                                  <m:begChr m:val="|"/>
+                                  <m:endChr m:val="|"/>
+                                  <m:ctrlPr>
+                                    <a:rPr lang="en-GB" sz="2000" b="0" i="1" smtClean="0">
+                                      <a:latin typeface="Cambria Math" panose="02040503050406030204" pitchFamily="18" charset="0"/>
+                                    </a:rPr>
+                                  </m:ctrlPr>
+                                </m:dPr>
+                                <m:e>
+                                  <m:r>
+                                    <a:rPr lang="en-GB" sz="2000" b="0" i="1" smtClean="0">
+                                      <a:latin typeface="Cambria Math" panose="02040503050406030204" pitchFamily="18" charset="0"/>
+                                    </a:rPr>
+                                    <m:t>𝐶</m:t>
+                                  </m:r>
+                                </m:e>
+                              </m:d>
                               <m:r>
                                 <a:rPr lang="en-GB" sz="2000" b="0" i="1" smtClean="0">
                                   <a:latin typeface="Cambria Math" panose="02040503050406030204" pitchFamily="18" charset="0"/>
-                                  <a:ea typeface="Cambria Math" panose="02040503050406030204" pitchFamily="18" charset="0"/>
                                 </a:rPr>
-                                <m:t>|</m:t>
+                                <m:t> </m:t>
                               </m:r>
                               <m:r>
                                 <a:rPr lang="en-GB" sz="2000" b="0" i="1" smtClean="0">
                                   <a:latin typeface="Cambria Math" panose="02040503050406030204" pitchFamily="18" charset="0"/>
                                   <a:ea typeface="Cambria Math" panose="02040503050406030204" pitchFamily="18" charset="0"/>
                                 </a:rPr>
-                                <m:t>𝐶</m:t>
+                                <m:t>× </m:t>
                               </m:r>
+                              <m:f>
+                                <m:fPr>
+                                  <m:ctrlPr>
+                                    <a:rPr lang="en-GB" sz="2000" b="0" i="1" smtClean="0">
+                                      <a:latin typeface="Cambria Math" panose="02040503050406030204" pitchFamily="18" charset="0"/>
+                                      <a:ea typeface="Cambria Math" panose="02040503050406030204" pitchFamily="18" charset="0"/>
+                                    </a:rPr>
+                                  </m:ctrlPr>
+                                </m:fPr>
+                                <m:num>
+                                  <m:r>
+                                    <a:rPr lang="en-GB" sz="2000" b="0" i="1" smtClean="0">
+                                      <a:latin typeface="Cambria Math" panose="02040503050406030204" pitchFamily="18" charset="0"/>
+                                      <a:ea typeface="Cambria Math" panose="02040503050406030204" pitchFamily="18" charset="0"/>
+                                    </a:rPr>
+                                    <m:t>2×</m:t>
+                                  </m:r>
+                                  <m:r>
+                                    <a:rPr lang="en-GB" sz="2000" b="0" i="1" smtClean="0">
+                                      <a:latin typeface="Cambria Math" panose="02040503050406030204" pitchFamily="18" charset="0"/>
+                                      <a:ea typeface="Cambria Math" panose="02040503050406030204" pitchFamily="18" charset="0"/>
+                                    </a:rPr>
+                                    <m:t>𝑝𝑟𝑒𝑐𝑖𝑠𝑖𝑜𝑛</m:t>
+                                  </m:r>
+                                  <m:r>
+                                    <a:rPr lang="en-GB" sz="2000" b="0" i="1" smtClean="0">
+                                      <a:latin typeface="Cambria Math" panose="02040503050406030204" pitchFamily="18" charset="0"/>
+                                      <a:ea typeface="Cambria Math" panose="02040503050406030204" pitchFamily="18" charset="0"/>
+                                    </a:rPr>
+                                    <m:t>×</m:t>
+                                  </m:r>
+                                  <m:r>
+                                    <a:rPr lang="en-GB" sz="2000" b="0" i="1" smtClean="0">
+                                      <a:latin typeface="Cambria Math" panose="02040503050406030204" pitchFamily="18" charset="0"/>
+                                      <a:ea typeface="Cambria Math" panose="02040503050406030204" pitchFamily="18" charset="0"/>
+                                    </a:rPr>
+                                    <m:t>𝑟𝑒𝑐𝑎𝑙𝑙</m:t>
+                                  </m:r>
+                                </m:num>
+                                <m:den>
+                                  <m:r>
+                                    <a:rPr lang="en-GB" sz="2000" b="0" i="1" smtClean="0">
+                                      <a:latin typeface="Cambria Math" panose="02040503050406030204" pitchFamily="18" charset="0"/>
+                                      <a:ea typeface="Cambria Math" panose="02040503050406030204" pitchFamily="18" charset="0"/>
+                                    </a:rPr>
+                                    <m:t>𝑝𝑟𝑒𝑐𝑖𝑠𝑖𝑜𝑛</m:t>
+                                  </m:r>
+                                  <m:r>
+                                    <a:rPr lang="en-GB" sz="2000" b="0" i="1" smtClean="0">
+                                      <a:latin typeface="Cambria Math" panose="02040503050406030204" pitchFamily="18" charset="0"/>
+                                      <a:ea typeface="Cambria Math" panose="02040503050406030204" pitchFamily="18" charset="0"/>
+                                    </a:rPr>
+                                    <m:t>+</m:t>
+                                  </m:r>
+                                  <m:r>
+                                    <a:rPr lang="en-GB" sz="2000" b="0" i="1" smtClean="0">
+                                      <a:latin typeface="Cambria Math" panose="02040503050406030204" pitchFamily="18" charset="0"/>
+                                      <a:ea typeface="Cambria Math" panose="02040503050406030204" pitchFamily="18" charset="0"/>
+                                    </a:rPr>
+                                    <m:t>𝑟𝑒𝑐𝑎𝑙𝑙</m:t>
+                                  </m:r>
+                                </m:den>
+                              </m:f>
                               <m:r>
                                 <a:rPr lang="en-GB" sz="2000" b="0" i="1" smtClean="0">
                                   <a:latin typeface="Cambria Math" panose="02040503050406030204" pitchFamily="18" charset="0"/>
                                   <a:ea typeface="Cambria Math" panose="02040503050406030204" pitchFamily="18" charset="0"/>
                                 </a:rPr>
-                                <m:t>|</m:t>
+                                <m:t>)/</m:t>
                               </m:r>
+                              <m:nary>
+                                <m:naryPr>
+                                  <m:chr m:val="∑"/>
+                                  <m:supHide m:val="on"/>
+                                  <m:ctrlPr>
+                                    <a:rPr lang="en-GB" sz="2000" b="0" i="1" smtClean="0">
+                                      <a:latin typeface="Cambria Math" panose="02040503050406030204" pitchFamily="18" charset="0"/>
+                                      <a:ea typeface="Cambria Math" panose="02040503050406030204" pitchFamily="18" charset="0"/>
+                                    </a:rPr>
+                                  </m:ctrlPr>
+                                </m:naryPr>
+                                <m:sub>
+                                  <m:r>
+                                    <m:rPr>
+                                      <m:brk m:alnAt="7"/>
+                                    </m:rPr>
+                                    <a:rPr lang="en-GB" sz="2000" b="0" i="1" smtClean="0">
+                                      <a:latin typeface="Cambria Math" panose="02040503050406030204" pitchFamily="18" charset="0"/>
+                                      <a:ea typeface="Cambria Math" panose="02040503050406030204" pitchFamily="18" charset="0"/>
+                                    </a:rPr>
+                                    <m:t>𝑐</m:t>
+                                  </m:r>
+                                  <m:r>
+                                    <a:rPr lang="en-GB" sz="2000" b="0" i="1" smtClean="0">
+                                      <a:latin typeface="Cambria Math" panose="02040503050406030204" pitchFamily="18" charset="0"/>
+                                      <a:ea typeface="Cambria Math" panose="02040503050406030204" pitchFamily="18" charset="0"/>
+                                    </a:rPr>
+                                    <m:t>∈</m:t>
+                                  </m:r>
+                                  <m:r>
+                                    <a:rPr lang="en-GB" sz="2000" b="0" i="1" smtClean="0">
+                                      <a:latin typeface="Cambria Math" panose="02040503050406030204" pitchFamily="18" charset="0"/>
+                                      <a:ea typeface="Cambria Math" panose="02040503050406030204" pitchFamily="18" charset="0"/>
+                                    </a:rPr>
+                                    <m:t>𝐶</m:t>
+                                  </m:r>
+                                </m:sub>
+                                <m:sup/>
+                                <m:e>
+                                  <m:r>
+                                    <a:rPr lang="en-GB" sz="2000" b="0" i="1" smtClean="0">
+                                      <a:latin typeface="Cambria Math" panose="02040503050406030204" pitchFamily="18" charset="0"/>
+                                      <a:ea typeface="Cambria Math" panose="02040503050406030204" pitchFamily="18" charset="0"/>
+                                    </a:rPr>
+                                    <m:t>|</m:t>
+                                  </m:r>
+                                  <m:r>
+                                    <a:rPr lang="en-GB" sz="2000" b="0" i="1" smtClean="0">
+                                      <a:latin typeface="Cambria Math" panose="02040503050406030204" pitchFamily="18" charset="0"/>
+                                      <a:ea typeface="Cambria Math" panose="02040503050406030204" pitchFamily="18" charset="0"/>
+                                    </a:rPr>
+                                    <m:t>𝐶</m:t>
+                                  </m:r>
+                                  <m:r>
+                                    <a:rPr lang="en-GB" sz="2000" b="0" i="1" smtClean="0">
+                                      <a:latin typeface="Cambria Math" panose="02040503050406030204" pitchFamily="18" charset="0"/>
+                                      <a:ea typeface="Cambria Math" panose="02040503050406030204" pitchFamily="18" charset="0"/>
+                                    </a:rPr>
+                                    <m:t>|</m:t>
+                                  </m:r>
+                                </m:e>
+                              </m:nary>
                             </m:e>
                           </m:nary>
-                        </m:e>
-                      </m:nary>
-                      <m:r>
-                        <a:rPr lang="en-GB" sz="2000" b="0" i="1" smtClean="0">
-                          <a:latin typeface="Cambria Math" panose="02040503050406030204" pitchFamily="18" charset="0"/>
-                        </a:rPr>
-                        <m:t> </m:t>
-                      </m:r>
-                    </m:oMath>
-                  </m:oMathPara>
-                </a14:m>
-                <a:endParaRPr lang="en-GB" sz="2000" dirty="0"/>
-              </a:p>
-            </p:txBody>
-          </p:sp>
-        </mc:Choice>
-        <mc:Fallback>
-          <p:sp>
-            <p:nvSpPr>
-              <p:cNvPr id="30" name="TextBox 29">
-                <a:extLst>
-                  <a:ext uri="{FF2B5EF4-FFF2-40B4-BE49-F238E27FC236}">
-                    <a16:creationId xmlns:a16="http://schemas.microsoft.com/office/drawing/2014/main" id="{0176BFC8-13F4-4CB7-9752-140161DD25FF}"/>
-                  </a:ext>
-                </a:extLst>
-              </p:cNvPr>
-              <p:cNvSpPr txBox="1">
-                <a:spLocks noRot="1" noChangeAspect="1" noMove="1" noResize="1" noEditPoints="1" noAdjustHandles="1" noChangeArrowheads="1" noChangeShapeType="1" noTextEdit="1"/>
-              </p:cNvSpPr>
-              <p:nvPr/>
-            </p:nvSpPr>
-            <p:spPr>
-              <a:xfrm>
-                <a:off x="1172655" y="15145756"/>
-                <a:ext cx="7309116" cy="747320"/>
-              </a:xfrm>
-              <a:prstGeom prst="rect">
-                <a:avLst/>
-              </a:prstGeom>
-              <a:blipFill>
-                <a:blip r:embed="rId15"/>
-                <a:stretch>
-                  <a:fillRect/>
-                </a:stretch>
-              </a:blipFill>
-            </p:spPr>
-            <p:txBody>
-              <a:bodyPr/>
-              <a:lstStyle/>
-              <a:p>
-                <a:r>
-                  <a:rPr lang="en-GB">
-                    <a:noFill/>
-                  </a:rPr>
-                  <a:t> </a:t>
-                </a:r>
-              </a:p>
-            </p:txBody>
-          </p:sp>
-        </mc:Fallback>
-      </mc:AlternateContent>
+                          <m:r>
+                            <a:rPr lang="en-GB" sz="2000" b="0" i="1" smtClean="0">
+                              <a:latin typeface="Cambria Math" panose="02040503050406030204" pitchFamily="18" charset="0"/>
+                            </a:rPr>
+                            <m:t> </m:t>
+                          </m:r>
+                        </m:oMath>
+                      </m:oMathPara>
+                    </a14:m>
+                    <a:endParaRPr lang="en-GB" sz="2000" dirty="0"/>
+                  </a:p>
+                </p:txBody>
+              </p:sp>
+            </mc:Choice>
+            <mc:Fallback>
+              <p:sp>
+                <p:nvSpPr>
+                  <p:cNvPr id="30" name="TextBox 29">
+                    <a:extLst>
+                      <a:ext uri="{FF2B5EF4-FFF2-40B4-BE49-F238E27FC236}">
+                        <a16:creationId xmlns:a16="http://schemas.microsoft.com/office/drawing/2014/main" id="{0176BFC8-13F4-4CB7-9752-140161DD25FF}"/>
+                      </a:ext>
+                    </a:extLst>
+                  </p:cNvPr>
+                  <p:cNvSpPr txBox="1">
+                    <a:spLocks noRot="1" noChangeAspect="1" noMove="1" noResize="1" noEditPoints="1" noAdjustHandles="1" noChangeArrowheads="1" noChangeShapeType="1" noTextEdit="1"/>
+                  </p:cNvSpPr>
+                  <p:nvPr/>
+                </p:nvSpPr>
+                <p:spPr>
+                  <a:xfrm>
+                    <a:off x="762044" y="13548616"/>
+                    <a:ext cx="7309116" cy="747320"/>
+                  </a:xfrm>
+                  <a:prstGeom prst="rect">
+                    <a:avLst/>
+                  </a:prstGeom>
+                  <a:blipFill>
+                    <a:blip r:embed="rId14"/>
+                    <a:stretch>
+                      <a:fillRect/>
+                    </a:stretch>
+                  </a:blipFill>
+                </p:spPr>
+                <p:txBody>
+                  <a:bodyPr/>
+                  <a:lstStyle/>
+                  <a:p>
+                    <a:r>
+                      <a:rPr lang="en-GB">
+                        <a:noFill/>
+                      </a:rPr>
+                      <a:t> </a:t>
+                    </a:r>
+                  </a:p>
+                </p:txBody>
+              </p:sp>
+            </mc:Fallback>
+          </mc:AlternateContent>
+        </p:grpSp>
+        <p:sp>
+          <p:nvSpPr>
+            <p:cNvPr id="46" name="TextBox 45">
+              <a:extLst>
+                <a:ext uri="{FF2B5EF4-FFF2-40B4-BE49-F238E27FC236}">
+                  <a16:creationId xmlns:a16="http://schemas.microsoft.com/office/drawing/2014/main" id="{CCFCE45D-D1A5-4C22-90BB-F83EA12CF9BF}"/>
+                </a:ext>
+              </a:extLst>
+            </p:cNvPr>
+            <p:cNvSpPr txBox="1"/>
+            <p:nvPr/>
+          </p:nvSpPr>
+          <p:spPr>
+            <a:xfrm>
+              <a:off x="772742" y="14149784"/>
+              <a:ext cx="2371113" cy="1323439"/>
+            </a:xfrm>
+            <a:prstGeom prst="rect">
+              <a:avLst/>
+            </a:prstGeom>
+            <a:noFill/>
+          </p:spPr>
+          <p:txBody>
+            <a:bodyPr wrap="square" rtlCol="0">
+              <a:spAutoFit/>
+            </a:bodyPr>
+            <a:lstStyle/>
+            <a:p>
+              <a:r>
+                <a:rPr lang="en-GB" sz="2000" dirty="0"/>
+                <a:t>F1 metric is result of an internal 3 fold cross-validation (k=3) . </a:t>
+              </a:r>
+            </a:p>
+          </p:txBody>
+        </p:sp>
+      </p:grpSp>
+      <p:sp>
+        <p:nvSpPr>
+          <p:cNvPr id="48" name="TextBox 47">
+            <a:extLst>
+              <a:ext uri="{FF2B5EF4-FFF2-40B4-BE49-F238E27FC236}">
+                <a16:creationId xmlns:a16="http://schemas.microsoft.com/office/drawing/2014/main" id="{FB66A6BB-3B62-4856-A79F-C7687717B983}"/>
+              </a:ext>
+            </a:extLst>
+          </p:cNvPr>
+          <p:cNvSpPr txBox="1"/>
+          <p:nvPr/>
+        </p:nvSpPr>
+        <p:spPr>
+          <a:xfrm>
+            <a:off x="274047" y="16679058"/>
+            <a:ext cx="3120936" cy="830997"/>
+          </a:xfrm>
+          <a:prstGeom prst="rect">
+            <a:avLst/>
+          </a:prstGeom>
+          <a:noFill/>
+        </p:spPr>
+        <p:txBody>
+          <a:bodyPr wrap="square" rtlCol="0">
+            <a:spAutoFit/>
+          </a:bodyPr>
+          <a:lstStyle/>
+          <a:p>
+            <a:r>
+              <a:rPr lang="en-GB" sz="2400" dirty="0"/>
+              <a:t>Elitist NSGA-II</a:t>
+            </a:r>
+            <a:br>
+              <a:rPr lang="en-GB" sz="2400" dirty="0"/>
+            </a:br>
+            <a:r>
+              <a:rPr lang="en-GB" sz="2400" dirty="0"/>
+              <a:t>with </a:t>
+            </a:r>
+            <a:r>
+              <a:rPr lang="el-GR" sz="2400" dirty="0"/>
+              <a:t>μ</a:t>
+            </a:r>
+            <a:r>
+              <a:rPr lang="en-GB" sz="2400" dirty="0"/>
+              <a:t>+</a:t>
+            </a:r>
+            <a:r>
+              <a:rPr lang="el-GR" sz="2400" dirty="0"/>
+              <a:t> λ</a:t>
+            </a:r>
+            <a:r>
+              <a:rPr lang="en-GB" sz="2400" dirty="0"/>
+              <a:t> (|</a:t>
+            </a:r>
+            <a:r>
+              <a:rPr lang="el-GR" sz="2400" dirty="0"/>
+              <a:t>μ</a:t>
+            </a:r>
+            <a:r>
+              <a:rPr lang="en-GB" sz="2400" dirty="0"/>
+              <a:t>|=|</a:t>
+            </a:r>
+            <a:r>
+              <a:rPr lang="el-GR" sz="2400" dirty="0"/>
+              <a:t>λ</a:t>
+            </a:r>
+            <a:r>
+              <a:rPr lang="en-GB" sz="2400" dirty="0"/>
+              <a:t>|)</a:t>
+            </a:r>
+          </a:p>
+        </p:txBody>
+      </p:sp>
+      <p:cxnSp>
+        <p:nvCxnSpPr>
+          <p:cNvPr id="52" name="Straight Arrow Connector 51">
+            <a:extLst>
+              <a:ext uri="{FF2B5EF4-FFF2-40B4-BE49-F238E27FC236}">
+                <a16:creationId xmlns:a16="http://schemas.microsoft.com/office/drawing/2014/main" id="{E5F585F5-F936-4D25-B50A-E06C38939F0F}"/>
+              </a:ext>
+            </a:extLst>
+          </p:cNvPr>
+          <p:cNvCxnSpPr>
+            <a:cxnSpLocks/>
+          </p:cNvCxnSpPr>
+          <p:nvPr/>
+        </p:nvCxnSpPr>
+        <p:spPr>
+          <a:xfrm>
+            <a:off x="1073835" y="17465615"/>
+            <a:ext cx="522319" cy="1680534"/>
+          </a:xfrm>
+          <a:prstGeom prst="straightConnector1">
+            <a:avLst/>
+          </a:prstGeom>
+          <a:ln>
+            <a:solidFill>
+              <a:schemeClr val="tx1"/>
+            </a:solidFill>
+            <a:tailEnd type="triangle"/>
+          </a:ln>
+        </p:spPr>
+        <p:style>
+          <a:lnRef idx="1">
+            <a:schemeClr val="accent1"/>
+          </a:lnRef>
+          <a:fillRef idx="0">
+            <a:schemeClr val="accent1"/>
+          </a:fillRef>
+          <a:effectRef idx="0">
+            <a:schemeClr val="accent1"/>
+          </a:effectRef>
+          <a:fontRef idx="minor">
+            <a:schemeClr val="tx1"/>
+          </a:fontRef>
+        </p:style>
+      </p:cxnSp>
+      <p:cxnSp>
+        <p:nvCxnSpPr>
+          <p:cNvPr id="58" name="Straight Arrow Connector 57">
+            <a:extLst>
+              <a:ext uri="{FF2B5EF4-FFF2-40B4-BE49-F238E27FC236}">
+                <a16:creationId xmlns:a16="http://schemas.microsoft.com/office/drawing/2014/main" id="{A19D8E4A-710D-429A-9A74-396247CB582B}"/>
+              </a:ext>
+            </a:extLst>
+          </p:cNvPr>
+          <p:cNvCxnSpPr>
+            <a:cxnSpLocks/>
+          </p:cNvCxnSpPr>
+          <p:nvPr/>
+        </p:nvCxnSpPr>
+        <p:spPr>
+          <a:xfrm>
+            <a:off x="1470072" y="17390144"/>
+            <a:ext cx="126082" cy="1129622"/>
+          </a:xfrm>
+          <a:prstGeom prst="straightConnector1">
+            <a:avLst/>
+          </a:prstGeom>
+          <a:ln>
+            <a:solidFill>
+              <a:schemeClr val="tx1"/>
+            </a:solidFill>
+            <a:tailEnd type="triangle"/>
+          </a:ln>
+        </p:spPr>
+        <p:style>
+          <a:lnRef idx="1">
+            <a:schemeClr val="accent1"/>
+          </a:lnRef>
+          <a:fillRef idx="0">
+            <a:schemeClr val="accent1"/>
+          </a:fillRef>
+          <a:effectRef idx="0">
+            <a:schemeClr val="accent1"/>
+          </a:effectRef>
+          <a:fontRef idx="minor">
+            <a:schemeClr val="tx1"/>
+          </a:fontRef>
+        </p:style>
+      </p:cxnSp>
+      <p:sp>
+        <p:nvSpPr>
+          <p:cNvPr id="65" name="TextBox 64">
+            <a:extLst>
+              <a:ext uri="{FF2B5EF4-FFF2-40B4-BE49-F238E27FC236}">
+                <a16:creationId xmlns:a16="http://schemas.microsoft.com/office/drawing/2014/main" id="{9865FD7D-806A-40E6-9D7E-4E528F5CBC05}"/>
+              </a:ext>
+            </a:extLst>
+          </p:cNvPr>
+          <p:cNvSpPr txBox="1"/>
+          <p:nvPr/>
+        </p:nvSpPr>
+        <p:spPr>
+          <a:xfrm>
+            <a:off x="634068" y="14293800"/>
+            <a:ext cx="7718400" cy="1203475"/>
+          </a:xfrm>
+          <a:prstGeom prst="rect">
+            <a:avLst/>
+          </a:prstGeom>
+          <a:noFill/>
+        </p:spPr>
+        <p:txBody>
+          <a:bodyPr wrap="square" rtlCol="0">
+            <a:noAutofit/>
+          </a:bodyPr>
+          <a:lstStyle/>
+          <a:p>
+            <a:r>
+              <a:rPr lang="en-GB" sz="2400" dirty="0"/>
+              <a:t>We use subtrees to construct features as mathematical expressions, these implicit features allow our trees to learn simpler rules.</a:t>
+            </a:r>
+          </a:p>
+          <a:p>
+            <a:endParaRPr lang="en-GB" sz="2000" dirty="0"/>
+          </a:p>
+        </p:txBody>
+      </p:sp>
+      <p:sp>
+        <p:nvSpPr>
+          <p:cNvPr id="70" name="TextBox 69">
+            <a:extLst>
+              <a:ext uri="{FF2B5EF4-FFF2-40B4-BE49-F238E27FC236}">
+                <a16:creationId xmlns:a16="http://schemas.microsoft.com/office/drawing/2014/main" id="{A7BB08E5-F237-4A27-99C8-17787047B618}"/>
+              </a:ext>
+            </a:extLst>
+          </p:cNvPr>
+          <p:cNvSpPr txBox="1"/>
+          <p:nvPr/>
+        </p:nvSpPr>
+        <p:spPr>
+          <a:xfrm>
+            <a:off x="9225197" y="8965208"/>
+            <a:ext cx="5904000" cy="1277124"/>
+          </a:xfrm>
+          <a:prstGeom prst="rect">
+            <a:avLst/>
+          </a:prstGeom>
+          <a:noFill/>
+        </p:spPr>
+        <p:txBody>
+          <a:bodyPr wrap="square" rtlCol="0">
+            <a:noAutofit/>
+          </a:bodyPr>
+          <a:lstStyle/>
+          <a:p>
+            <a:r>
+              <a:rPr lang="en-GB" sz="2000" dirty="0"/>
+              <a:t>The reconstruction ability was an f1 measure result of a 10 fold cross-validation across averaged across all three black-box classifiers. For each model extraction method this was done for each dataset.</a:t>
+            </a:r>
+          </a:p>
+        </p:txBody>
+      </p:sp>
     </p:spTree>
     <p:custDataLst>
       <p:tags r:id="rId1"/>

--- a/poster/poster-version2.pptx
+++ b/poster/poster-version2.pptx
@@ -4,6 +4,9 @@
   <p:sldMasterIdLst>
     <p:sldMasterId id="2147483648" r:id="rId1"/>
   </p:sldMasterIdLst>
+  <p:notesMasterIdLst>
+    <p:notesMasterId r:id="rId3"/>
+  </p:notesMasterIdLst>
   <p:sldIdLst>
     <p:sldId id="256" r:id="rId2"/>
   </p:sldIdLst>
@@ -106,7 +109,7 @@
   </p:defaultTextStyle>
   <p:extLst>
     <p:ext uri="{EFAFB233-063F-42B5-8137-9DF3F51BA10A}">
-      <p15:sldGuideLst xmlns:p15="http://schemas.microsoft.com/office/powerpoint/2012/main">
+      <p15:sldGuideLst xmlns="" xmlns:p15="http://schemas.microsoft.com/office/powerpoint/2012/main">
         <p15:guide id="1" orient="horz" pos="6736">
           <p15:clr>
             <a:srgbClr val="A4A3A4"/>
@@ -121,6 +124,467 @@
     </p:ext>
   </p:extLst>
 </p:presentation>
+</file>
+
+<file path=ppt/notesMasters/notesMaster1.xml><?xml version="1.0" encoding="utf-8"?>
+<p:notesMaster xmlns:a="http://schemas.openxmlformats.org/drawingml/2006/main" xmlns:r="http://schemas.openxmlformats.org/officeDocument/2006/relationships" xmlns:p="http://schemas.openxmlformats.org/presentationml/2006/main">
+  <p:cSld>
+    <p:bg>
+      <p:bgRef idx="1001">
+        <a:schemeClr val="bg1"/>
+      </p:bgRef>
+    </p:bg>
+    <p:spTree>
+      <p:nvGrpSpPr>
+        <p:cNvPr id="1" name=""/>
+        <p:cNvGrpSpPr/>
+        <p:nvPr/>
+      </p:nvGrpSpPr>
+      <p:grpSpPr>
+        <a:xfrm>
+          <a:off x="0" y="0"/>
+          <a:ext cx="0" cy="0"/>
+          <a:chOff x="0" y="0"/>
+          <a:chExt cx="0" cy="0"/>
+        </a:xfrm>
+      </p:grpSpPr>
+      <p:sp>
+        <p:nvSpPr>
+          <p:cNvPr id="2" name="Header Placeholder 1"/>
+          <p:cNvSpPr>
+            <a:spLocks noGrp="1"/>
+          </p:cNvSpPr>
+          <p:nvPr>
+            <p:ph type="hdr" sz="quarter"/>
+          </p:nvPr>
+        </p:nvSpPr>
+        <p:spPr>
+          <a:xfrm>
+            <a:off x="0" y="0"/>
+            <a:ext cx="2971800" cy="457200"/>
+          </a:xfrm>
+          <a:prstGeom prst="rect">
+            <a:avLst/>
+          </a:prstGeom>
+        </p:spPr>
+        <p:txBody>
+          <a:bodyPr vert="horz" lIns="91440" tIns="45720" rIns="91440" bIns="45720" rtlCol="0"/>
+          <a:lstStyle>
+            <a:lvl1pPr algn="l">
+              <a:defRPr sz="1200"/>
+            </a:lvl1pPr>
+          </a:lstStyle>
+          <a:p>
+            <a:endParaRPr lang="en-GB"/>
+          </a:p>
+        </p:txBody>
+      </p:sp>
+      <p:sp>
+        <p:nvSpPr>
+          <p:cNvPr id="3" name="Date Placeholder 2"/>
+          <p:cNvSpPr>
+            <a:spLocks noGrp="1"/>
+          </p:cNvSpPr>
+          <p:nvPr>
+            <p:ph type="dt" idx="1"/>
+          </p:nvPr>
+        </p:nvSpPr>
+        <p:spPr>
+          <a:xfrm>
+            <a:off x="3884613" y="0"/>
+            <a:ext cx="2971800" cy="457200"/>
+          </a:xfrm>
+          <a:prstGeom prst="rect">
+            <a:avLst/>
+          </a:prstGeom>
+        </p:spPr>
+        <p:txBody>
+          <a:bodyPr vert="horz" lIns="91440" tIns="45720" rIns="91440" bIns="45720" rtlCol="0"/>
+          <a:lstStyle>
+            <a:lvl1pPr algn="r">
+              <a:defRPr sz="1200"/>
+            </a:lvl1pPr>
+          </a:lstStyle>
+          <a:p>
+            <a:fld id="{72F76881-7F89-4823-9A3A-259B00DCB8AB}" type="datetimeFigureOut">
+              <a:rPr lang="en-GB" smtClean="0"/>
+              <a:t>07/11/2019</a:t>
+            </a:fld>
+            <a:endParaRPr lang="en-GB"/>
+          </a:p>
+        </p:txBody>
+      </p:sp>
+      <p:sp>
+        <p:nvSpPr>
+          <p:cNvPr id="4" name="Slide Image Placeholder 3"/>
+          <p:cNvSpPr>
+            <a:spLocks noGrp="1" noRot="1" noChangeAspect="1"/>
+          </p:cNvSpPr>
+          <p:nvPr>
+            <p:ph type="sldImg" idx="2"/>
+          </p:nvPr>
+        </p:nvSpPr>
+        <p:spPr>
+          <a:xfrm>
+            <a:off x="1001713" y="685800"/>
+            <a:ext cx="4854575" cy="3429000"/>
+          </a:xfrm>
+          <a:prstGeom prst="rect">
+            <a:avLst/>
+          </a:prstGeom>
+          <a:noFill/>
+          <a:ln w="12700">
+            <a:solidFill>
+              <a:prstClr val="black"/>
+            </a:solidFill>
+          </a:ln>
+        </p:spPr>
+        <p:txBody>
+          <a:bodyPr vert="horz" lIns="91440" tIns="45720" rIns="91440" bIns="45720" rtlCol="0" anchor="ctr"/>
+          <a:lstStyle/>
+          <a:p>
+            <a:endParaRPr lang="en-GB"/>
+          </a:p>
+        </p:txBody>
+      </p:sp>
+      <p:sp>
+        <p:nvSpPr>
+          <p:cNvPr id="5" name="Notes Placeholder 4"/>
+          <p:cNvSpPr>
+            <a:spLocks noGrp="1"/>
+          </p:cNvSpPr>
+          <p:nvPr>
+            <p:ph type="body" sz="quarter" idx="3"/>
+          </p:nvPr>
+        </p:nvSpPr>
+        <p:spPr>
+          <a:xfrm>
+            <a:off x="685800" y="4343400"/>
+            <a:ext cx="5486400" cy="4114800"/>
+          </a:xfrm>
+          <a:prstGeom prst="rect">
+            <a:avLst/>
+          </a:prstGeom>
+        </p:spPr>
+        <p:txBody>
+          <a:bodyPr vert="horz" lIns="91440" tIns="45720" rIns="91440" bIns="45720" rtlCol="0"/>
+          <a:lstStyle/>
+          <a:p>
+            <a:pPr lvl="0"/>
+            <a:r>
+              <a:rPr lang="en-US" smtClean="0"/>
+              <a:t>Click to edit Master text styles</a:t>
+            </a:r>
+          </a:p>
+          <a:p>
+            <a:pPr lvl="1"/>
+            <a:r>
+              <a:rPr lang="en-US" smtClean="0"/>
+              <a:t>Second level</a:t>
+            </a:r>
+          </a:p>
+          <a:p>
+            <a:pPr lvl="2"/>
+            <a:r>
+              <a:rPr lang="en-US" smtClean="0"/>
+              <a:t>Third level</a:t>
+            </a:r>
+          </a:p>
+          <a:p>
+            <a:pPr lvl="3"/>
+            <a:r>
+              <a:rPr lang="en-US" smtClean="0"/>
+              <a:t>Fourth level</a:t>
+            </a:r>
+          </a:p>
+          <a:p>
+            <a:pPr lvl="4"/>
+            <a:r>
+              <a:rPr lang="en-US" smtClean="0"/>
+              <a:t>Fifth level</a:t>
+            </a:r>
+            <a:endParaRPr lang="en-GB"/>
+          </a:p>
+        </p:txBody>
+      </p:sp>
+      <p:sp>
+        <p:nvSpPr>
+          <p:cNvPr id="6" name="Footer Placeholder 5"/>
+          <p:cNvSpPr>
+            <a:spLocks noGrp="1"/>
+          </p:cNvSpPr>
+          <p:nvPr>
+            <p:ph type="ftr" sz="quarter" idx="4"/>
+          </p:nvPr>
+        </p:nvSpPr>
+        <p:spPr>
+          <a:xfrm>
+            <a:off x="0" y="8685213"/>
+            <a:ext cx="2971800" cy="457200"/>
+          </a:xfrm>
+          <a:prstGeom prst="rect">
+            <a:avLst/>
+          </a:prstGeom>
+        </p:spPr>
+        <p:txBody>
+          <a:bodyPr vert="horz" lIns="91440" tIns="45720" rIns="91440" bIns="45720" rtlCol="0" anchor="b"/>
+          <a:lstStyle>
+            <a:lvl1pPr algn="l">
+              <a:defRPr sz="1200"/>
+            </a:lvl1pPr>
+          </a:lstStyle>
+          <a:p>
+            <a:endParaRPr lang="en-GB"/>
+          </a:p>
+        </p:txBody>
+      </p:sp>
+      <p:sp>
+        <p:nvSpPr>
+          <p:cNvPr id="7" name="Slide Number Placeholder 6"/>
+          <p:cNvSpPr>
+            <a:spLocks noGrp="1"/>
+          </p:cNvSpPr>
+          <p:nvPr>
+            <p:ph type="sldNum" sz="quarter" idx="5"/>
+          </p:nvPr>
+        </p:nvSpPr>
+        <p:spPr>
+          <a:xfrm>
+            <a:off x="3884613" y="8685213"/>
+            <a:ext cx="2971800" cy="457200"/>
+          </a:xfrm>
+          <a:prstGeom prst="rect">
+            <a:avLst/>
+          </a:prstGeom>
+        </p:spPr>
+        <p:txBody>
+          <a:bodyPr vert="horz" lIns="91440" tIns="45720" rIns="91440" bIns="45720" rtlCol="0" anchor="b"/>
+          <a:lstStyle>
+            <a:lvl1pPr algn="r">
+              <a:defRPr sz="1200"/>
+            </a:lvl1pPr>
+          </a:lstStyle>
+          <a:p>
+            <a:fld id="{30195C4F-3B56-4DC2-8C77-D08E8642A85F}" type="slidenum">
+              <a:rPr lang="en-GB" smtClean="0"/>
+              <a:t>‹#›</a:t>
+            </a:fld>
+            <a:endParaRPr lang="en-GB"/>
+          </a:p>
+        </p:txBody>
+      </p:sp>
+    </p:spTree>
+    <p:extLst>
+      <p:ext uri="{BB962C8B-B14F-4D97-AF65-F5344CB8AC3E}">
+        <p14:creationId xmlns:p14="http://schemas.microsoft.com/office/powerpoint/2010/main" val="729818615"/>
+      </p:ext>
+    </p:extLst>
+  </p:cSld>
+  <p:clrMap bg1="lt1" tx1="dk1" bg2="lt2" tx2="dk2" accent1="accent1" accent2="accent2" accent3="accent3" accent4="accent4" accent5="accent5" accent6="accent6" hlink="hlink" folHlink="folHlink"/>
+  <p:notesStyle>
+    <a:lvl1pPr marL="0" algn="l" defTabSz="914400" rtl="0" eaLnBrk="1" latinLnBrk="0" hangingPunct="1">
+      <a:defRPr sz="1200" kern="1200">
+        <a:solidFill>
+          <a:schemeClr val="tx1"/>
+        </a:solidFill>
+        <a:latin typeface="+mn-lt"/>
+        <a:ea typeface="+mn-ea"/>
+        <a:cs typeface="+mn-cs"/>
+      </a:defRPr>
+    </a:lvl1pPr>
+    <a:lvl2pPr marL="457200" algn="l" defTabSz="914400" rtl="0" eaLnBrk="1" latinLnBrk="0" hangingPunct="1">
+      <a:defRPr sz="1200" kern="1200">
+        <a:solidFill>
+          <a:schemeClr val="tx1"/>
+        </a:solidFill>
+        <a:latin typeface="+mn-lt"/>
+        <a:ea typeface="+mn-ea"/>
+        <a:cs typeface="+mn-cs"/>
+      </a:defRPr>
+    </a:lvl2pPr>
+    <a:lvl3pPr marL="914400" algn="l" defTabSz="914400" rtl="0" eaLnBrk="1" latinLnBrk="0" hangingPunct="1">
+      <a:defRPr sz="1200" kern="1200">
+        <a:solidFill>
+          <a:schemeClr val="tx1"/>
+        </a:solidFill>
+        <a:latin typeface="+mn-lt"/>
+        <a:ea typeface="+mn-ea"/>
+        <a:cs typeface="+mn-cs"/>
+      </a:defRPr>
+    </a:lvl3pPr>
+    <a:lvl4pPr marL="1371600" algn="l" defTabSz="914400" rtl="0" eaLnBrk="1" latinLnBrk="0" hangingPunct="1">
+      <a:defRPr sz="1200" kern="1200">
+        <a:solidFill>
+          <a:schemeClr val="tx1"/>
+        </a:solidFill>
+        <a:latin typeface="+mn-lt"/>
+        <a:ea typeface="+mn-ea"/>
+        <a:cs typeface="+mn-cs"/>
+      </a:defRPr>
+    </a:lvl4pPr>
+    <a:lvl5pPr marL="1828800" algn="l" defTabSz="914400" rtl="0" eaLnBrk="1" latinLnBrk="0" hangingPunct="1">
+      <a:defRPr sz="1200" kern="1200">
+        <a:solidFill>
+          <a:schemeClr val="tx1"/>
+        </a:solidFill>
+        <a:latin typeface="+mn-lt"/>
+        <a:ea typeface="+mn-ea"/>
+        <a:cs typeface="+mn-cs"/>
+      </a:defRPr>
+    </a:lvl5pPr>
+    <a:lvl6pPr marL="2286000" algn="l" defTabSz="914400" rtl="0" eaLnBrk="1" latinLnBrk="0" hangingPunct="1">
+      <a:defRPr sz="1200" kern="1200">
+        <a:solidFill>
+          <a:schemeClr val="tx1"/>
+        </a:solidFill>
+        <a:latin typeface="+mn-lt"/>
+        <a:ea typeface="+mn-ea"/>
+        <a:cs typeface="+mn-cs"/>
+      </a:defRPr>
+    </a:lvl6pPr>
+    <a:lvl7pPr marL="2743200" algn="l" defTabSz="914400" rtl="0" eaLnBrk="1" latinLnBrk="0" hangingPunct="1">
+      <a:defRPr sz="1200" kern="1200">
+        <a:solidFill>
+          <a:schemeClr val="tx1"/>
+        </a:solidFill>
+        <a:latin typeface="+mn-lt"/>
+        <a:ea typeface="+mn-ea"/>
+        <a:cs typeface="+mn-cs"/>
+      </a:defRPr>
+    </a:lvl7pPr>
+    <a:lvl8pPr marL="3200400" algn="l" defTabSz="914400" rtl="0" eaLnBrk="1" latinLnBrk="0" hangingPunct="1">
+      <a:defRPr sz="1200" kern="1200">
+        <a:solidFill>
+          <a:schemeClr val="tx1"/>
+        </a:solidFill>
+        <a:latin typeface="+mn-lt"/>
+        <a:ea typeface="+mn-ea"/>
+        <a:cs typeface="+mn-cs"/>
+      </a:defRPr>
+    </a:lvl8pPr>
+    <a:lvl9pPr marL="3657600" algn="l" defTabSz="914400" rtl="0" eaLnBrk="1" latinLnBrk="0" hangingPunct="1">
+      <a:defRPr sz="1200" kern="1200">
+        <a:solidFill>
+          <a:schemeClr val="tx1"/>
+        </a:solidFill>
+        <a:latin typeface="+mn-lt"/>
+        <a:ea typeface="+mn-ea"/>
+        <a:cs typeface="+mn-cs"/>
+      </a:defRPr>
+    </a:lvl9pPr>
+  </p:notesStyle>
+</p:notesMaster>
+</file>
+
+<file path=ppt/notesSlides/notesSlide1.xml><?xml version="1.0" encoding="utf-8"?>
+<p:notes xmlns:a="http://schemas.openxmlformats.org/drawingml/2006/main" xmlns:r="http://schemas.openxmlformats.org/officeDocument/2006/relationships" xmlns:p="http://schemas.openxmlformats.org/presentationml/2006/main">
+  <p:cSld>
+    <p:spTree>
+      <p:nvGrpSpPr>
+        <p:cNvPr id="1" name=""/>
+        <p:cNvGrpSpPr/>
+        <p:nvPr/>
+      </p:nvGrpSpPr>
+      <p:grpSpPr>
+        <a:xfrm>
+          <a:off x="0" y="0"/>
+          <a:ext cx="0" cy="0"/>
+          <a:chOff x="0" y="0"/>
+          <a:chExt cx="0" cy="0"/>
+        </a:xfrm>
+      </p:grpSpPr>
+      <p:sp>
+        <p:nvSpPr>
+          <p:cNvPr id="2" name="Slide Image Placeholder 1"/>
+          <p:cNvSpPr>
+            <a:spLocks noGrp="1" noRot="1" noChangeAspect="1"/>
+          </p:cNvSpPr>
+          <p:nvPr>
+            <p:ph type="sldImg"/>
+          </p:nvPr>
+        </p:nvSpPr>
+        <p:spPr/>
+      </p:sp>
+      <p:sp>
+        <p:nvSpPr>
+          <p:cNvPr id="3" name="Notes Placeholder 2"/>
+          <p:cNvSpPr>
+            <a:spLocks noGrp="1"/>
+          </p:cNvSpPr>
+          <p:nvPr>
+            <p:ph type="body" idx="1"/>
+          </p:nvPr>
+        </p:nvSpPr>
+        <p:spPr/>
+        <p:txBody>
+          <a:bodyPr/>
+          <a:lstStyle/>
+          <a:p>
+            <a:pPr marL="0" marR="0" indent="0" algn="l" defTabSz="914400" rtl="0" eaLnBrk="1" fontAlgn="auto" latinLnBrk="0" hangingPunct="1">
+              <a:lnSpc>
+                <a:spcPct val="100000"/>
+              </a:lnSpc>
+              <a:spcBef>
+                <a:spcPts val="0"/>
+              </a:spcBef>
+              <a:spcAft>
+                <a:spcPts val="0"/>
+              </a:spcAft>
+              <a:buClrTx/>
+              <a:buSzTx/>
+              <a:buFontTx/>
+              <a:buNone/>
+              <a:tabLst/>
+              <a:defRPr/>
+            </a:pPr>
+            <a:r>
+              <a:rPr lang="en-GB" sz="1200" dirty="0" smtClean="0"/>
+              <a:t>The proposed method’s resulting tree and the Bayesian rule list are by far the simplest interpretable models, both condense a 200 layer neural-network into small human readable form. </a:t>
+            </a:r>
+            <a:r>
+              <a:rPr lang="en-GB" sz="1200" smtClean="0"/>
+              <a:t>Although the BRL just predicts 1 class so is considered overly simplistic.</a:t>
+            </a:r>
+          </a:p>
+          <a:p>
+            <a:endParaRPr lang="en-GB"/>
+          </a:p>
+        </p:txBody>
+      </p:sp>
+      <p:sp>
+        <p:nvSpPr>
+          <p:cNvPr id="4" name="Slide Number Placeholder 3"/>
+          <p:cNvSpPr>
+            <a:spLocks noGrp="1"/>
+          </p:cNvSpPr>
+          <p:nvPr>
+            <p:ph type="sldNum" sz="quarter" idx="10"/>
+          </p:nvPr>
+        </p:nvSpPr>
+        <p:spPr/>
+        <p:txBody>
+          <a:bodyPr/>
+          <a:lstStyle/>
+          <a:p>
+            <a:fld id="{30195C4F-3B56-4DC2-8C77-D08E8642A85F}" type="slidenum">
+              <a:rPr lang="en-GB" smtClean="0"/>
+              <a:t>1</a:t>
+            </a:fld>
+            <a:endParaRPr lang="en-GB"/>
+          </a:p>
+        </p:txBody>
+      </p:sp>
+    </p:spTree>
+    <p:extLst>
+      <p:ext uri="{BB962C8B-B14F-4D97-AF65-F5344CB8AC3E}">
+        <p14:creationId xmlns:p14="http://schemas.microsoft.com/office/powerpoint/2010/main" val="3925912206"/>
+      </p:ext>
+    </p:extLst>
+  </p:cSld>
+  <p:clrMapOvr>
+    <a:masterClrMapping/>
+  </p:clrMapOvr>
+</p:notes>
 </file>
 
 <file path=ppt/slideLayouts/slideLayout1.xml><?xml version="1.0" encoding="utf-8"?>
@@ -3175,6 +3639,314 @@
           <a:chExt cx="0" cy="0"/>
         </a:xfrm>
       </p:grpSpPr>
+      <p:sp>
+        <p:nvSpPr>
+          <p:cNvPr id="25" name="TextBox 24">
+            <a:extLst>
+              <a:ext uri="{FF2B5EF4-FFF2-40B4-BE49-F238E27FC236}">
+                <a16:creationId xmlns="" xmlns:a16="http://schemas.microsoft.com/office/drawing/2014/main" id="{5A961CB8-D9BB-43E8-AA4C-030CE5CC5E83}"/>
+              </a:ext>
+            </a:extLst>
+          </p:cNvPr>
+          <p:cNvSpPr txBox="1"/>
+          <p:nvPr/>
+        </p:nvSpPr>
+        <p:spPr>
+          <a:xfrm>
+            <a:off x="24221994" y="15645261"/>
+            <a:ext cx="2948265" cy="769441"/>
+          </a:xfrm>
+          <a:prstGeom prst="rect">
+            <a:avLst/>
+          </a:prstGeom>
+          <a:noFill/>
+        </p:spPr>
+        <p:txBody>
+          <a:bodyPr wrap="square" rtlCol="0">
+            <a:spAutoFit/>
+          </a:bodyPr>
+          <a:lstStyle/>
+          <a:p>
+            <a:r>
+              <a:rPr lang="en-GB" sz="4400" b="1" dirty="0" smtClean="0"/>
+              <a:t>Conclusion</a:t>
+            </a:r>
+            <a:endParaRPr lang="en-GB" sz="4400" b="1" dirty="0"/>
+          </a:p>
+        </p:txBody>
+      </p:sp>
+      <p:sp>
+        <p:nvSpPr>
+          <p:cNvPr id="68" name="Rectangle 67"/>
+          <p:cNvSpPr/>
+          <p:nvPr/>
+        </p:nvSpPr>
+        <p:spPr>
+          <a:xfrm>
+            <a:off x="21626699" y="16215369"/>
+            <a:ext cx="8280000" cy="4738441"/>
+          </a:xfrm>
+          <a:prstGeom prst="rect">
+            <a:avLst/>
+          </a:prstGeom>
+          <a:gradFill>
+            <a:gsLst>
+              <a:gs pos="100000">
+                <a:srgbClr val="071159">
+                  <a:lumMod val="52000"/>
+                  <a:lumOff val="48000"/>
+                  <a:alpha val="78000"/>
+                </a:srgbClr>
+              </a:gs>
+              <a:gs pos="39000">
+                <a:srgbClr val="E7E2ED">
+                  <a:lumMod val="54000"/>
+                  <a:lumOff val="46000"/>
+                  <a:alpha val="44000"/>
+                </a:srgbClr>
+              </a:gs>
+            </a:gsLst>
+            <a:lin ang="5400000" scaled="1"/>
+          </a:gradFill>
+          <a:effectLst>
+            <a:softEdge rad="127000"/>
+          </a:effectLst>
+        </p:spPr>
+        <p:style>
+          <a:lnRef idx="2">
+            <a:schemeClr val="accent1">
+              <a:shade val="50000"/>
+            </a:schemeClr>
+          </a:lnRef>
+          <a:fillRef idx="1">
+            <a:schemeClr val="accent1"/>
+          </a:fillRef>
+          <a:effectRef idx="0">
+            <a:schemeClr val="accent1"/>
+          </a:effectRef>
+          <a:fontRef idx="minor">
+            <a:schemeClr val="lt1"/>
+          </a:fontRef>
+        </p:style>
+        <p:txBody>
+          <a:bodyPr rtlCol="0" anchor="ctr"/>
+          <a:lstStyle/>
+          <a:p>
+            <a:pPr algn="ctr"/>
+            <a:endParaRPr lang="en-GB"/>
+          </a:p>
+        </p:txBody>
+      </p:sp>
+      <p:sp>
+        <p:nvSpPr>
+          <p:cNvPr id="62" name="Rectangle 61"/>
+          <p:cNvSpPr/>
+          <p:nvPr/>
+        </p:nvSpPr>
+        <p:spPr>
+          <a:xfrm>
+            <a:off x="8875291" y="4547484"/>
+            <a:ext cx="12457384" cy="12418475"/>
+          </a:xfrm>
+          <a:prstGeom prst="rect">
+            <a:avLst/>
+          </a:prstGeom>
+          <a:gradFill flip="none" rotWithShape="1">
+            <a:gsLst>
+              <a:gs pos="60000">
+                <a:srgbClr val="71DAFF"/>
+              </a:gs>
+              <a:gs pos="28000">
+                <a:srgbClr val="79DCFF">
+                  <a:alpha val="38000"/>
+                  <a:lumMod val="95000"/>
+                  <a:lumOff val="5000"/>
+                </a:srgbClr>
+              </a:gs>
+              <a:gs pos="49000">
+                <a:srgbClr val="4FB3F7">
+                  <a:alpha val="65000"/>
+                </a:srgbClr>
+              </a:gs>
+              <a:gs pos="16000">
+                <a:schemeClr val="accent5">
+                  <a:lumMod val="20000"/>
+                  <a:lumOff val="80000"/>
+                </a:schemeClr>
+              </a:gs>
+              <a:gs pos="100000">
+                <a:schemeClr val="bg1">
+                  <a:alpha val="6000"/>
+                  <a:lumMod val="12000"/>
+                  <a:lumOff val="88000"/>
+                </a:schemeClr>
+              </a:gs>
+            </a:gsLst>
+            <a:lin ang="5400000" scaled="1"/>
+            <a:tileRect/>
+          </a:gradFill>
+          <a:ln>
+            <a:noFill/>
+          </a:ln>
+          <a:effectLst>
+            <a:softEdge rad="127000"/>
+          </a:effectLst>
+        </p:spPr>
+        <p:style>
+          <a:lnRef idx="2">
+            <a:schemeClr val="accent1">
+              <a:shade val="50000"/>
+            </a:schemeClr>
+          </a:lnRef>
+          <a:fillRef idx="1">
+            <a:schemeClr val="accent1"/>
+          </a:fillRef>
+          <a:effectRef idx="0">
+            <a:schemeClr val="accent1"/>
+          </a:effectRef>
+          <a:fontRef idx="minor">
+            <a:schemeClr val="lt1"/>
+          </a:fontRef>
+        </p:style>
+        <p:txBody>
+          <a:bodyPr rtlCol="0" anchor="ctr"/>
+          <a:lstStyle/>
+          <a:p>
+            <a:pPr algn="ctr"/>
+            <a:endParaRPr lang="en-GB"/>
+          </a:p>
+        </p:txBody>
+      </p:sp>
+      <p:sp>
+        <p:nvSpPr>
+          <p:cNvPr id="60" name="Rectangle 59"/>
+          <p:cNvSpPr/>
+          <p:nvPr/>
+        </p:nvSpPr>
+        <p:spPr>
+          <a:xfrm>
+            <a:off x="306339" y="8317136"/>
+            <a:ext cx="8280000" cy="12636673"/>
+          </a:xfrm>
+          <a:prstGeom prst="rect">
+            <a:avLst/>
+          </a:prstGeom>
+          <a:gradFill flip="none" rotWithShape="1">
+            <a:gsLst>
+              <a:gs pos="0">
+                <a:schemeClr val="accent2">
+                  <a:lumMod val="75000"/>
+                </a:schemeClr>
+              </a:gs>
+              <a:gs pos="36000">
+                <a:schemeClr val="accent2">
+                  <a:lumMod val="40000"/>
+                  <a:lumOff val="60000"/>
+                </a:schemeClr>
+              </a:gs>
+              <a:gs pos="0">
+                <a:srgbClr val="C00000">
+                  <a:lumMod val="99000"/>
+                  <a:lumOff val="1000"/>
+                  <a:alpha val="83000"/>
+                </a:srgbClr>
+              </a:gs>
+              <a:gs pos="100000">
+                <a:schemeClr val="bg1"/>
+              </a:gs>
+            </a:gsLst>
+            <a:lin ang="16200000" scaled="1"/>
+            <a:tileRect/>
+          </a:gradFill>
+          <a:effectLst>
+            <a:softEdge rad="127000"/>
+          </a:effectLst>
+        </p:spPr>
+        <p:style>
+          <a:lnRef idx="2">
+            <a:schemeClr val="accent1">
+              <a:shade val="50000"/>
+            </a:schemeClr>
+          </a:lnRef>
+          <a:fillRef idx="1">
+            <a:schemeClr val="accent1"/>
+          </a:fillRef>
+          <a:effectRef idx="0">
+            <a:schemeClr val="accent1"/>
+          </a:effectRef>
+          <a:fontRef idx="minor">
+            <a:schemeClr val="lt1"/>
+          </a:fontRef>
+        </p:style>
+        <p:txBody>
+          <a:bodyPr rtlCol="0" anchor="ctr"/>
+          <a:lstStyle/>
+          <a:p>
+            <a:pPr algn="ctr"/>
+            <a:endParaRPr lang="en-GB"/>
+          </a:p>
+        </p:txBody>
+      </p:sp>
+      <p:sp>
+        <p:nvSpPr>
+          <p:cNvPr id="59" name="Rectangle 58"/>
+          <p:cNvSpPr/>
+          <p:nvPr/>
+        </p:nvSpPr>
+        <p:spPr>
+          <a:xfrm>
+            <a:off x="21626699" y="4191189"/>
+            <a:ext cx="8202920" cy="11478158"/>
+          </a:xfrm>
+          <a:prstGeom prst="rect">
+            <a:avLst/>
+          </a:prstGeom>
+          <a:gradFill>
+            <a:gsLst>
+              <a:gs pos="0">
+                <a:srgbClr val="FFFF99"/>
+              </a:gs>
+              <a:gs pos="50000">
+                <a:schemeClr val="bg1"/>
+              </a:gs>
+              <a:gs pos="100000">
+                <a:schemeClr val="bg1"/>
+              </a:gs>
+            </a:gsLst>
+            <a:lin ang="5400000" scaled="0"/>
+          </a:gradFill>
+          <a:ln>
+            <a:noFill/>
+          </a:ln>
+          <a:effectLst>
+            <a:softEdge rad="127000"/>
+          </a:effectLst>
+        </p:spPr>
+        <p:style>
+          <a:lnRef idx="2">
+            <a:schemeClr val="accent1">
+              <a:shade val="50000"/>
+            </a:schemeClr>
+          </a:lnRef>
+          <a:fillRef idx="1">
+            <a:schemeClr val="accent1"/>
+          </a:fillRef>
+          <a:effectRef idx="0">
+            <a:schemeClr val="accent1"/>
+          </a:effectRef>
+          <a:fontRef idx="minor">
+            <a:schemeClr val="lt1"/>
+          </a:fontRef>
+        </p:style>
+        <p:txBody>
+          <a:bodyPr rtlCol="0" anchor="ctr"/>
+          <a:lstStyle/>
+          <a:p>
+            <a:pPr algn="ctr"/>
+            <a:endParaRPr lang="en-GB"/>
+          </a:p>
+        </p:txBody>
+      </p:sp>
       <p:pic>
         <p:nvPicPr>
           <p:cNvPr id="4" name="Picture 3"/>
@@ -3184,7 +3956,7 @@
           <p:nvPr/>
         </p:nvPicPr>
         <p:blipFill>
-          <a:blip r:embed="rId3">
+          <a:blip r:embed="rId4">
             <a:extLst>
               <a:ext uri="{28A0092B-C50C-407E-A947-70E740481C1C}">
                 <a14:useLocalDpi xmlns:a14="http://schemas.microsoft.com/office/drawing/2010/main" val="0"/>
@@ -3222,7 +3994,7 @@
           <p:cNvPr id="49" name="Table 48">
             <a:extLst>
               <a:ext uri="{FF2B5EF4-FFF2-40B4-BE49-F238E27FC236}">
-                <a16:creationId xmlns:a16="http://schemas.microsoft.com/office/drawing/2014/main" id="{C2DF9ACA-7792-496C-8143-144D3AB9F7F1}"/>
+                <a16:creationId xmlns="" xmlns:a16="http://schemas.microsoft.com/office/drawing/2014/main" id="{C2DF9ACA-7792-496C-8143-144D3AB9F7F1}"/>
               </a:ext>
             </a:extLst>
           </p:cNvPr>
@@ -3232,7 +4004,7 @@
           <p:nvPr>
             <p:extLst>
               <p:ext uri="{D42A27DB-BD31-4B8C-83A1-F6EECF244321}">
-                <p14:modId xmlns:p14="http://schemas.microsoft.com/office/powerpoint/2010/main" val="1883467947"/>
+                <p14:modId xmlns:p14="http://schemas.microsoft.com/office/powerpoint/2010/main" val="2933875898"/>
               </p:ext>
             </p:extLst>
           </p:nvPr>
@@ -3245,20 +4017,23 @@
           <a:graphicData uri="http://schemas.openxmlformats.org/drawingml/2006/table">
             <a:tbl>
               <a:tblPr firstRow="1" bandRow="1">
+                <a:effectLst>
+                  <a:reflection blurRad="6350" stA="50000" endA="300" endPos="55000" dir="5400000" sy="-100000" algn="bl" rotWithShape="0"/>
+                </a:effectLst>
                 <a:tableStyleId>{5C22544A-7EE6-4342-B048-85BDC9FD1C3A}</a:tableStyleId>
               </a:tblPr>
               <a:tblGrid>
                 <a:gridCol w="3124614">
                   <a:extLst>
                     <a:ext uri="{9D8B030D-6E8A-4147-A177-3AD203B41FA5}">
-                      <a16:colId xmlns:a16="http://schemas.microsoft.com/office/drawing/2014/main" val="4011628852"/>
+                      <a16:colId xmlns="" xmlns:a16="http://schemas.microsoft.com/office/drawing/2014/main" val="4011628852"/>
                     </a:ext>
                   </a:extLst>
                 </a:gridCol>
                 <a:gridCol w="3124614">
                   <a:extLst>
                     <a:ext uri="{9D8B030D-6E8A-4147-A177-3AD203B41FA5}">
-                      <a16:colId xmlns:a16="http://schemas.microsoft.com/office/drawing/2014/main" val="3205392189"/>
+                      <a16:colId xmlns="" xmlns:a16="http://schemas.microsoft.com/office/drawing/2014/main" val="3205392189"/>
                     </a:ext>
                   </a:extLst>
                 </a:gridCol>
@@ -3270,7 +4045,7 @@
                     <a:lstStyle/>
                     <a:p>
                       <a:r>
-                        <a:rPr lang="en-GB" sz="2400" b="0" dirty="0">
+                        <a:rPr lang="en-GB" sz="2400" b="1" dirty="0">
                           <a:solidFill>
                             <a:schemeClr val="tx1"/>
                           </a:solidFill>
@@ -3278,20 +4053,33 @@
                         <a:t>4 Current Model </a:t>
                       </a:r>
                       <a:br>
-                        <a:rPr lang="en-GB" sz="2400" b="0" dirty="0">
+                        <a:rPr lang="en-GB" sz="2400" b="1" dirty="0">
                           <a:solidFill>
                             <a:schemeClr val="tx1"/>
                           </a:solidFill>
                         </a:rPr>
                       </a:br>
                       <a:r>
-                        <a:rPr lang="en-GB" sz="2400" b="0" dirty="0">
+                        <a:rPr lang="en-GB" sz="2400" b="1" dirty="0">
                           <a:solidFill>
                             <a:schemeClr val="tx1"/>
                           </a:solidFill>
                         </a:rPr>
-                        <a:t>Extraction methods:</a:t>
+                        <a:t>Extraction </a:t>
                       </a:r>
+                      <a:r>
+                        <a:rPr lang="en-GB" sz="2400" b="1" dirty="0" smtClean="0">
+                          <a:solidFill>
+                            <a:schemeClr val="tx1"/>
+                          </a:solidFill>
+                        </a:rPr>
+                        <a:t>methods</a:t>
+                      </a:r>
+                      <a:endParaRPr lang="en-GB" sz="2400" b="1" dirty="0">
+                        <a:solidFill>
+                          <a:schemeClr val="tx1"/>
+                        </a:solidFill>
+                      </a:endParaRPr>
                     </a:p>
                     <a:p>
                       <a:pPr marL="342900" indent="-342900">
@@ -3398,7 +4186,39 @@
                       <a:noFill/>
                       <a:prstDash val="solid"/>
                     </a:lnBlToTr>
-                    <a:noFill/>
+                    <a:gradFill flip="none" rotWithShape="1">
+                      <a:gsLst>
+                        <a:gs pos="0">
+                          <a:schemeClr val="bg1">
+                            <a:alpha val="0"/>
+                          </a:schemeClr>
+                        </a:gs>
+                        <a:gs pos="69000">
+                          <a:schemeClr val="bg1">
+                            <a:alpha val="65000"/>
+                          </a:schemeClr>
+                        </a:gs>
+                        <a:gs pos="27000">
+                          <a:srgbClr val="FFFFFF">
+                            <a:alpha val="83000"/>
+                          </a:srgbClr>
+                        </a:gs>
+                        <a:gs pos="45000">
+                          <a:schemeClr val="bg1">
+                            <a:alpha val="66000"/>
+                          </a:schemeClr>
+                        </a:gs>
+                        <a:gs pos="100000">
+                          <a:schemeClr val="bg1">
+                            <a:lumMod val="12000"/>
+                            <a:lumOff val="88000"/>
+                            <a:alpha val="0"/>
+                          </a:schemeClr>
+                        </a:gs>
+                      </a:gsLst>
+                      <a:lin ang="5400000" scaled="1"/>
+                      <a:tileRect/>
+                    </a:gradFill>
                   </a:tcPr>
                 </a:tc>
                 <a:tc>
@@ -3407,12 +4227,12 @@
                     <a:lstStyle/>
                     <a:p>
                       <a:r>
-                        <a:rPr lang="en-GB" sz="2400" b="0" dirty="0">
+                        <a:rPr lang="en-GB" sz="2400" b="1" dirty="0">
                           <a:solidFill>
                             <a:schemeClr val="tx1"/>
                           </a:solidFill>
                         </a:rPr>
-                        <a:t>3 Black-Box Models :</a:t>
+                        <a:t>3 Black-Box Models </a:t>
                       </a:r>
                     </a:p>
                     <a:p>
@@ -3495,12 +4315,44 @@
                       <a:noFill/>
                       <a:prstDash val="solid"/>
                     </a:lnBlToTr>
-                    <a:noFill/>
+                    <a:gradFill flip="none" rotWithShape="1">
+                      <a:gsLst>
+                        <a:gs pos="70000">
+                          <a:srgbClr val="FFFFFF">
+                            <a:alpha val="65000"/>
+                          </a:srgbClr>
+                        </a:gs>
+                        <a:gs pos="54000">
+                          <a:schemeClr val="bg1">
+                            <a:alpha val="66000"/>
+                          </a:schemeClr>
+                        </a:gs>
+                        <a:gs pos="36000">
+                          <a:srgbClr val="FFFFFF">
+                            <a:alpha val="83000"/>
+                          </a:srgbClr>
+                        </a:gs>
+                        <a:gs pos="0">
+                          <a:schemeClr val="bg1">
+                            <a:alpha val="0"/>
+                          </a:schemeClr>
+                        </a:gs>
+                        <a:gs pos="100000">
+                          <a:schemeClr val="bg1">
+                            <a:lumMod val="12000"/>
+                            <a:lumOff val="88000"/>
+                            <a:alpha val="0"/>
+                          </a:schemeClr>
+                        </a:gs>
+                      </a:gsLst>
+                      <a:lin ang="16200000" scaled="1"/>
+                      <a:tileRect/>
+                    </a:gradFill>
                   </a:tcPr>
                 </a:tc>
                 <a:extLst>
                   <a:ext uri="{0D108BD9-81ED-4DB2-BD59-A6C34878D82A}">
-                    <a16:rowId xmlns:a16="http://schemas.microsoft.com/office/drawing/2014/main" val="3289597202"/>
+                    <a16:rowId xmlns="" xmlns:a16="http://schemas.microsoft.com/office/drawing/2014/main" val="3289597202"/>
                   </a:ext>
                 </a:extLst>
               </a:tr>
@@ -3513,7 +4365,7 @@
           <p:cNvPr id="50" name="TextBox 49">
             <a:extLst>
               <a:ext uri="{FF2B5EF4-FFF2-40B4-BE49-F238E27FC236}">
-                <a16:creationId xmlns:a16="http://schemas.microsoft.com/office/drawing/2014/main" id="{AB631D38-65D0-4001-8246-58C8348CC325}"/>
+                <a16:creationId xmlns="" xmlns:a16="http://schemas.microsoft.com/office/drawing/2014/main" id="{AB631D38-65D0-4001-8246-58C8348CC325}"/>
               </a:ext>
             </a:extLst>
           </p:cNvPr>
@@ -3522,8 +4374,8 @@
         </p:nvSpPr>
         <p:spPr>
           <a:xfrm>
-            <a:off x="9236664" y="7569761"/>
-            <a:ext cx="5903323" cy="1323439"/>
+            <a:off x="9452688" y="9271531"/>
+            <a:ext cx="5903323" cy="1061829"/>
           </a:xfrm>
           <a:prstGeom prst="rect">
             <a:avLst/>
@@ -3532,16 +4384,88 @@
         </p:spPr>
         <p:txBody>
           <a:bodyPr wrap="square" rtlCol="0">
-            <a:spAutoFit/>
+            <a:noAutofit/>
           </a:bodyPr>
           <a:lstStyle/>
           <a:p>
-            <a:pPr algn="just"/>
-            <a:r>
-              <a:rPr lang="en-GB" sz="2000" dirty="0">
+            <a:pPr algn="r"/>
+            <a:r>
+              <a:rPr lang="en-GB" sz="2100" dirty="0" smtClean="0">
                 <a:cs typeface="Arial" panose="020B0604020202020204" pitchFamily="34" charset="0"/>
               </a:rPr>
-              <a:t>A broad range of 30 datasets from the OpenML repository [7] were used for comparison. The datasets were restricted to less than 15000 instances, less than 5 classes, and no missing values. </a:t>
+              <a:t>Used </a:t>
+            </a:r>
+            <a:r>
+              <a:rPr lang="en-GB" sz="2100" dirty="0" smtClean="0">
+                <a:cs typeface="Arial" panose="020B0604020202020204" pitchFamily="34" charset="0"/>
+              </a:rPr>
+              <a:t>30 </a:t>
+            </a:r>
+            <a:r>
+              <a:rPr lang="en-GB" sz="2100" dirty="0">
+                <a:cs typeface="Arial" panose="020B0604020202020204" pitchFamily="34" charset="0"/>
+              </a:rPr>
+              <a:t>datasets from the </a:t>
+            </a:r>
+            <a:r>
+              <a:rPr lang="en-GB" sz="2100" dirty="0" err="1">
+                <a:cs typeface="Arial" panose="020B0604020202020204" pitchFamily="34" charset="0"/>
+              </a:rPr>
+              <a:t>OpenML</a:t>
+            </a:r>
+            <a:r>
+              <a:rPr lang="en-GB" sz="2100" dirty="0">
+                <a:cs typeface="Arial" panose="020B0604020202020204" pitchFamily="34" charset="0"/>
+              </a:rPr>
+              <a:t> </a:t>
+            </a:r>
+            <a:r>
+              <a:rPr lang="en-GB" sz="2100" dirty="0" smtClean="0">
+                <a:cs typeface="Arial" panose="020B0604020202020204" pitchFamily="34" charset="0"/>
+              </a:rPr>
+              <a:t>repository. These were restricted </a:t>
+            </a:r>
+            <a:r>
+              <a:rPr lang="en-GB" sz="2100" dirty="0">
+                <a:cs typeface="Arial" panose="020B0604020202020204" pitchFamily="34" charset="0"/>
+              </a:rPr>
+              <a:t>to </a:t>
+            </a:r>
+            <a:r>
+              <a:rPr lang="en-GB" sz="2100" dirty="0" smtClean="0">
+                <a:cs typeface="Arial" panose="020B0604020202020204" pitchFamily="34" charset="0"/>
+              </a:rPr>
+              <a:t>&lt;</a:t>
+            </a:r>
+            <a:r>
+              <a:rPr lang="en-GB" sz="2100" dirty="0" smtClean="0">
+                <a:cs typeface="Arial" panose="020B0604020202020204" pitchFamily="34" charset="0"/>
+              </a:rPr>
+              <a:t>15000 </a:t>
+            </a:r>
+            <a:r>
+              <a:rPr lang="en-GB" sz="2100" dirty="0">
+                <a:cs typeface="Arial" panose="020B0604020202020204" pitchFamily="34" charset="0"/>
+              </a:rPr>
+              <a:t>instances, </a:t>
+            </a:r>
+            <a:r>
+              <a:rPr lang="en-GB" sz="2100" dirty="0">
+                <a:cs typeface="Arial" panose="020B0604020202020204" pitchFamily="34" charset="0"/>
+              </a:rPr>
+              <a:t>&lt;</a:t>
+            </a:r>
+            <a:r>
+              <a:rPr lang="en-GB" sz="2100" dirty="0" smtClean="0">
+                <a:cs typeface="Arial" panose="020B0604020202020204" pitchFamily="34" charset="0"/>
+              </a:rPr>
+              <a:t>5 </a:t>
+            </a:r>
+            <a:r>
+              <a:rPr lang="en-GB" sz="2100" dirty="0">
+                <a:cs typeface="Arial" panose="020B0604020202020204" pitchFamily="34" charset="0"/>
+              </a:rPr>
+              <a:t>classes, and no missing values. </a:t>
             </a:r>
           </a:p>
         </p:txBody>
@@ -3555,7 +4479,7 @@
           <p:nvPr/>
         </p:nvPicPr>
         <p:blipFill>
-          <a:blip r:embed="rId4">
+          <a:blip r:embed="rId5">
             <a:extLst>
               <a:ext uri="{28A0092B-C50C-407E-A947-70E740481C1C}">
                 <a14:useLocalDpi xmlns:a14="http://schemas.microsoft.com/office/drawing/2010/main" val="0"/>
@@ -3596,7 +4520,7 @@
         </p:nvSpPr>
         <p:spPr>
           <a:xfrm>
-            <a:off x="5578677" y="693971"/>
+            <a:off x="5578677" y="612280"/>
             <a:ext cx="19036354" cy="2646878"/>
           </a:xfrm>
           <a:prstGeom prst="rect">
@@ -3612,7 +4536,7 @@
           <a:p>
             <a:pPr algn="ctr"/>
             <a:r>
-              <a:rPr lang="en-GB" dirty="0">
+              <a:rPr lang="en-GB" b="1" dirty="0">
                 <a:latin typeface="Arial" panose="020B0604020202020204" pitchFamily="34" charset="0"/>
                 <a:cs typeface="Arial" panose="020B0604020202020204" pitchFamily="34" charset="0"/>
               </a:rPr>
@@ -3622,11 +4546,38 @@
           <a:p>
             <a:pPr algn="ctr"/>
             <a:r>
-              <a:rPr lang="en-GB" sz="5400" dirty="0">
+              <a:rPr lang="en-GB" sz="5400" b="1" dirty="0">
                 <a:latin typeface="Arial" panose="020B0604020202020204" pitchFamily="34" charset="0"/>
                 <a:cs typeface="Arial" panose="020B0604020202020204" pitchFamily="34" charset="0"/>
               </a:rPr>
-              <a:t>A genetic programming method for interpreting complex machine learning models</a:t>
+              <a:t>A genetic programming method for interpreting </a:t>
+            </a:r>
+            <a:r>
+              <a:rPr lang="en-GB" sz="5400" b="1" dirty="0" smtClean="0">
+                <a:latin typeface="Arial" panose="020B0604020202020204" pitchFamily="34" charset="0"/>
+                <a:cs typeface="Arial" panose="020B0604020202020204" pitchFamily="34" charset="0"/>
+              </a:rPr>
+              <a:t/>
+            </a:r>
+            <a:br>
+              <a:rPr lang="en-GB" sz="5400" b="1" dirty="0" smtClean="0">
+                <a:latin typeface="Arial" panose="020B0604020202020204" pitchFamily="34" charset="0"/>
+                <a:cs typeface="Arial" panose="020B0604020202020204" pitchFamily="34" charset="0"/>
+              </a:rPr>
+            </a:br>
+            <a:r>
+              <a:rPr lang="en-GB" sz="5400" b="1" dirty="0" smtClean="0">
+                <a:latin typeface="Arial" panose="020B0604020202020204" pitchFamily="34" charset="0"/>
+                <a:cs typeface="Arial" panose="020B0604020202020204" pitchFamily="34" charset="0"/>
+              </a:rPr>
+              <a:t>complex </a:t>
+            </a:r>
+            <a:r>
+              <a:rPr lang="en-GB" sz="5400" b="1" dirty="0">
+                <a:latin typeface="Arial" panose="020B0604020202020204" pitchFamily="34" charset="0"/>
+                <a:cs typeface="Arial" panose="020B0604020202020204" pitchFamily="34" charset="0"/>
+              </a:rPr>
+              <a:t>machine learning models</a:t>
             </a:r>
           </a:p>
         </p:txBody>
@@ -3636,7 +4587,7 @@
           <p:cNvPr id="18" name="Group 17">
             <a:extLst>
               <a:ext uri="{FF2B5EF4-FFF2-40B4-BE49-F238E27FC236}">
-                <a16:creationId xmlns:a16="http://schemas.microsoft.com/office/drawing/2014/main" id="{557485EC-29E9-4296-B347-C2AA24559AC8}"/>
+                <a16:creationId xmlns="" xmlns:a16="http://schemas.microsoft.com/office/drawing/2014/main" id="{557485EC-29E9-4296-B347-C2AA24559AC8}"/>
               </a:ext>
             </a:extLst>
           </p:cNvPr>
@@ -3656,7 +4607,7 @@
             <p:cNvPr id="2" name="TextBox 1">
               <a:extLst>
                 <a:ext uri="{FF2B5EF4-FFF2-40B4-BE49-F238E27FC236}">
-                  <a16:creationId xmlns:a16="http://schemas.microsoft.com/office/drawing/2014/main" id="{BAA79BF9-B418-4D06-8920-B601CB11E9E2}"/>
+                  <a16:creationId xmlns="" xmlns:a16="http://schemas.microsoft.com/office/drawing/2014/main" id="{BAA79BF9-B418-4D06-8920-B601CB11E9E2}"/>
                 </a:ext>
               </a:extLst>
             </p:cNvPr>
@@ -3703,7 +4654,7 @@
             <p:cNvPr id="24" name="TextBox 23">
               <a:extLst>
                 <a:ext uri="{FF2B5EF4-FFF2-40B4-BE49-F238E27FC236}">
-                  <a16:creationId xmlns:a16="http://schemas.microsoft.com/office/drawing/2014/main" id="{2C8C74B7-6083-4A35-99C8-E9EC5729A6F3}"/>
+                  <a16:creationId xmlns="" xmlns:a16="http://schemas.microsoft.com/office/drawing/2014/main" id="{2C8C74B7-6083-4A35-99C8-E9EC5729A6F3}"/>
                 </a:ext>
               </a:extLst>
             </p:cNvPr>
@@ -3760,7 +4711,7 @@
             <p:cNvPr id="26" name="Straight Connector 25">
               <a:extLst>
                 <a:ext uri="{FF2B5EF4-FFF2-40B4-BE49-F238E27FC236}">
-                  <a16:creationId xmlns:a16="http://schemas.microsoft.com/office/drawing/2014/main" id="{D279BB3C-2292-425E-9A9E-2CD4F91C6818}"/>
+                  <a16:creationId xmlns="" xmlns:a16="http://schemas.microsoft.com/office/drawing/2014/main" id="{D279BB3C-2292-425E-9A9E-2CD4F91C6818}"/>
                 </a:ext>
               </a:extLst>
             </p:cNvPr>
@@ -3804,7 +4755,7 @@
           <p:cNvPr id="66" name="Picture 65">
             <a:extLst>
               <a:ext uri="{FF2B5EF4-FFF2-40B4-BE49-F238E27FC236}">
-                <a16:creationId xmlns:a16="http://schemas.microsoft.com/office/drawing/2014/main" id="{34DBCCFB-7179-436E-8F20-444FD33AA5D7}"/>
+                <a16:creationId xmlns="" xmlns:a16="http://schemas.microsoft.com/office/drawing/2014/main" id="{34DBCCFB-7179-436E-8F20-444FD33AA5D7}"/>
               </a:ext>
             </a:extLst>
           </p:cNvPr>
@@ -3814,7 +4765,7 @@
           <p:nvPr/>
         </p:nvPicPr>
         <p:blipFill>
-          <a:blip r:embed="rId5">
+          <a:blip r:embed="rId6">
             <a:extLst>
               <a:ext uri="{28A0092B-C50C-407E-A947-70E740481C1C}">
                 <a14:useLocalDpi xmlns:a14="http://schemas.microsoft.com/office/drawing/2010/main" val="0"/>
@@ -3837,22 +4788,16 @@
       </p:pic>
       <p:grpSp>
         <p:nvGrpSpPr>
-          <p:cNvPr id="12" name="Group 11">
-            <a:extLst>
-              <a:ext uri="{FF2B5EF4-FFF2-40B4-BE49-F238E27FC236}">
-                <a16:creationId xmlns:a16="http://schemas.microsoft.com/office/drawing/2014/main" id="{9B935EC3-6C15-4C2C-BE96-43424093F152}"/>
-              </a:ext>
-            </a:extLst>
-          </p:cNvPr>
+          <p:cNvPr id="32" name="Group 31"/>
           <p:cNvGrpSpPr/>
           <p:nvPr/>
         </p:nvGrpSpPr>
         <p:grpSpPr>
           <a:xfrm>
-            <a:off x="9226902" y="16751609"/>
-            <a:ext cx="11313685" cy="3729920"/>
-            <a:chOff x="7481073" y="16636001"/>
-            <a:chExt cx="11313685" cy="3729920"/>
+            <a:off x="9226902" y="17174120"/>
+            <a:ext cx="11787607" cy="3528392"/>
+            <a:chOff x="9226902" y="16958096"/>
+            <a:chExt cx="11787607" cy="3528392"/>
           </a:xfrm>
         </p:grpSpPr>
         <p:pic>
@@ -3864,7 +4809,7 @@
             <p:nvPr/>
           </p:nvPicPr>
           <p:blipFill>
-            <a:blip r:embed="rId6" cstate="print">
+            <a:blip r:embed="rId7" cstate="print">
               <a:extLst>
                 <a:ext uri="{28A0092B-C50C-407E-A947-70E740481C1C}">
                   <a14:useLocalDpi xmlns:a14="http://schemas.microsoft.com/office/drawing/2010/main" val="0"/>
@@ -3877,7 +4822,7 @@
           </p:blipFill>
           <p:spPr>
             <a:xfrm>
-              <a:off x="8292196" y="16773384"/>
+              <a:off x="10038025" y="16965959"/>
               <a:ext cx="2239991" cy="1768415"/>
             </a:xfrm>
             <a:prstGeom prst="round2DiagRect">
@@ -3910,7 +4855,7 @@
             <p:nvPr/>
           </p:nvPicPr>
           <p:blipFill>
-            <a:blip r:embed="rId7">
+            <a:blip r:embed="rId8">
               <a:extLst>
                 <a:ext uri="{28A0092B-C50C-407E-A947-70E740481C1C}">
                   <a14:useLocalDpi xmlns:a14="http://schemas.microsoft.com/office/drawing/2010/main" val="0"/>
@@ -3923,7 +4868,7 @@
           </p:blipFill>
           <p:spPr>
             <a:xfrm>
-              <a:off x="11593756" y="16730012"/>
+              <a:off x="13555811" y="16958096"/>
               <a:ext cx="2612148" cy="1730381"/>
             </a:xfrm>
             <a:prstGeom prst="round2DiagRect">
@@ -3956,7 +4901,7 @@
             <p:nvPr/>
           </p:nvPicPr>
           <p:blipFill>
-            <a:blip r:embed="rId8" cstate="print">
+            <a:blip r:embed="rId9" cstate="print">
               <a:extLst>
                 <a:ext uri="{28A0092B-C50C-407E-A947-70E740481C1C}">
                   <a14:useLocalDpi xmlns:a14="http://schemas.microsoft.com/office/drawing/2010/main" val="0"/>
@@ -3969,7 +4914,7 @@
           </p:blipFill>
           <p:spPr>
             <a:xfrm>
-              <a:off x="15267473" y="16636001"/>
+              <a:off x="17084203" y="16958096"/>
               <a:ext cx="3387250" cy="1768415"/>
             </a:xfrm>
             <a:prstGeom prst="round2DiagRect">
@@ -3998,7 +4943,7 @@
             <p:cNvPr id="72" name="Rectangle: Rounded Corners 71">
               <a:extLst>
                 <a:ext uri="{FF2B5EF4-FFF2-40B4-BE49-F238E27FC236}">
-                  <a16:creationId xmlns:a16="http://schemas.microsoft.com/office/drawing/2014/main" id="{C3DA56A2-AAC8-4D9C-86C2-3CBFBA5B9F51}"/>
+                  <a16:creationId xmlns="" xmlns:a16="http://schemas.microsoft.com/office/drawing/2014/main" id="{C3DA56A2-AAC8-4D9C-86C2-3CBFBA5B9F51}"/>
                 </a:ext>
               </a:extLst>
             </p:cNvPr>
@@ -4007,7 +4952,7 @@
           </p:nvSpPr>
           <p:spPr>
             <a:xfrm>
-              <a:off x="11255911" y="18755537"/>
+              <a:off x="12907739" y="18830304"/>
               <a:ext cx="3862252" cy="1502582"/>
             </a:xfrm>
             <a:prstGeom prst="roundRect">
@@ -4040,13 +4985,26 @@
             <a:p>
               <a:pPr algn="ctr"/>
               <a:r>
-                <a:rPr lang="en-GB" sz="2800" dirty="0">
+                <a:rPr lang="en-GB" sz="2800" b="1" dirty="0">
                   <a:solidFill>
                     <a:schemeClr val="tx1"/>
                   </a:solidFill>
                 </a:rPr>
-                <a:t>Method not dominated on any dataset.</a:t>
+                <a:t>Method not dominated on any </a:t>
               </a:r>
+              <a:r>
+                <a:rPr lang="en-GB" sz="2800" b="1" dirty="0" smtClean="0">
+                  <a:solidFill>
+                    <a:schemeClr val="tx1"/>
+                  </a:solidFill>
+                </a:rPr>
+                <a:t>dataset</a:t>
+              </a:r>
+              <a:endParaRPr lang="en-GB" sz="2800" b="1" dirty="0">
+                <a:solidFill>
+                  <a:schemeClr val="tx1"/>
+                </a:solidFill>
+              </a:endParaRPr>
             </a:p>
           </p:txBody>
         </p:sp>
@@ -4055,7 +5013,7 @@
             <p:cNvPr id="73" name="Rectangle: Rounded Corners 72">
               <a:extLst>
                 <a:ext uri="{FF2B5EF4-FFF2-40B4-BE49-F238E27FC236}">
-                  <a16:creationId xmlns:a16="http://schemas.microsoft.com/office/drawing/2014/main" id="{0ADF44AD-849F-4892-8B70-663B1D7467AB}"/>
+                  <a16:creationId xmlns="" xmlns:a16="http://schemas.microsoft.com/office/drawing/2014/main" id="{0ADF44AD-849F-4892-8B70-663B1D7467AB}"/>
                 </a:ext>
               </a:extLst>
             </p:cNvPr>
@@ -4064,8 +5022,8 @@
           </p:nvSpPr>
           <p:spPr>
             <a:xfrm>
-              <a:off x="15407507" y="18979229"/>
-              <a:ext cx="3387251" cy="1386692"/>
+              <a:off x="16541146" y="19099796"/>
+              <a:ext cx="4473363" cy="1386692"/>
             </a:xfrm>
             <a:prstGeom prst="roundRect">
               <a:avLst/>
@@ -4097,13 +5055,26 @@
             <a:p>
               <a:pPr algn="ctr"/>
               <a:r>
-                <a:rPr lang="en-GB" sz="2800" dirty="0">
+                <a:rPr lang="en-GB" sz="2800" b="1" dirty="0">
                   <a:solidFill>
                     <a:schemeClr val="tx1"/>
                   </a:solidFill>
                 </a:rPr>
-                <a:t>Significantly simpler interpretable models with equivalent accuracy.</a:t>
+                <a:t>Significantly simpler interpretable models with equivalent </a:t>
               </a:r>
+              <a:r>
+                <a:rPr lang="en-GB" sz="2800" b="1" dirty="0" smtClean="0">
+                  <a:solidFill>
+                    <a:schemeClr val="tx1"/>
+                  </a:solidFill>
+                </a:rPr>
+                <a:t>accuracy</a:t>
+              </a:r>
+              <a:endParaRPr lang="en-GB" sz="2800" b="1" dirty="0">
+                <a:solidFill>
+                  <a:schemeClr val="tx1"/>
+                </a:solidFill>
+              </a:endParaRPr>
             </a:p>
           </p:txBody>
         </p:sp>
@@ -4112,7 +5083,7 @@
             <p:cNvPr id="74" name="Rectangle: Rounded Corners 73">
               <a:extLst>
                 <a:ext uri="{FF2B5EF4-FFF2-40B4-BE49-F238E27FC236}">
-                  <a16:creationId xmlns:a16="http://schemas.microsoft.com/office/drawing/2014/main" id="{FFB1679C-AA47-49DD-AE64-D6989F3A84C1}"/>
+                  <a16:creationId xmlns="" xmlns:a16="http://schemas.microsoft.com/office/drawing/2014/main" id="{FFB1679C-AA47-49DD-AE64-D6989F3A84C1}"/>
                 </a:ext>
               </a:extLst>
             </p:cNvPr>
@@ -4121,7 +5092,7 @@
           </p:nvSpPr>
           <p:spPr>
             <a:xfrm>
-              <a:off x="7481073" y="18957223"/>
+              <a:off x="9226902" y="19032467"/>
               <a:ext cx="3774838" cy="1093981"/>
             </a:xfrm>
             <a:prstGeom prst="roundRect">
@@ -4154,23 +5125,36 @@
             <a:p>
               <a:pPr algn="ctr"/>
               <a:r>
-                <a:rPr lang="en-GB" sz="2800" dirty="0">
+                <a:rPr lang="en-GB" sz="2800" b="1" dirty="0">
                   <a:solidFill>
                     <a:schemeClr val="tx1"/>
                   </a:solidFill>
                 </a:rPr>
-                <a:t>Pareto front of trees to choose from.</a:t>
+                <a:t>Pareto front of trees to choose </a:t>
               </a:r>
+              <a:r>
+                <a:rPr lang="en-GB" sz="2800" b="1" dirty="0" smtClean="0">
+                  <a:solidFill>
+                    <a:schemeClr val="tx1"/>
+                  </a:solidFill>
+                </a:rPr>
+                <a:t>from</a:t>
+              </a:r>
+              <a:endParaRPr lang="en-GB" sz="2800" b="1" dirty="0">
+                <a:solidFill>
+                  <a:schemeClr val="tx1"/>
+                </a:solidFill>
+              </a:endParaRPr>
             </a:p>
           </p:txBody>
         </p:sp>
       </p:grpSp>
       <p:grpSp>
         <p:nvGrpSpPr>
-          <p:cNvPr id="20" name="Group 19">
+          <p:cNvPr id="19" name="Group 18">
             <a:extLst>
               <a:ext uri="{FF2B5EF4-FFF2-40B4-BE49-F238E27FC236}">
-                <a16:creationId xmlns:a16="http://schemas.microsoft.com/office/drawing/2014/main" id="{9C2ADA43-CD9A-48A8-A8D6-A44352BB99B3}"/>
+                <a16:creationId xmlns="" xmlns:a16="http://schemas.microsoft.com/office/drawing/2014/main" id="{E0BCB481-AB7A-4F6A-B76E-91E24FEC2F43}"/>
               </a:ext>
             </a:extLst>
           </p:cNvPr>
@@ -4179,187 +5163,117 @@
         </p:nvGrpSpPr>
         <p:grpSpPr>
           <a:xfrm>
-            <a:off x="21835758" y="4495900"/>
-            <a:ext cx="7719569" cy="8334774"/>
-            <a:chOff x="21932480" y="4380813"/>
-            <a:chExt cx="7719569" cy="8334774"/>
+            <a:off x="21897307" y="7525048"/>
+            <a:ext cx="7644280" cy="3620354"/>
+            <a:chOff x="16731586" y="10301203"/>
+            <a:chExt cx="7644280" cy="3620354"/>
           </a:xfrm>
         </p:grpSpPr>
-        <p:grpSp>
-          <p:nvGrpSpPr>
-            <p:cNvPr id="19" name="Group 18">
+        <p:pic>
+          <p:nvPicPr>
+            <p:cNvPr id="33" name="Picture 32">
               <a:extLst>
                 <a:ext uri="{FF2B5EF4-FFF2-40B4-BE49-F238E27FC236}">
-                  <a16:creationId xmlns:a16="http://schemas.microsoft.com/office/drawing/2014/main" id="{E0BCB481-AB7A-4F6A-B76E-91E24FEC2F43}"/>
+                  <a16:creationId xmlns="" xmlns:a16="http://schemas.microsoft.com/office/drawing/2014/main" id="{6F11D0CB-825E-4885-9722-BA944FB1ACFB}"/>
                 </a:ext>
               </a:extLst>
             </p:cNvPr>
-            <p:cNvGrpSpPr/>
+            <p:cNvPicPr>
+              <a:picLocks noChangeAspect="1"/>
+            </p:cNvPicPr>
             <p:nvPr/>
-          </p:nvGrpSpPr>
-          <p:grpSpPr>
+          </p:nvPicPr>
+          <p:blipFill>
+            <a:blip r:embed="rId10">
+              <a:extLst>
+                <a:ext uri="{28A0092B-C50C-407E-A947-70E740481C1C}">
+                  <a14:useLocalDpi xmlns:a14="http://schemas.microsoft.com/office/drawing/2010/main" val="0"/>
+                </a:ext>
+              </a:extLst>
+            </a:blip>
+            <a:stretch>
+              <a:fillRect/>
+            </a:stretch>
+          </p:blipFill>
+          <p:spPr>
             <a:xfrm>
-              <a:off x="21991865" y="9095233"/>
+              <a:off x="16775068" y="10301203"/>
               <a:ext cx="7600798" cy="3620354"/>
-              <a:chOff x="16715682" y="11142333"/>
-              <a:chExt cx="7600798" cy="3620354"/>
             </a:xfrm>
-          </p:grpSpPr>
-          <p:pic>
-            <p:nvPicPr>
-              <p:cNvPr id="33" name="Picture 32">
-                <a:extLst>
-                  <a:ext uri="{FF2B5EF4-FFF2-40B4-BE49-F238E27FC236}">
-                    <a16:creationId xmlns:a16="http://schemas.microsoft.com/office/drawing/2014/main" id="{6F11D0CB-825E-4885-9722-BA944FB1ACFB}"/>
-                  </a:ext>
-                </a:extLst>
-              </p:cNvPr>
-              <p:cNvPicPr>
-                <a:picLocks noChangeAspect="1"/>
-              </p:cNvPicPr>
-              <p:nvPr/>
-            </p:nvPicPr>
-            <p:blipFill>
-              <a:blip r:embed="rId9">
-                <a:extLst>
-                  <a:ext uri="{28A0092B-C50C-407E-A947-70E740481C1C}">
-                    <a14:useLocalDpi xmlns:a14="http://schemas.microsoft.com/office/drawing/2010/main" val="0"/>
-                  </a:ext>
-                </a:extLst>
-              </a:blip>
-              <a:stretch>
-                <a:fillRect/>
-              </a:stretch>
-            </p:blipFill>
-            <p:spPr>
-              <a:xfrm>
-                <a:off x="16715682" y="11142333"/>
-                <a:ext cx="7600798" cy="3620354"/>
-              </a:xfrm>
-              <a:prstGeom prst="rect">
-                <a:avLst/>
-              </a:prstGeom>
-              <a:ln>
-                <a:noFill/>
-              </a:ln>
-              <a:effectLst>
-                <a:outerShdw blurRad="190500" algn="tl" rotWithShape="0">
-                  <a:srgbClr val="000000">
-                    <a:alpha val="70000"/>
-                  </a:srgbClr>
-                </a:outerShdw>
-              </a:effectLst>
-            </p:spPr>
-          </p:pic>
-          <p:sp>
-            <p:nvSpPr>
-              <p:cNvPr id="34" name="Oval 33">
-                <a:extLst>
-                  <a:ext uri="{FF2B5EF4-FFF2-40B4-BE49-F238E27FC236}">
-                    <a16:creationId xmlns:a16="http://schemas.microsoft.com/office/drawing/2014/main" id="{19A11B2C-F2A5-4B4E-A7C5-518D1887D03C}"/>
-                  </a:ext>
-                </a:extLst>
-              </p:cNvPr>
-              <p:cNvSpPr/>
-              <p:nvPr/>
-            </p:nvSpPr>
-            <p:spPr>
-              <a:xfrm>
-                <a:off x="16731586" y="11918361"/>
-                <a:ext cx="1886846" cy="2185566"/>
-              </a:xfrm>
-              <a:prstGeom prst="ellipse">
-                <a:avLst/>
-              </a:prstGeom>
+            <a:prstGeom prst="rect">
+              <a:avLst/>
+            </a:prstGeom>
+            <a:ln>
               <a:noFill/>
-              <a:ln>
-                <a:solidFill>
-                  <a:srgbClr val="FF0000"/>
-                </a:solidFill>
-              </a:ln>
-            </p:spPr>
-            <p:style>
-              <a:lnRef idx="2">
-                <a:schemeClr val="accent1">
-                  <a:shade val="50000"/>
-                </a:schemeClr>
-              </a:lnRef>
-              <a:fillRef idx="1">
-                <a:schemeClr val="accent1"/>
-              </a:fillRef>
-              <a:effectRef idx="0">
-                <a:schemeClr val="accent1"/>
-              </a:effectRef>
-              <a:fontRef idx="minor">
-                <a:schemeClr val="lt1"/>
-              </a:fontRef>
-            </p:style>
-            <p:txBody>
-              <a:bodyPr rtlCol="0" anchor="ctr"/>
-              <a:lstStyle/>
-              <a:p>
-                <a:pPr algn="ctr"/>
-                <a:endParaRPr lang="en-GB"/>
-              </a:p>
-            </p:txBody>
-          </p:sp>
-        </p:grpSp>
+            </a:ln>
+            <a:effectLst>
+              <a:outerShdw blurRad="190500" algn="tl" rotWithShape="0">
+                <a:srgbClr val="000000">
+                  <a:alpha val="70000"/>
+                </a:srgbClr>
+              </a:outerShdw>
+            </a:effectLst>
+          </p:spPr>
+        </p:pic>
         <p:sp>
           <p:nvSpPr>
-            <p:cNvPr id="16" name="TextBox 15">
+            <p:cNvPr id="34" name="Oval 33">
               <a:extLst>
                 <a:ext uri="{FF2B5EF4-FFF2-40B4-BE49-F238E27FC236}">
-                  <a16:creationId xmlns:a16="http://schemas.microsoft.com/office/drawing/2014/main" id="{BF577F88-3CC3-4D85-B555-900354B33CB1}"/>
+                  <a16:creationId xmlns="" xmlns:a16="http://schemas.microsoft.com/office/drawing/2014/main" id="{19A11B2C-F2A5-4B4E-A7C5-518D1887D03C}"/>
                 </a:ext>
               </a:extLst>
             </p:cNvPr>
-            <p:cNvSpPr txBox="1"/>
+            <p:cNvSpPr/>
             <p:nvPr/>
           </p:nvSpPr>
           <p:spPr>
             <a:xfrm>
-              <a:off x="21932480" y="4380813"/>
-              <a:ext cx="7719569" cy="4708981"/>
+              <a:off x="16731586" y="11041237"/>
+              <a:ext cx="1886846" cy="2185566"/>
             </a:xfrm>
-            <a:prstGeom prst="rect">
+            <a:prstGeom prst="ellipse">
               <a:avLst/>
             </a:prstGeom>
             <a:noFill/>
+            <a:ln>
+              <a:solidFill>
+                <a:srgbClr val="FF0000"/>
+              </a:solidFill>
+            </a:ln>
           </p:spPr>
+          <p:style>
+            <a:lnRef idx="2">
+              <a:schemeClr val="accent1">
+                <a:shade val="50000"/>
+              </a:schemeClr>
+            </a:lnRef>
+            <a:fillRef idx="1">
+              <a:schemeClr val="accent1"/>
+            </a:fillRef>
+            <a:effectRef idx="0">
+              <a:schemeClr val="accent1"/>
+            </a:effectRef>
+            <a:fontRef idx="minor">
+              <a:schemeClr val="lt1"/>
+            </a:fontRef>
+          </p:style>
           <p:txBody>
-            <a:bodyPr wrap="square" rtlCol="0">
-              <a:spAutoFit/>
-            </a:bodyPr>
+            <a:bodyPr rtlCol="0" anchor="ctr"/>
             <a:lstStyle/>
             <a:p>
-              <a:pPr algn="just"/>
-              <a:r>
-                <a:rPr lang="en-GB" sz="2000" dirty="0"/>
-                <a:t>The proposed method’s resulting tree and the Bayesian rule list are by far the simplest interpretable models, both condense a 200 layer neural-network into small human readable form. Although the BRL just predicts 1 class so is considered overly simplistic.</a:t>
-              </a:r>
-            </a:p>
-            <a:p>
-              <a:endParaRPr lang="en-GB" sz="2000" dirty="0"/>
-            </a:p>
-            <a:p>
-              <a:pPr algn="just"/>
-              <a:r>
-                <a:rPr lang="en-GB" sz="2000" dirty="0"/>
-                <a:t>Looking into our evolved tree we can see its splitting points make sense when considering the hill-valley dataset, which "when plotted in order the Y coordinate will create either a Hill or a Valley [13]. We can see the tree is checking the first point, and comparing to the point at 30\%, or the point at 70\%, where the tree is trying to distinguish between classes by finding the common points for the hills/valleys and checking if these are high or low relative to the training data (e.g. a high point at the start, a low point at 30\%, then a high point at 57\% indicates a valley based on this tree).</a:t>
-              </a:r>
-            </a:p>
-            <a:p>
-              <a:endParaRPr lang="en-GB" sz="2000" dirty="0"/>
+              <a:pPr algn="ctr"/>
+              <a:endParaRPr lang="en-GB"/>
             </a:p>
           </p:txBody>
         </p:sp>
       </p:grpSp>
       <p:sp>
         <p:nvSpPr>
-          <p:cNvPr id="17" name="TextBox 16">
+          <p:cNvPr id="16" name="TextBox 15">
             <a:extLst>
               <a:ext uri="{FF2B5EF4-FFF2-40B4-BE49-F238E27FC236}">
-                <a16:creationId xmlns:a16="http://schemas.microsoft.com/office/drawing/2014/main" id="{69DF8469-B30D-4B1A-B048-65D4DA5020A7}"/>
+                <a16:creationId xmlns="" xmlns:a16="http://schemas.microsoft.com/office/drawing/2014/main" id="{BF577F88-3CC3-4D85-B555-900354B33CB1}"/>
               </a:ext>
             </a:extLst>
           </p:cNvPr>
@@ -4368,8 +5282,8 @@
         </p:nvSpPr>
         <p:spPr>
           <a:xfrm>
-            <a:off x="21836927" y="13258076"/>
-            <a:ext cx="7718400" cy="2763916"/>
+            <a:off x="21835758" y="4191189"/>
+            <a:ext cx="7719569" cy="3477875"/>
           </a:xfrm>
           <a:prstGeom prst="rect">
             <a:avLst/>
@@ -4378,56 +5292,25 @@
         </p:spPr>
         <p:txBody>
           <a:bodyPr wrap="square" rtlCol="0">
-            <a:noAutofit/>
+            <a:spAutoFit/>
           </a:bodyPr>
           <a:lstStyle/>
           <a:p>
+            <a:endParaRPr lang="en-GB" sz="2000" dirty="0"/>
+          </a:p>
+          <a:p>
             <a:pPr algn="just"/>
             <a:r>
               <a:rPr lang="en-GB" sz="2000" dirty="0"/>
-              <a:t>Datasets of particular difficulty:</a:t>
-            </a:r>
-          </a:p>
-          <a:p>
-            <a:pPr algn="just"/>
-            <a:endParaRPr lang="en-GB" sz="2000" dirty="0"/>
-          </a:p>
-          <a:p>
-            <a:pPr marL="342900" indent="-342900">
-              <a:buFont typeface="Arial" panose="020B0604020202020204" pitchFamily="34" charset="0"/>
-              <a:buChar char="•"/>
-            </a:pPr>
+              <a:t>Looking into our evolved tree we can see its splitting points make sense when considering the hill-valley dataset, which "when plotted in order the Y coordinate will create either a Hill or a </a:t>
+            </a:r>
+            <a:r>
+              <a:rPr lang="en-GB" sz="2000" dirty="0" smtClean="0"/>
+              <a:t>Valley. </a:t>
+            </a:r>
             <a:r>
               <a:rPr lang="en-GB" sz="2000" dirty="0"/>
-              <a:t>Autonuniv-Au7-500 and GesturePhase datasets have 5 classes. Perhaps relax push for simple trees on datasets with many classes.</a:t>
-            </a:r>
-          </a:p>
-          <a:p>
-            <a:pPr marL="342900" indent="-342900">
-              <a:buFont typeface="Arial" panose="020B0604020202020204" pitchFamily="34" charset="0"/>
-              <a:buChar char="•"/>
-            </a:pPr>
-            <a:r>
-              <a:rPr lang="en-GB" sz="2000" dirty="0"/>
-              <a:t>onks-Problems-2 is entirely categorical features. Combining categorical features into a single branch for future work.</a:t>
-            </a:r>
-          </a:p>
-          <a:p>
-            <a:pPr marL="342900" indent="-342900">
-              <a:buFont typeface="Arial" panose="020B0604020202020204" pitchFamily="34" charset="0"/>
-              <a:buChar char="•"/>
-            </a:pPr>
-            <a:r>
-              <a:rPr lang="en-GB" sz="2000" dirty="0"/>
-              <a:t>For </a:t>
-            </a:r>
-            <a:r>
-              <a:rPr lang="en-GB" sz="2000" dirty="0" err="1"/>
-              <a:t>eeg</a:t>
-            </a:r>
-            <a:r>
-              <a:rPr lang="en-GB" sz="2000" dirty="0"/>
-              <a:t>-eye-state, the data is sequential/time-series. The proposed method is not designed for such datasets</a:t>
+              <a:t>We can see the tree is checking the first point, and comparing to the point at 30\%, or the point at 70\%, where the tree is trying to distinguish between classes by finding the common points for the hills/valleys and checking if these are high or low relative to the training data (e.g. a high point at the start, a low point at 30\%, then a high point at 57\% indicates a valley based on this tree).</a:t>
             </a:r>
           </a:p>
           <a:p>
@@ -4440,7 +5323,7 @@
           <p:cNvPr id="21" name="TextBox 20">
             <a:extLst>
               <a:ext uri="{FF2B5EF4-FFF2-40B4-BE49-F238E27FC236}">
-                <a16:creationId xmlns:a16="http://schemas.microsoft.com/office/drawing/2014/main" id="{1A85E672-1FA0-4A79-8499-3FAFE1E3CC07}"/>
+                <a16:creationId xmlns="" xmlns:a16="http://schemas.microsoft.com/office/drawing/2014/main" id="{1A85E672-1FA0-4A79-8499-3FAFE1E3CC07}"/>
               </a:ext>
             </a:extLst>
           </p:cNvPr>
@@ -4464,83 +5347,8 @@
           <a:lstStyle/>
           <a:p>
             <a:r>
-              <a:rPr lang="en-GB" sz="4800" dirty="0"/>
+              <a:rPr lang="en-GB" sz="4800" b="1" dirty="0"/>
               <a:t>Experiments &amp; Results</a:t>
-            </a:r>
-          </a:p>
-        </p:txBody>
-      </p:sp>
-      <p:sp>
-        <p:nvSpPr>
-          <p:cNvPr id="22" name="TextBox 21">
-            <a:extLst>
-              <a:ext uri="{FF2B5EF4-FFF2-40B4-BE49-F238E27FC236}">
-                <a16:creationId xmlns:a16="http://schemas.microsoft.com/office/drawing/2014/main" id="{F15A1C0B-3F85-424C-ABB9-3754AA2BDBD9}"/>
-              </a:ext>
-            </a:extLst>
-          </p:cNvPr>
-          <p:cNvSpPr txBox="1"/>
-          <p:nvPr/>
-        </p:nvSpPr>
-        <p:spPr>
-          <a:xfrm>
-            <a:off x="634068" y="8749184"/>
-            <a:ext cx="7718400" cy="2404823"/>
-          </a:xfrm>
-          <a:prstGeom prst="rect">
-            <a:avLst/>
-          </a:prstGeom>
-          <a:noFill/>
-        </p:spPr>
-        <p:txBody>
-          <a:bodyPr wrap="square" rtlCol="0">
-            <a:noAutofit/>
-          </a:bodyPr>
-          <a:lstStyle/>
-          <a:p>
-            <a:pPr algn="just"/>
-            <a:r>
-              <a:rPr lang="en-GB" sz="2400" dirty="0"/>
-              <a:t>We propose a novel model agnostic approach to XAI model extraction. We use NSGA-II paired with strongly typed GP (STGP) to evolve decision tree-like structures which simultaneously balance the complexity and accuracy of the trees. Complexity is minimised and accuracy maximised by our objective functions below. </a:t>
-            </a:r>
-          </a:p>
-          <a:p>
-            <a:pPr algn="just"/>
-            <a:endParaRPr lang="en-GB" sz="2400" dirty="0"/>
-          </a:p>
-        </p:txBody>
-      </p:sp>
-      <p:sp>
-        <p:nvSpPr>
-          <p:cNvPr id="23" name="TextBox 22">
-            <a:extLst>
-              <a:ext uri="{FF2B5EF4-FFF2-40B4-BE49-F238E27FC236}">
-                <a16:creationId xmlns:a16="http://schemas.microsoft.com/office/drawing/2014/main" id="{857B5936-39C7-49EF-BC22-9C0E81754189}"/>
-              </a:ext>
-            </a:extLst>
-          </p:cNvPr>
-          <p:cNvSpPr txBox="1"/>
-          <p:nvPr/>
-        </p:nvSpPr>
-        <p:spPr>
-          <a:xfrm>
-            <a:off x="2423120" y="8029104"/>
-            <a:ext cx="4152742" cy="769441"/>
-          </a:xfrm>
-          <a:prstGeom prst="rect">
-            <a:avLst/>
-          </a:prstGeom>
-          <a:noFill/>
-        </p:spPr>
-        <p:txBody>
-          <a:bodyPr wrap="square" rtlCol="0">
-            <a:spAutoFit/>
-          </a:bodyPr>
-          <a:lstStyle/>
-          <a:p>
-            <a:r>
-              <a:rPr lang="en-GB" sz="4400" dirty="0"/>
-              <a:t>The New Method</a:t>
             </a:r>
           </a:p>
         </p:txBody>
@@ -4550,7 +5358,7 @@
           <p:cNvPr id="37" name="Straight Connector 36">
             <a:extLst>
               <a:ext uri="{FF2B5EF4-FFF2-40B4-BE49-F238E27FC236}">
-                <a16:creationId xmlns:a16="http://schemas.microsoft.com/office/drawing/2014/main" id="{41F36828-6B33-48D0-B8C9-0D9CCC8494FF}"/>
+                <a16:creationId xmlns="" xmlns:a16="http://schemas.microsoft.com/office/drawing/2014/main" id="{41F36828-6B33-48D0-B8C9-0D9CCC8494FF}"/>
               </a:ext>
             </a:extLst>
           </p:cNvPr>
@@ -4593,7 +5401,7 @@
           <p:cNvPr id="39" name="Straight Connector 38">
             <a:extLst>
               <a:ext uri="{FF2B5EF4-FFF2-40B4-BE49-F238E27FC236}">
-                <a16:creationId xmlns:a16="http://schemas.microsoft.com/office/drawing/2014/main" id="{F31C3F9F-7E07-400A-8C41-62E3853F8547}"/>
+                <a16:creationId xmlns="" xmlns:a16="http://schemas.microsoft.com/office/drawing/2014/main" id="{F31C3F9F-7E07-400A-8C41-62E3853F8547}"/>
               </a:ext>
             </a:extLst>
           </p:cNvPr>
@@ -4636,7 +5444,7 @@
           <p:cNvPr id="13" name="TextBox 12">
             <a:extLst>
               <a:ext uri="{FF2B5EF4-FFF2-40B4-BE49-F238E27FC236}">
-                <a16:creationId xmlns:a16="http://schemas.microsoft.com/office/drawing/2014/main" id="{4CB12018-CB45-4E76-BF69-DC072BFB0F6A}"/>
+                <a16:creationId xmlns="" xmlns:a16="http://schemas.microsoft.com/office/drawing/2014/main" id="{4CB12018-CB45-4E76-BF69-DC072BFB0F6A}"/>
               </a:ext>
             </a:extLst>
           </p:cNvPr>
@@ -4645,8 +5453,8 @@
         </p:nvSpPr>
         <p:spPr>
           <a:xfrm>
-            <a:off x="21813931" y="16787741"/>
-            <a:ext cx="7704000" cy="4004161"/>
+            <a:off x="21612782" y="16414702"/>
+            <a:ext cx="8092768" cy="2101825"/>
           </a:xfrm>
           <a:prstGeom prst="rect">
             <a:avLst/>
@@ -4670,53 +5478,16 @@
             <a:endParaRPr lang="en-GB" sz="2000" dirty="0"/>
           </a:p>
           <a:p>
-            <a:pPr algn="just"/>
-            <a:r>
-              <a:rPr lang="en-GB" sz="2000" dirty="0"/>
-              <a:t>Three focus areas for future work:</a:t>
-            </a:r>
-          </a:p>
-          <a:p>
-            <a:pPr marL="342900" indent="-342900" algn="just">
-              <a:buFont typeface="Arial" panose="020B0604020202020204" pitchFamily="34" charset="0"/>
-              <a:buChar char="•"/>
-            </a:pPr>
-            <a:r>
-              <a:rPr lang="en-GB" sz="2000" dirty="0"/>
-              <a:t>Can recreation ability be improved without sacrificing simplicity? </a:t>
-            </a:r>
-          </a:p>
-          <a:p>
-            <a:pPr marL="342900" indent="-342900" algn="just">
-              <a:buFont typeface="Arial" panose="020B0604020202020204" pitchFamily="34" charset="0"/>
-              <a:buChar char="•"/>
-            </a:pPr>
-            <a:r>
-              <a:rPr lang="en-GB" sz="2000" dirty="0"/>
-              <a:t>Can we find a more suitable measure of complexity to describe human interpretability?  </a:t>
-            </a:r>
-          </a:p>
-          <a:p>
-            <a:pPr marL="342900" indent="-342900" algn="just">
-              <a:buFont typeface="Arial" panose="020B0604020202020204" pitchFamily="34" charset="0"/>
-              <a:buChar char="•"/>
-            </a:pPr>
-            <a:r>
-              <a:rPr lang="en-GB" sz="2000" dirty="0"/>
-              <a:t>Is it possible to guide the evolution of the models based on human feedback?</a:t>
-            </a:r>
-          </a:p>
-          <a:p>
             <a:endParaRPr lang="en-GB" sz="2000" dirty="0"/>
           </a:p>
         </p:txBody>
       </p:sp>
       <p:sp>
         <p:nvSpPr>
-          <p:cNvPr id="25" name="TextBox 24">
+          <p:cNvPr id="28" name="TextBox 27">
             <a:extLst>
               <a:ext uri="{FF2B5EF4-FFF2-40B4-BE49-F238E27FC236}">
-                <a16:creationId xmlns:a16="http://schemas.microsoft.com/office/drawing/2014/main" id="{5A961CB8-D9BB-43E8-AA4C-030CE5CC5E83}"/>
+                <a16:creationId xmlns="" xmlns:a16="http://schemas.microsoft.com/office/drawing/2014/main" id="{F161C641-936D-4EC1-821E-B6406AD2FA10}"/>
               </a:ext>
             </a:extLst>
           </p:cNvPr>
@@ -4725,42 +5496,7 @@
         </p:nvSpPr>
         <p:spPr>
           <a:xfrm>
-            <a:off x="22488866" y="16021992"/>
-            <a:ext cx="6354129" cy="769441"/>
-          </a:xfrm>
-          <a:prstGeom prst="rect">
-            <a:avLst/>
-          </a:prstGeom>
-          <a:noFill/>
-        </p:spPr>
-        <p:txBody>
-          <a:bodyPr wrap="square" rtlCol="0">
-            <a:spAutoFit/>
-          </a:bodyPr>
-          <a:lstStyle/>
-          <a:p>
-            <a:r>
-              <a:rPr lang="en-GB" sz="4400" dirty="0"/>
-              <a:t>Conclusion &amp; Future Work</a:t>
-            </a:r>
-          </a:p>
-        </p:txBody>
-      </p:sp>
-      <p:sp>
-        <p:nvSpPr>
-          <p:cNvPr id="28" name="TextBox 27">
-            <a:extLst>
-              <a:ext uri="{FF2B5EF4-FFF2-40B4-BE49-F238E27FC236}">
-                <a16:creationId xmlns:a16="http://schemas.microsoft.com/office/drawing/2014/main" id="{F161C641-936D-4EC1-821E-B6406AD2FA10}"/>
-              </a:ext>
-            </a:extLst>
-          </p:cNvPr>
-          <p:cNvSpPr txBox="1"/>
-          <p:nvPr/>
-        </p:nvSpPr>
-        <p:spPr>
-          <a:xfrm>
-            <a:off x="23727048" y="3753943"/>
+            <a:off x="23727048" y="3564608"/>
             <a:ext cx="4639487" cy="769441"/>
           </a:xfrm>
           <a:prstGeom prst="rect">
@@ -4775,7 +5511,7 @@
           <a:lstStyle/>
           <a:p>
             <a:r>
-              <a:rPr lang="en-GB" sz="4400" dirty="0"/>
+              <a:rPr lang="en-GB" sz="4400" b="1" dirty="0"/>
               <a:t>Further Analysis</a:t>
             </a:r>
           </a:p>
@@ -4786,7 +5522,7 @@
           <p:cNvPr id="38" name="Group 37">
             <a:extLst>
               <a:ext uri="{FF2B5EF4-FFF2-40B4-BE49-F238E27FC236}">
-                <a16:creationId xmlns:a16="http://schemas.microsoft.com/office/drawing/2014/main" id="{89D48EB8-C025-45D1-A868-9F9691F60AF4}"/>
+                <a16:creationId xmlns="" xmlns:a16="http://schemas.microsoft.com/office/drawing/2014/main" id="{89D48EB8-C025-45D1-A868-9F9691F60AF4}"/>
               </a:ext>
             </a:extLst>
           </p:cNvPr>
@@ -4795,7 +5531,7 @@
         </p:nvGrpSpPr>
         <p:grpSpPr>
           <a:xfrm>
-            <a:off x="1365515" y="15669347"/>
+            <a:off x="1686018" y="15669347"/>
             <a:ext cx="6325177" cy="4097061"/>
             <a:chOff x="1365515" y="16841893"/>
             <a:chExt cx="6325177" cy="4097061"/>
@@ -4806,7 +5542,7 @@
             <p:cNvPr id="5" name="Group 4">
               <a:extLst>
                 <a:ext uri="{FF2B5EF4-FFF2-40B4-BE49-F238E27FC236}">
-                  <a16:creationId xmlns:a16="http://schemas.microsoft.com/office/drawing/2014/main" id="{DAA3E9FC-1EE3-4D42-9FB4-83425C8D64E6}"/>
+                  <a16:creationId xmlns="" xmlns:a16="http://schemas.microsoft.com/office/drawing/2014/main" id="{DAA3E9FC-1EE3-4D42-9FB4-83425C8D64E6}"/>
                 </a:ext>
               </a:extLst>
             </p:cNvPr>
@@ -4830,7 +5566,7 @@
               <p:nvPr/>
             </p:nvPicPr>
             <p:blipFill>
-              <a:blip r:embed="rId10">
+              <a:blip r:embed="rId11">
                 <a:extLst>
                   <a:ext uri="{28A0092B-C50C-407E-A947-70E740481C1C}">
                     <a14:useLocalDpi xmlns:a14="http://schemas.microsoft.com/office/drawing/2010/main" val="0"/>
@@ -4870,7 +5606,7 @@
               <p:nvPr/>
             </p:nvPicPr>
             <p:blipFill>
-              <a:blip r:embed="rId11" cstate="print">
+              <a:blip r:embed="rId12" cstate="print">
                 <a:extLst>
                   <a:ext uri="{28A0092B-C50C-407E-A947-70E740481C1C}">
                     <a14:useLocalDpi xmlns:a14="http://schemas.microsoft.com/office/drawing/2010/main" val="0"/>
@@ -4907,7 +5643,7 @@
             <p:cNvPr id="35" name="Straight Arrow Connector 34">
               <a:extLst>
                 <a:ext uri="{FF2B5EF4-FFF2-40B4-BE49-F238E27FC236}">
-                  <a16:creationId xmlns:a16="http://schemas.microsoft.com/office/drawing/2014/main" id="{BD5494EA-A04D-4E4A-8152-19A0E4256222}"/>
+                  <a16:creationId xmlns="" xmlns:a16="http://schemas.microsoft.com/office/drawing/2014/main" id="{BD5494EA-A04D-4E4A-8152-19A0E4256222}"/>
                 </a:ext>
               </a:extLst>
             </p:cNvPr>
@@ -4952,7 +5688,7 @@
           <p:cNvPr id="42" name="TextBox 41">
             <a:extLst>
               <a:ext uri="{FF2B5EF4-FFF2-40B4-BE49-F238E27FC236}">
-                <a16:creationId xmlns:a16="http://schemas.microsoft.com/office/drawing/2014/main" id="{C358187D-65FB-4CE4-8774-C1B970BA7745}"/>
+                <a16:creationId xmlns="" xmlns:a16="http://schemas.microsoft.com/office/drawing/2014/main" id="{C358187D-65FB-4CE4-8774-C1B970BA7745}"/>
               </a:ext>
             </a:extLst>
           </p:cNvPr>
@@ -4961,8 +5697,8 @@
         </p:nvSpPr>
         <p:spPr>
           <a:xfrm>
-            <a:off x="593263" y="20021690"/>
-            <a:ext cx="7718400" cy="824838"/>
+            <a:off x="954411" y="20021690"/>
+            <a:ext cx="7201908" cy="824838"/>
           </a:xfrm>
           <a:prstGeom prst="rect">
             <a:avLst/>
@@ -4976,7 +5712,7 @@
           <a:lstStyle/>
           <a:p>
             <a:r>
-              <a:rPr lang="en-GB" sz="2400" dirty="0"/>
+              <a:rPr lang="en-GB" sz="2200" b="1" dirty="0"/>
               <a:t>Evolutionary training process of our algorithm shown above alongside diagram of non-dominated sorting in NSGA-II.</a:t>
             </a:r>
           </a:p>
@@ -4987,7 +5723,7 @@
           <p:cNvPr id="43" name="TextBox 42">
             <a:extLst>
               <a:ext uri="{FF2B5EF4-FFF2-40B4-BE49-F238E27FC236}">
-                <a16:creationId xmlns:a16="http://schemas.microsoft.com/office/drawing/2014/main" id="{E85481DA-2C0F-45A3-BFA0-4215A1F7A989}"/>
+                <a16:creationId xmlns="" xmlns:a16="http://schemas.microsoft.com/office/drawing/2014/main" id="{E85481DA-2C0F-45A3-BFA0-4215A1F7A989}"/>
               </a:ext>
             </a:extLst>
           </p:cNvPr>
@@ -4996,8 +5732,8 @@
         </p:nvSpPr>
         <p:spPr>
           <a:xfrm>
-            <a:off x="2863135" y="3522703"/>
-            <a:ext cx="3187278" cy="769441"/>
+            <a:off x="3044228" y="3522703"/>
+            <a:ext cx="3217036" cy="769441"/>
           </a:xfrm>
           <a:prstGeom prst="rect">
             <a:avLst/>
@@ -5011,7 +5747,7 @@
           <a:lstStyle/>
           <a:p>
             <a:r>
-              <a:rPr lang="en-GB" sz="4400" dirty="0"/>
+              <a:rPr lang="en-GB" sz="4400" b="1" dirty="0"/>
               <a:t>Introduction</a:t>
             </a:r>
           </a:p>
@@ -5019,10 +5755,10 @@
       </p:sp>
       <p:sp>
         <p:nvSpPr>
-          <p:cNvPr id="44" name="TextBox 43">
+          <p:cNvPr id="48" name="TextBox 47">
             <a:extLst>
               <a:ext uri="{FF2B5EF4-FFF2-40B4-BE49-F238E27FC236}">
-                <a16:creationId xmlns:a16="http://schemas.microsoft.com/office/drawing/2014/main" id="{67D0FB02-1202-4F84-8097-46B1F140C1A5}"/>
+                <a16:creationId xmlns="" xmlns:a16="http://schemas.microsoft.com/office/drawing/2014/main" id="{FB66A6BB-3B62-4856-A79F-C7687717B983}"/>
               </a:ext>
             </a:extLst>
           </p:cNvPr>
@@ -5031,8 +5767,8 @@
         </p:nvSpPr>
         <p:spPr>
           <a:xfrm>
-            <a:off x="700696" y="4244586"/>
-            <a:ext cx="7651772" cy="3662541"/>
+            <a:off x="497771" y="16414702"/>
+            <a:ext cx="3120936" cy="830997"/>
           </a:xfrm>
           <a:prstGeom prst="rect">
             <a:avLst/>
@@ -5045,33 +5781,312 @@
           </a:bodyPr>
           <a:lstStyle/>
           <a:p>
+            <a:r>
+              <a:rPr lang="en-GB" sz="2400" dirty="0"/>
+              <a:t>Elitist NSGA-II</a:t>
+            </a:r>
+            <a:br>
+              <a:rPr lang="en-GB" sz="2400" dirty="0"/>
+            </a:br>
+            <a:r>
+              <a:rPr lang="en-GB" sz="2400" dirty="0"/>
+              <a:t>with </a:t>
+            </a:r>
+            <a:r>
+              <a:rPr lang="el-GR" sz="2400" dirty="0"/>
+              <a:t>μ</a:t>
+            </a:r>
+            <a:r>
+              <a:rPr lang="en-GB" sz="2400" dirty="0"/>
+              <a:t>+</a:t>
+            </a:r>
+            <a:r>
+              <a:rPr lang="el-GR" sz="2400" dirty="0"/>
+              <a:t> λ</a:t>
+            </a:r>
+            <a:r>
+              <a:rPr lang="en-GB" sz="2400" dirty="0"/>
+              <a:t> (|</a:t>
+            </a:r>
+            <a:r>
+              <a:rPr lang="el-GR" sz="2400" dirty="0"/>
+              <a:t>μ</a:t>
+            </a:r>
+            <a:r>
+              <a:rPr lang="en-GB" sz="2400" dirty="0"/>
+              <a:t>|=|</a:t>
+            </a:r>
+            <a:r>
+              <a:rPr lang="el-GR" sz="2400" dirty="0"/>
+              <a:t>λ</a:t>
+            </a:r>
+            <a:r>
+              <a:rPr lang="en-GB" sz="2400" dirty="0"/>
+              <a:t>|)</a:t>
+            </a:r>
+          </a:p>
+        </p:txBody>
+      </p:sp>
+      <p:sp>
+        <p:nvSpPr>
+          <p:cNvPr id="70" name="TextBox 69">
+            <a:extLst>
+              <a:ext uri="{FF2B5EF4-FFF2-40B4-BE49-F238E27FC236}">
+                <a16:creationId xmlns="" xmlns:a16="http://schemas.microsoft.com/office/drawing/2014/main" id="{A7BB08E5-F237-4A27-99C8-17787047B618}"/>
+              </a:ext>
+            </a:extLst>
+          </p:cNvPr>
+          <p:cNvSpPr txBox="1"/>
+          <p:nvPr/>
+        </p:nvSpPr>
+        <p:spPr>
+          <a:xfrm>
+            <a:off x="9452011" y="7669064"/>
+            <a:ext cx="5904000" cy="1277124"/>
+          </a:xfrm>
+          <a:prstGeom prst="rect">
+            <a:avLst/>
+          </a:prstGeom>
+          <a:noFill/>
+        </p:spPr>
+        <p:txBody>
+          <a:bodyPr wrap="square" rtlCol="0">
+            <a:noAutofit/>
+          </a:bodyPr>
+          <a:lstStyle/>
+          <a:p>
+            <a:r>
+              <a:rPr lang="en-GB" sz="2100" dirty="0"/>
+              <a:t>The reconstruction ability was </a:t>
+            </a:r>
+            <a:r>
+              <a:rPr lang="en-GB" sz="2100" dirty="0" smtClean="0"/>
+              <a:t>the</a:t>
+            </a:r>
+            <a:r>
+              <a:rPr lang="en-GB" sz="2100" dirty="0" smtClean="0"/>
+              <a:t> </a:t>
+            </a:r>
+            <a:r>
+              <a:rPr lang="en-GB" sz="2100" dirty="0"/>
+              <a:t>f1 measure result of a 10 fold cross-validation </a:t>
+            </a:r>
+            <a:r>
+              <a:rPr lang="en-GB" sz="2100" dirty="0" smtClean="0"/>
+              <a:t>averaged </a:t>
+            </a:r>
+            <a:r>
+              <a:rPr lang="en-GB" sz="2100" dirty="0"/>
+              <a:t>across all three black-box classifiers. For each model extraction method this was done for each dataset.</a:t>
+            </a:r>
+          </a:p>
+        </p:txBody>
+      </p:sp>
+      <p:sp>
+        <p:nvSpPr>
+          <p:cNvPr id="3" name="TextBox 2"/>
+          <p:cNvSpPr txBox="1"/>
+          <p:nvPr/>
+        </p:nvSpPr>
+        <p:spPr>
+          <a:xfrm>
+            <a:off x="21851327" y="19094837"/>
+            <a:ext cx="7704000" cy="1708160"/>
+          </a:xfrm>
+          <a:prstGeom prst="rect">
+            <a:avLst/>
+          </a:prstGeom>
+          <a:noFill/>
+        </p:spPr>
+        <p:txBody>
+          <a:bodyPr wrap="square" rtlCol="0">
+            <a:spAutoFit/>
+          </a:bodyPr>
+          <a:lstStyle/>
+          <a:p>
+            <a:pPr marL="342900" indent="-342900">
+              <a:buFont typeface="Arial" panose="020B0604020202020204" pitchFamily="34" charset="0"/>
+              <a:buChar char="•"/>
+            </a:pPr>
+            <a:r>
+              <a:rPr lang="en-GB" sz="2100" b="1" dirty="0" smtClean="0"/>
+              <a:t>Can </a:t>
+            </a:r>
+            <a:r>
+              <a:rPr lang="en-GB" sz="2100" b="1" dirty="0"/>
+              <a:t>recreation ability be improved without sacrificing simplicity? </a:t>
+            </a:r>
+          </a:p>
+          <a:p>
+            <a:pPr marL="342900" indent="-342900">
+              <a:buFont typeface="Arial" panose="020B0604020202020204" pitchFamily="34" charset="0"/>
+              <a:buChar char="•"/>
+            </a:pPr>
+            <a:r>
+              <a:rPr lang="en-GB" sz="2100" b="1" dirty="0"/>
+              <a:t>Can we find a more suitable measure of complexity to describe human interpretability?  </a:t>
+            </a:r>
+          </a:p>
+          <a:p>
+            <a:pPr marL="342900" indent="-342900">
+              <a:buFont typeface="Arial" panose="020B0604020202020204" pitchFamily="34" charset="0"/>
+              <a:buChar char="•"/>
+            </a:pPr>
+            <a:r>
+              <a:rPr lang="en-GB" sz="2100" b="1" dirty="0"/>
+              <a:t>Is it possible to guide the evolution of the models based on human feedback</a:t>
+            </a:r>
+            <a:r>
+              <a:rPr lang="en-GB" sz="2100" b="1" dirty="0" smtClean="0"/>
+              <a:t>?</a:t>
+            </a:r>
+            <a:endParaRPr lang="en-GB" sz="2100" b="1" dirty="0"/>
+          </a:p>
+        </p:txBody>
+      </p:sp>
+      <p:sp>
+        <p:nvSpPr>
+          <p:cNvPr id="14" name="TextBox 13"/>
+          <p:cNvSpPr txBox="1"/>
+          <p:nvPr/>
+        </p:nvSpPr>
+        <p:spPr>
+          <a:xfrm>
+            <a:off x="23748843" y="18325396"/>
+            <a:ext cx="4208567" cy="769441"/>
+          </a:xfrm>
+          <a:prstGeom prst="rect">
+            <a:avLst/>
+          </a:prstGeom>
+          <a:noFill/>
+        </p:spPr>
+        <p:txBody>
+          <a:bodyPr wrap="square" rtlCol="0">
+            <a:spAutoFit/>
+          </a:bodyPr>
+          <a:lstStyle/>
+          <a:p>
+            <a:r>
+              <a:rPr lang="en-GB" sz="4400" b="1" dirty="0" smtClean="0"/>
+              <a:t>Open Questions</a:t>
+            </a:r>
+            <a:endParaRPr lang="en-GB" sz="4400" b="1" dirty="0"/>
+          </a:p>
+        </p:txBody>
+      </p:sp>
+      <p:sp>
+        <p:nvSpPr>
+          <p:cNvPr id="22" name="TextBox 21">
+            <a:extLst>
+              <a:ext uri="{FF2B5EF4-FFF2-40B4-BE49-F238E27FC236}">
+                <a16:creationId xmlns="" xmlns:a16="http://schemas.microsoft.com/office/drawing/2014/main" id="{F15A1C0B-3F85-424C-ABB9-3754AA2BDBD9}"/>
+              </a:ext>
+            </a:extLst>
+          </p:cNvPr>
+          <p:cNvSpPr txBox="1"/>
+          <p:nvPr/>
+        </p:nvSpPr>
+        <p:spPr>
+          <a:xfrm>
+            <a:off x="662072" y="8576609"/>
+            <a:ext cx="7718400" cy="2404823"/>
+          </a:xfrm>
+          <a:prstGeom prst="rect">
+            <a:avLst/>
+          </a:prstGeom>
+          <a:noFill/>
+        </p:spPr>
+        <p:txBody>
+          <a:bodyPr wrap="square" rtlCol="0">
+            <a:noAutofit/>
+          </a:bodyPr>
+          <a:lstStyle/>
+          <a:p>
             <a:pPr algn="just"/>
             <a:r>
-              <a:rPr lang="en-GB" sz="2000" dirty="0"/>
-              <a:t>The most useful machine learning techniques are also the least interpretable but for AI to be adopted into more areas it needs to be explainable and it’s decisions justified.</a:t>
+              <a:rPr lang="en-GB" sz="2200" dirty="0"/>
+              <a:t>We propose a novel model agnostic approach to XAI model extraction. We use NSGA-II paired with strongly typed GP (STGP) to evolve decision tree-like structures which simultaneously balance the complexity and accuracy of the trees. Complexity is minimised and accuracy maximised by our objective functions below. </a:t>
             </a:r>
           </a:p>
           <a:p>
             <a:pPr algn="just"/>
-            <a:endParaRPr lang="en-GB" sz="1600" dirty="0"/>
-          </a:p>
-          <a:p>
-            <a:pPr algn="just"/>
-            <a:r>
-              <a:rPr lang="en-GB" sz="2000" dirty="0"/>
-              <a:t>Model extraction functions as an unobtrusive addition that can provide insight into a complex model’s predictions. Decision trees are most naturally interpretable, although current approaches are flawed (greedy tree-construction)</a:t>
-            </a:r>
-          </a:p>
-          <a:p>
-            <a:pPr algn="just"/>
-            <a:endParaRPr lang="en-GB" sz="1600" dirty="0"/>
-          </a:p>
-          <a:p>
-            <a:pPr algn="just"/>
-            <a:r>
-              <a:rPr lang="en-GB" sz="2000" dirty="0"/>
-              <a:t>Using multi-objective Genetic Programming we can extract models that provide the reconstruction ability seen previously but ensure human readability by keeping tree complexity to a minimum. </a:t>
-            </a:r>
+            <a:endParaRPr lang="en-GB" sz="2400" dirty="0"/>
+          </a:p>
+        </p:txBody>
+      </p:sp>
+      <p:sp>
+        <p:nvSpPr>
+          <p:cNvPr id="23" name="TextBox 22">
+            <a:extLst>
+              <a:ext uri="{FF2B5EF4-FFF2-40B4-BE49-F238E27FC236}">
+                <a16:creationId xmlns="" xmlns:a16="http://schemas.microsoft.com/office/drawing/2014/main" id="{857B5936-39C7-49EF-BC22-9C0E81754189}"/>
+              </a:ext>
+            </a:extLst>
+          </p:cNvPr>
+          <p:cNvSpPr txBox="1"/>
+          <p:nvPr/>
+        </p:nvSpPr>
+        <p:spPr>
+          <a:xfrm>
+            <a:off x="2451123" y="7705799"/>
+            <a:ext cx="4623967" cy="769441"/>
+          </a:xfrm>
+          <a:prstGeom prst="rect">
+            <a:avLst/>
+          </a:prstGeom>
+          <a:noFill/>
+        </p:spPr>
+        <p:txBody>
+          <a:bodyPr wrap="square" rtlCol="0">
+            <a:spAutoFit/>
+          </a:bodyPr>
+          <a:lstStyle/>
+          <a:p>
+            <a:r>
+              <a:rPr lang="en-GB" sz="4400" b="1" dirty="0"/>
+              <a:t>The New Method</a:t>
+            </a:r>
+          </a:p>
+        </p:txBody>
+      </p:sp>
+      <p:sp>
+        <p:nvSpPr>
+          <p:cNvPr id="65" name="TextBox 64">
+            <a:extLst>
+              <a:ext uri="{FF2B5EF4-FFF2-40B4-BE49-F238E27FC236}">
+                <a16:creationId xmlns="" xmlns:a16="http://schemas.microsoft.com/office/drawing/2014/main" id="{9865FD7D-806A-40E6-9D7E-4E528F5CBC05}"/>
+              </a:ext>
+            </a:extLst>
+          </p:cNvPr>
+          <p:cNvSpPr txBox="1"/>
+          <p:nvPr/>
+        </p:nvSpPr>
+        <p:spPr>
+          <a:xfrm>
+            <a:off x="738387" y="13747063"/>
+            <a:ext cx="4569897" cy="1266817"/>
+          </a:xfrm>
+          <a:prstGeom prst="rect">
+            <a:avLst/>
+          </a:prstGeom>
+          <a:noFill/>
+          <a:ln w="3175">
+            <a:noFill/>
+          </a:ln>
+        </p:spPr>
+        <p:txBody>
+          <a:bodyPr wrap="square" rtlCol="0">
+            <a:noAutofit/>
+          </a:bodyPr>
+          <a:lstStyle/>
+          <a:p>
+            <a:r>
+              <a:rPr lang="en-GB" sz="2000" b="1" dirty="0"/>
+              <a:t>We use subtrees to construct features as mathematical expressions, these implicit features allow our trees to learn simpler rules.</a:t>
+            </a:r>
+          </a:p>
+          <a:p>
+            <a:endParaRPr lang="en-GB" sz="2000" dirty="0"/>
           </a:p>
         </p:txBody>
       </p:sp>
@@ -5080,7 +6095,7 @@
           <p:cNvPr id="64" name="Group 63">
             <a:extLst>
               <a:ext uri="{FF2B5EF4-FFF2-40B4-BE49-F238E27FC236}">
-                <a16:creationId xmlns:a16="http://schemas.microsoft.com/office/drawing/2014/main" id="{200DB834-B55B-4869-AC7F-609A5D1A31D4}"/>
+                <a16:creationId xmlns="" xmlns:a16="http://schemas.microsoft.com/office/drawing/2014/main" id="{200DB834-B55B-4869-AC7F-609A5D1A31D4}"/>
               </a:ext>
             </a:extLst>
           </p:cNvPr>
@@ -5089,10 +6104,10 @@
         </p:nvGrpSpPr>
         <p:grpSpPr>
           <a:xfrm>
-            <a:off x="-62665" y="11170161"/>
-            <a:ext cx="8933279" cy="2979623"/>
+            <a:off x="-57988" y="10918864"/>
+            <a:ext cx="8933279" cy="3878992"/>
             <a:chOff x="-62665" y="12493600"/>
-            <a:chExt cx="8933279" cy="2979623"/>
+            <a:chExt cx="8933279" cy="3878992"/>
           </a:xfrm>
         </p:grpSpPr>
         <mc:AlternateContent xmlns:mc="http://schemas.openxmlformats.org/markup-compatibility/2006">
@@ -5102,7 +6117,7 @@
                 <p:cNvPr id="27" name="TextBox 26">
                   <a:extLst>
                     <a:ext uri="{FF2B5EF4-FFF2-40B4-BE49-F238E27FC236}">
-                      <a16:creationId xmlns:a16="http://schemas.microsoft.com/office/drawing/2014/main" id="{C3C5D9DB-291A-406A-941D-203402A8590E}"/>
+                      <a16:creationId xmlns="" xmlns:a16="http://schemas.microsoft.com/office/drawing/2014/main" id="{C3C5D9DB-291A-406A-941D-203402A8590E}"/>
                     </a:ext>
                   </a:extLst>
                 </p:cNvPr>
@@ -5133,10 +6148,10 @@
                       </m:oMathParaPr>
                       <m:oMath xmlns:m="http://schemas.openxmlformats.org/officeDocument/2006/math">
                         <m:r>
-                          <a:rPr lang="en-GB" sz="2000" b="0" i="1" smtClean="0">
+                          <a:rPr lang="en-GB" sz="2000" b="1" i="1" smtClean="0">
                             <a:latin typeface="Cambria Math" panose="02040503050406030204" pitchFamily="18" charset="0"/>
                           </a:rPr>
-                          <m:t>𝑚𝑖𝑛𝑖𝑚𝑖𝑠𝑒</m:t>
+                          <m:t>𝒎𝒊𝒏𝒊𝒎𝒊𝒔𝒆</m:t>
                         </m:r>
                         <m:nary>
                           <m:naryPr>
@@ -5144,8 +6159,8 @@
                             <m:subHide m:val="on"/>
                             <m:supHide m:val="on"/>
                             <m:ctrlPr>
-                              <a:rPr lang="en-GB" sz="2000" b="0" i="1" smtClean="0">
-                                <a:latin typeface="Cambria Math" panose="02040503050406030204" pitchFamily="18" charset="0"/>
+                              <a:rPr lang="en-GB" sz="2000" b="1" i="1" smtClean="0">
+                                <a:latin typeface="Cambria Math"/>
                               </a:rPr>
                             </m:ctrlPr>
                           </m:naryPr>
@@ -5153,29 +6168,29 @@
                           <m:sup/>
                           <m:e>
                             <m:r>
-                              <a:rPr lang="en-GB" sz="2000" b="0" i="1" smtClean="0">
+                              <a:rPr lang="en-GB" sz="2000" b="1" i="1" smtClean="0">
                                 <a:latin typeface="Cambria Math" panose="02040503050406030204" pitchFamily="18" charset="0"/>
                               </a:rPr>
-                              <m:t>𝑠𝑝𝑙𝑖𝑡</m:t>
+                              <m:t>𝒔𝒑𝒍𝒊𝒕</m:t>
                             </m:r>
                             <m:r>
-                              <a:rPr lang="en-GB" sz="2000" b="0" i="1" smtClean="0">
+                              <a:rPr lang="en-GB" sz="2000" b="1" i="1" smtClean="0">
                                 <a:latin typeface="Cambria Math" panose="02040503050406030204" pitchFamily="18" charset="0"/>
                               </a:rPr>
                               <m:t>_</m:t>
                             </m:r>
                             <m:r>
-                              <a:rPr lang="en-GB" sz="2000" b="0" i="1" smtClean="0">
+                              <a:rPr lang="en-GB" sz="2000" b="1" i="1" smtClean="0">
                                 <a:latin typeface="Cambria Math" panose="02040503050406030204" pitchFamily="18" charset="0"/>
                               </a:rPr>
-                              <m:t>𝑝𝑜𝑖𝑛𝑡𝑠</m:t>
+                              <m:t>𝒑𝒐𝒊𝒏𝒕𝒔</m:t>
                             </m:r>
                           </m:e>
                         </m:nary>
                       </m:oMath>
                     </m:oMathPara>
                   </a14:m>
-                  <a:endParaRPr lang="en-GB" sz="2800" dirty="0"/>
+                  <a:endParaRPr lang="en-GB" sz="2800" b="1" dirty="0"/>
                 </a:p>
               </p:txBody>
             </p:sp>
@@ -5186,7 +6201,7 @@
                 <p:cNvPr id="27" name="TextBox 26">
                   <a:extLst>
                     <a:ext uri="{FF2B5EF4-FFF2-40B4-BE49-F238E27FC236}">
-                      <a16:creationId xmlns:a16="http://schemas.microsoft.com/office/drawing/2014/main" id="{C3C5D9DB-291A-406A-941D-203402A8590E}"/>
+                      <a16:creationId xmlns="" xmlns:a16="http://schemas.microsoft.com/office/drawing/2014/main" xmlns:a14="http://schemas.microsoft.com/office/drawing/2010/main" id="{C3C5D9DB-291A-406A-941D-203402A8590E}"/>
                     </a:ext>
                   </a:extLst>
                 </p:cNvPr>
@@ -5203,8 +6218,8 @@
                 <a:prstGeom prst="rect">
                   <a:avLst/>
                 </a:prstGeom>
-                <a:blipFill>
-                  <a:blip r:embed="rId12"/>
+                <a:blipFill rotWithShape="1">
+                  <a:blip r:embed="rId13"/>
                   <a:stretch>
                     <a:fillRect/>
                   </a:stretch>
@@ -5230,7 +6245,7 @@
             <p:cNvPr id="41" name="Group 40">
               <a:extLst>
                 <a:ext uri="{FF2B5EF4-FFF2-40B4-BE49-F238E27FC236}">
-                  <a16:creationId xmlns:a16="http://schemas.microsoft.com/office/drawing/2014/main" id="{F84BBB69-561A-434F-BCB6-132C99BD9D1D}"/>
+                  <a16:creationId xmlns="" xmlns:a16="http://schemas.microsoft.com/office/drawing/2014/main" id="{F84BBB69-561A-434F-BCB6-132C99BD9D1D}"/>
                 </a:ext>
               </a:extLst>
             </p:cNvPr>
@@ -5240,9 +6255,9 @@
           <p:grpSpPr>
             <a:xfrm>
               <a:off x="-62665" y="12493600"/>
-              <a:ext cx="8933279" cy="1683424"/>
+              <a:ext cx="8933279" cy="1718752"/>
               <a:chOff x="-73363" y="12612512"/>
-              <a:chExt cx="8933279" cy="1683424"/>
+              <a:chExt cx="8933279" cy="1718752"/>
             </a:xfrm>
           </p:grpSpPr>
           <mc:AlternateContent xmlns:mc="http://schemas.openxmlformats.org/markup-compatibility/2006">
@@ -5252,7 +6267,7 @@
                   <p:cNvPr id="29" name="TextBox 28">
                     <a:extLst>
                       <a:ext uri="{FF2B5EF4-FFF2-40B4-BE49-F238E27FC236}">
-                        <a16:creationId xmlns:a16="http://schemas.microsoft.com/office/drawing/2014/main" id="{F34BC0A3-5C58-4D1E-AB58-06E2A1D7B69B}"/>
+                        <a16:creationId xmlns="" xmlns:a16="http://schemas.microsoft.com/office/drawing/2014/main" id="{F34BC0A3-5C58-4D1E-AB58-06E2A1D7B69B}"/>
                       </a:ext>
                     </a:extLst>
                   </p:cNvPr>
@@ -5283,33 +6298,33 @@
                         </m:oMathParaPr>
                         <m:oMath xmlns:m="http://schemas.openxmlformats.org/officeDocument/2006/math">
                           <m:r>
-                            <a:rPr lang="en-GB" sz="2000" b="0" i="1" smtClean="0">
+                            <a:rPr lang="en-GB" sz="2000" b="1" i="1" smtClean="0">
                               <a:latin typeface="Cambria Math" panose="02040503050406030204" pitchFamily="18" charset="0"/>
                             </a:rPr>
-                            <m:t>𝑚𝑎𝑥𝑖𝑚𝑖𝑠𝑒</m:t>
+                            <m:t>𝒎𝒂𝒙𝒊𝒎𝒊𝒔𝒆</m:t>
                           </m:r>
                           <m:f>
                             <m:fPr>
                               <m:ctrlPr>
-                                <a:rPr lang="en-GB" sz="2000" b="0" i="1" smtClean="0">
-                                  <a:latin typeface="Cambria Math" panose="02040503050406030204" pitchFamily="18" charset="0"/>
+                                <a:rPr lang="en-GB" sz="2000" b="1" i="1" smtClean="0">
+                                  <a:latin typeface="Cambria Math"/>
                                 </a:rPr>
                               </m:ctrlPr>
                             </m:fPr>
                             <m:num>
                               <m:r>
-                                <a:rPr lang="en-GB" sz="2000" b="0" i="1" smtClean="0">
+                                <a:rPr lang="en-GB" sz="2000" b="1" i="1" smtClean="0">
                                   <a:latin typeface="Cambria Math" panose="02040503050406030204" pitchFamily="18" charset="0"/>
                                 </a:rPr>
-                                <m:t>1</m:t>
+                                <m:t>𝟏</m:t>
                               </m:r>
                             </m:num>
                             <m:den>
                               <m:r>
-                                <a:rPr lang="en-GB" sz="2000" b="0" i="1" smtClean="0">
+                                <a:rPr lang="en-GB" sz="2000" b="1" i="1" smtClean="0">
                                   <a:latin typeface="Cambria Math" panose="02040503050406030204" pitchFamily="18" charset="0"/>
                                 </a:rPr>
-                                <m:t>𝑘</m:t>
+                                <m:t>𝒌</m:t>
                               </m:r>
                             </m:den>
                           </m:f>
@@ -5317,8 +6332,8 @@
                             <m:naryPr>
                               <m:chr m:val="∑"/>
                               <m:ctrlPr>
-                                <a:rPr lang="en-GB" sz="2000" b="0" i="1" smtClean="0">
-                                  <a:latin typeface="Cambria Math" panose="02040503050406030204" pitchFamily="18" charset="0"/>
+                                <a:rPr lang="en-GB" sz="2000" b="1" i="1" smtClean="0">
+                                  <a:latin typeface="Cambria Math"/>
                                 </a:rPr>
                               </m:ctrlPr>
                             </m:naryPr>
@@ -5327,129 +6342,141 @@
                                 <m:rPr>
                                   <m:brk m:alnAt="23"/>
                                 </m:rPr>
-                                <a:rPr lang="en-GB" sz="2000" b="0" i="1" smtClean="0">
+                                <a:rPr lang="en-GB" sz="2000" b="1" i="1" smtClean="0">
                                   <a:latin typeface="Cambria Math" panose="02040503050406030204" pitchFamily="18" charset="0"/>
                                 </a:rPr>
-                                <m:t>𝑖</m:t>
+                                <m:t>𝒊</m:t>
                               </m:r>
                               <m:r>
-                                <a:rPr lang="en-GB" sz="2000" b="0" i="1" smtClean="0">
+                                <a:rPr lang="en-GB" sz="2000" b="1" i="1" smtClean="0">
                                   <a:latin typeface="Cambria Math" panose="02040503050406030204" pitchFamily="18" charset="0"/>
                                 </a:rPr>
-                                <m:t>=1</m:t>
+                                <m:t>=</m:t>
+                              </m:r>
+                              <m:r>
+                                <a:rPr lang="en-GB" sz="2000" b="1" i="1" smtClean="0">
+                                  <a:latin typeface="Cambria Math" panose="02040503050406030204" pitchFamily="18" charset="0"/>
+                                </a:rPr>
+                                <m:t>𝟏</m:t>
                               </m:r>
                             </m:sub>
                             <m:sup>
                               <m:r>
-                                <a:rPr lang="en-GB" sz="2000" b="0" i="1" smtClean="0">
+                                <a:rPr lang="en-GB" sz="2000" b="1" i="1" smtClean="0">
                                   <a:latin typeface="Cambria Math" panose="02040503050406030204" pitchFamily="18" charset="0"/>
                                 </a:rPr>
-                                <m:t>𝑘</m:t>
+                                <m:t>𝒌</m:t>
                               </m:r>
                             </m:sup>
                             <m:e>
                               <m:r>
-                                <a:rPr lang="en-GB" sz="2000" b="0" i="1" smtClean="0">
+                                <a:rPr lang="en-GB" sz="2000" b="1" i="1" smtClean="0">
                                   <a:latin typeface="Cambria Math" panose="02040503050406030204" pitchFamily="18" charset="0"/>
                                 </a:rPr>
-                                <m:t>𝑓</m:t>
+                                <m:t>𝒇</m:t>
                               </m:r>
                               <m:r>
-                                <a:rPr lang="en-GB" sz="2000" b="0" i="1" smtClean="0">
+                                <a:rPr lang="en-GB" sz="2000" b="1" i="1" smtClean="0">
                                   <a:latin typeface="Cambria Math" panose="02040503050406030204" pitchFamily="18" charset="0"/>
                                 </a:rPr>
-                                <m:t>1(</m:t>
+                                <m:t>𝟏</m:t>
                               </m:r>
                               <m:r>
-                                <a:rPr lang="en-GB" sz="2000" b="0" i="1" smtClean="0">
-                                  <a:latin typeface="Cambria Math" panose="02040503050406030204" pitchFamily="18" charset="0"/>
-                                </a:rPr>
-                                <m:t>𝑝𝑟𝑒𝑑𝑖𝑐𝑡</m:t>
-                              </m:r>
-                              <m:r>
-                                <a:rPr lang="en-GB" sz="2000" b="0" i="1" smtClean="0">
+                                <a:rPr lang="en-GB" sz="2000" b="1" i="1" smtClean="0">
                                   <a:latin typeface="Cambria Math" panose="02040503050406030204" pitchFamily="18" charset="0"/>
                                 </a:rPr>
                                 <m:t>(</m:t>
                               </m:r>
                               <m:r>
-                                <a:rPr lang="en-GB" sz="2000" b="0" i="1" smtClean="0">
+                                <a:rPr lang="en-GB" sz="2000" b="1" i="1" smtClean="0">
                                   <a:latin typeface="Cambria Math" panose="02040503050406030204" pitchFamily="18" charset="0"/>
                                 </a:rPr>
-                                <m:t>𝑓𝑜𝑙𝑑</m:t>
+                                <m:t>𝒑𝒓𝒆𝒅𝒊𝒄𝒕</m:t>
+                              </m:r>
+                              <m:r>
+                                <a:rPr lang="en-GB" sz="2000" b="1" i="1" smtClean="0">
+                                  <a:latin typeface="Cambria Math" panose="02040503050406030204" pitchFamily="18" charset="0"/>
+                                </a:rPr>
+                                <m:t>(</m:t>
+                              </m:r>
+                              <m:r>
+                                <a:rPr lang="en-GB" sz="2000" b="1" i="1" smtClean="0">
+                                  <a:latin typeface="Cambria Math" panose="02040503050406030204" pitchFamily="18" charset="0"/>
+                                </a:rPr>
+                                <m:t>𝒇𝒐𝒍𝒅</m:t>
                               </m:r>
                               <m:d>
                                 <m:dPr>
                                   <m:ctrlPr>
-                                    <a:rPr lang="en-GB" sz="2000" b="0" i="1" smtClean="0">
-                                      <a:latin typeface="Cambria Math" panose="02040503050406030204" pitchFamily="18" charset="0"/>
+                                    <a:rPr lang="en-GB" sz="2000" b="1" i="1" smtClean="0">
+                                      <a:latin typeface="Cambria Math"/>
                                     </a:rPr>
                                   </m:ctrlPr>
                                 </m:dPr>
                                 <m:e>
                                   <m:r>
-                                    <a:rPr lang="en-GB" sz="2000" b="0" i="1" smtClean="0">
+                                    <a:rPr lang="en-GB" sz="2000" b="1" i="1" smtClean="0">
                                       <a:latin typeface="Cambria Math" panose="02040503050406030204" pitchFamily="18" charset="0"/>
                                     </a:rPr>
-                                    <m:t>𝑖</m:t>
+                                    <m:t>𝒊</m:t>
                                   </m:r>
                                 </m:e>
                               </m:d>
                               <m:r>
-                                <a:rPr lang="en-GB" sz="2000" b="0" i="1" smtClean="0">
+                                <a:rPr lang="en-GB" sz="2000" b="1" i="1" smtClean="0">
                                   <a:latin typeface="Cambria Math" panose="02040503050406030204" pitchFamily="18" charset="0"/>
                                 </a:rPr>
                                 <m:t>),</m:t>
                               </m:r>
                               <m:r>
-                                <a:rPr lang="en-GB" sz="2000" b="0" i="1" smtClean="0">
+                                <a:rPr lang="en-GB" sz="2000" b="1" i="1" smtClean="0">
                                   <a:latin typeface="Cambria Math" panose="02040503050406030204" pitchFamily="18" charset="0"/>
                                 </a:rPr>
-                                <m:t>𝑏𝑙𝑎𝑐𝑘𝑏𝑜𝑥</m:t>
+                                <m:t>𝒃𝒍𝒂𝒄𝒌𝒃𝒐𝒙</m:t>
                               </m:r>
                               <m:r>
-                                <a:rPr lang="en-GB" sz="2000" b="0" i="1" smtClean="0">
+                                <a:rPr lang="en-GB" sz="2000" b="1" i="1" smtClean="0">
                                   <a:latin typeface="Cambria Math" panose="02040503050406030204" pitchFamily="18" charset="0"/>
                                 </a:rPr>
                                 <m:t>_</m:t>
                               </m:r>
                               <m:r>
-                                <a:rPr lang="en-GB" sz="2000" b="0" i="1" smtClean="0">
+                                <a:rPr lang="en-GB" sz="2000" b="1" i="1" smtClean="0">
                                   <a:latin typeface="Cambria Math" panose="02040503050406030204" pitchFamily="18" charset="0"/>
                                 </a:rPr>
-                                <m:t>𝑝𝑟𝑒𝑑𝑖𝑐𝑡</m:t>
+                                <m:t>𝒑𝒓𝒆𝒅𝒊𝒄𝒕</m:t>
                               </m:r>
                               <m:r>
-                                <a:rPr lang="en-GB" sz="2000" b="0" i="1" smtClean="0">
+                                <a:rPr lang="en-GB" sz="2000" b="1" i="1" smtClean="0">
                                   <a:latin typeface="Cambria Math" panose="02040503050406030204" pitchFamily="18" charset="0"/>
                                 </a:rPr>
                                 <m:t>(</m:t>
                               </m:r>
                               <m:r>
-                                <a:rPr lang="en-GB" sz="2000" b="0" i="1" smtClean="0">
+                                <a:rPr lang="en-GB" sz="2000" b="1" i="1" smtClean="0">
                                   <a:latin typeface="Cambria Math" panose="02040503050406030204" pitchFamily="18" charset="0"/>
                                 </a:rPr>
-                                <m:t>𝑓𝑜𝑙𝑑</m:t>
+                                <m:t>𝒇𝒐𝒍𝒅</m:t>
                               </m:r>
                               <m:d>
                                 <m:dPr>
                                   <m:ctrlPr>
-                                    <a:rPr lang="en-GB" sz="2000" b="0" i="1" smtClean="0">
-                                      <a:latin typeface="Cambria Math" panose="02040503050406030204" pitchFamily="18" charset="0"/>
+                                    <a:rPr lang="en-GB" sz="2000" b="1" i="1" smtClean="0">
+                                      <a:latin typeface="Cambria Math"/>
                                     </a:rPr>
                                   </m:ctrlPr>
                                 </m:dPr>
                                 <m:e>
                                   <m:r>
-                                    <a:rPr lang="en-GB" sz="2000" b="0" i="1" smtClean="0">
+                                    <a:rPr lang="en-GB" sz="2000" b="1" i="1" smtClean="0">
                                       <a:latin typeface="Cambria Math" panose="02040503050406030204" pitchFamily="18" charset="0"/>
                                     </a:rPr>
-                                    <m:t>𝑖</m:t>
+                                    <m:t>𝒊</m:t>
                                   </m:r>
                                 </m:e>
                               </m:d>
                               <m:r>
-                                <a:rPr lang="en-GB" sz="2000" b="0" i="1" smtClean="0">
+                                <a:rPr lang="en-GB" sz="2000" b="1" i="1" smtClean="0">
                                   <a:latin typeface="Cambria Math" panose="02040503050406030204" pitchFamily="18" charset="0"/>
                                 </a:rPr>
                                 <m:t>))</m:t>
@@ -5459,7 +6486,7 @@
                         </m:oMath>
                       </m:oMathPara>
                     </a14:m>
-                    <a:endParaRPr lang="en-GB" dirty="0"/>
+                    <a:endParaRPr lang="en-GB" b="1" dirty="0"/>
                   </a:p>
                 </p:txBody>
               </p:sp>
@@ -5470,7 +6497,7 @@
                   <p:cNvPr id="29" name="TextBox 28">
                     <a:extLst>
                       <a:ext uri="{FF2B5EF4-FFF2-40B4-BE49-F238E27FC236}">
-                        <a16:creationId xmlns:a16="http://schemas.microsoft.com/office/drawing/2014/main" id="{F34BC0A3-5C58-4D1E-AB58-06E2A1D7B69B}"/>
+                        <a16:creationId xmlns="" xmlns:a16="http://schemas.microsoft.com/office/drawing/2014/main" xmlns:a14="http://schemas.microsoft.com/office/drawing/2010/main" id="{F34BC0A3-5C58-4D1E-AB58-06E2A1D7B69B}"/>
                       </a:ext>
                     </a:extLst>
                   </p:cNvPr>
@@ -5487,8 +6514,8 @@
                   <a:prstGeom prst="rect">
                     <a:avLst/>
                   </a:prstGeom>
-                  <a:blipFill>
-                    <a:blip r:embed="rId13"/>
+                  <a:blipFill rotWithShape="1">
+                    <a:blip r:embed="rId14"/>
                     <a:stretch>
                       <a:fillRect/>
                     </a:stretch>
@@ -5516,7 +6543,7 @@
                   <p:cNvPr id="30" name="TextBox 29">
                     <a:extLst>
                       <a:ext uri="{FF2B5EF4-FFF2-40B4-BE49-F238E27FC236}">
-                        <a16:creationId xmlns:a16="http://schemas.microsoft.com/office/drawing/2014/main" id="{0176BFC8-13F4-4CB7-9752-140161DD25FF}"/>
+                        <a16:creationId xmlns="" xmlns:a16="http://schemas.microsoft.com/office/drawing/2014/main" id="{0176BFC8-13F4-4CB7-9752-140161DD25FF}"/>
                       </a:ext>
                     </a:extLst>
                   </p:cNvPr>
@@ -5525,8 +6552,8 @@
                 </p:nvSpPr>
                 <p:spPr>
                   <a:xfrm>
-                    <a:off x="762044" y="13548616"/>
-                    <a:ext cx="7309116" cy="747320"/>
+                    <a:off x="218956" y="13584521"/>
+                    <a:ext cx="8574450" cy="746743"/>
                   </a:xfrm>
                   <a:prstGeom prst="rect">
                     <a:avLst/>
@@ -5547,48 +6574,48 @@
                         </m:oMathParaPr>
                         <m:oMath xmlns:m="http://schemas.openxmlformats.org/officeDocument/2006/math">
                           <m:r>
-                            <a:rPr lang="en-GB" sz="2000" b="0" i="1" smtClean="0">
+                            <a:rPr lang="en-GB" sz="2000" b="1" i="1" smtClean="0">
                               <a:latin typeface="Cambria Math" panose="02040503050406030204" pitchFamily="18" charset="0"/>
                             </a:rPr>
-                            <m:t>𝑓</m:t>
+                            <m:t>𝒇</m:t>
                           </m:r>
                           <m:r>
-                            <a:rPr lang="en-GB" sz="2000" b="0" i="1" smtClean="0">
+                            <a:rPr lang="en-GB" sz="2000" b="1" i="1" smtClean="0">
                               <a:latin typeface="Cambria Math" panose="02040503050406030204" pitchFamily="18" charset="0"/>
                             </a:rPr>
-                            <m:t>1</m:t>
+                            <m:t>𝟏</m:t>
                           </m:r>
                           <m:d>
                             <m:dPr>
                               <m:ctrlPr>
-                                <a:rPr lang="en-GB" sz="2000" b="0" i="1" smtClean="0">
-                                  <a:latin typeface="Cambria Math" panose="02040503050406030204" pitchFamily="18" charset="0"/>
+                                <a:rPr lang="en-GB" sz="2000" b="1" i="1" smtClean="0">
+                                  <a:latin typeface="Cambria Math"/>
                                 </a:rPr>
                               </m:ctrlPr>
                             </m:dPr>
                             <m:e>
                               <m:r>
-                                <a:rPr lang="en-GB" sz="2000" b="0" i="1" smtClean="0">
+                                <a:rPr lang="en-GB" sz="2000" b="1" i="1" smtClean="0">
                                   <a:latin typeface="Cambria Math" panose="02040503050406030204" pitchFamily="18" charset="0"/>
                                 </a:rPr>
-                                <m:t>𝑝𝑟𝑒𝑑𝑖𝑐𝑡𝑒𝑑</m:t>
+                                <m:t>𝒑𝒓𝒆𝒅𝒊𝒄𝒕𝒆𝒅</m:t>
                               </m:r>
                               <m:r>
-                                <a:rPr lang="en-GB" sz="2000" b="0" i="1" smtClean="0">
+                                <a:rPr lang="en-GB" sz="2000" b="1" i="1" smtClean="0">
                                   <a:latin typeface="Cambria Math" panose="02040503050406030204" pitchFamily="18" charset="0"/>
                                 </a:rPr>
                                 <m:t>, </m:t>
                               </m:r>
                               <m:r>
-                                <a:rPr lang="en-GB" sz="2000" b="0" i="1" smtClean="0">
+                                <a:rPr lang="en-GB" sz="2000" b="1" i="1" smtClean="0">
                                   <a:latin typeface="Cambria Math" panose="02040503050406030204" pitchFamily="18" charset="0"/>
                                 </a:rPr>
-                                <m:t>𝑟𝑒𝑎𝑙</m:t>
+                                <m:t>𝒓𝒆𝒂𝒍</m:t>
                               </m:r>
                             </m:e>
                           </m:d>
                           <m:r>
-                            <a:rPr lang="en-GB" sz="2000" b="0" i="1" smtClean="0">
+                            <a:rPr lang="en-GB" sz="2000" b="1" i="1" smtClean="0">
                               <a:latin typeface="Cambria Math" panose="02040503050406030204" pitchFamily="18" charset="0"/>
                             </a:rPr>
                             <m:t>=(</m:t>
@@ -5598,8 +6625,8 @@
                               <m:chr m:val="∑"/>
                               <m:supHide m:val="on"/>
                               <m:ctrlPr>
-                                <a:rPr lang="en-GB" sz="2000" b="0" i="1" smtClean="0">
-                                  <a:latin typeface="Cambria Math" panose="02040503050406030204" pitchFamily="18" charset="0"/>
+                                <a:rPr lang="en-GB" sz="2000" b="1" i="1" smtClean="0">
+                                  <a:latin typeface="Cambria Math"/>
                                 </a:rPr>
                               </m:ctrlPr>
                             </m:naryPr>
@@ -5608,24 +6635,24 @@
                                 <m:rPr>
                                   <m:brk m:alnAt="7"/>
                                 </m:rPr>
-                                <a:rPr lang="en-GB" sz="2000" b="0" i="1" smtClean="0">
+                                <a:rPr lang="en-GB" sz="2000" b="1" i="1" smtClean="0">
                                   <a:latin typeface="Cambria Math" panose="02040503050406030204" pitchFamily="18" charset="0"/>
                                 </a:rPr>
-                                <m:t>𝑐</m:t>
+                                <m:t>𝒄</m:t>
                               </m:r>
                               <m:r>
-                                <a:rPr lang="en-GB" sz="2000" b="0" i="1" smtClean="0">
+                                <a:rPr lang="en-GB" sz="2000" b="1" i="1" smtClean="0">
                                   <a:latin typeface="Cambria Math" panose="02040503050406030204" pitchFamily="18" charset="0"/>
                                   <a:ea typeface="Cambria Math" panose="02040503050406030204" pitchFamily="18" charset="0"/>
                                 </a:rPr>
                                 <m:t>∈</m:t>
                               </m:r>
                               <m:r>
-                                <a:rPr lang="en-GB" sz="2000" b="0" i="1" smtClean="0">
+                                <a:rPr lang="en-GB" sz="2000" b="1" i="1" smtClean="0">
                                   <a:latin typeface="Cambria Math" panose="02040503050406030204" pitchFamily="18" charset="0"/>
                                   <a:ea typeface="Cambria Math" panose="02040503050406030204" pitchFamily="18" charset="0"/>
                                 </a:rPr>
-                                <m:t>𝐶</m:t>
+                                <m:t>𝑪</m:t>
                               </m:r>
                             </m:sub>
                             <m:sup/>
@@ -5635,28 +6662,28 @@
                                   <m:begChr m:val="|"/>
                                   <m:endChr m:val="|"/>
                                   <m:ctrlPr>
-                                    <a:rPr lang="en-GB" sz="2000" b="0" i="1" smtClean="0">
-                                      <a:latin typeface="Cambria Math" panose="02040503050406030204" pitchFamily="18" charset="0"/>
+                                    <a:rPr lang="en-GB" sz="2000" b="1" i="1" smtClean="0">
+                                      <a:latin typeface="Cambria Math"/>
                                     </a:rPr>
                                   </m:ctrlPr>
                                 </m:dPr>
                                 <m:e>
                                   <m:r>
-                                    <a:rPr lang="en-GB" sz="2000" b="0" i="1" smtClean="0">
+                                    <a:rPr lang="en-GB" sz="2000" b="1" i="1" smtClean="0">
                                       <a:latin typeface="Cambria Math" panose="02040503050406030204" pitchFamily="18" charset="0"/>
                                     </a:rPr>
-                                    <m:t>𝐶</m:t>
+                                    <m:t>𝑪</m:t>
                                   </m:r>
                                 </m:e>
                               </m:d>
                               <m:r>
-                                <a:rPr lang="en-GB" sz="2000" b="0" i="1" smtClean="0">
+                                <a:rPr lang="en-GB" sz="2000" b="1" i="1" smtClean="0">
                                   <a:latin typeface="Cambria Math" panose="02040503050406030204" pitchFamily="18" charset="0"/>
                                 </a:rPr>
                                 <m:t> </m:t>
                               </m:r>
                               <m:r>
-                                <a:rPr lang="en-GB" sz="2000" b="0" i="1" smtClean="0">
+                                <a:rPr lang="en-GB" sz="2000" b="1" i="1" smtClean="0">
                                   <a:latin typeface="Cambria Math" panose="02040503050406030204" pitchFamily="18" charset="0"/>
                                   <a:ea typeface="Cambria Math" panose="02040503050406030204" pitchFamily="18" charset="0"/>
                                 </a:rPr>
@@ -5665,68 +6692,75 @@
                               <m:f>
                                 <m:fPr>
                                   <m:ctrlPr>
-                                    <a:rPr lang="en-GB" sz="2000" b="0" i="1" smtClean="0">
-                                      <a:latin typeface="Cambria Math" panose="02040503050406030204" pitchFamily="18" charset="0"/>
+                                    <a:rPr lang="en-GB" sz="2000" b="1" i="1" smtClean="0">
+                                      <a:latin typeface="Cambria Math"/>
                                       <a:ea typeface="Cambria Math" panose="02040503050406030204" pitchFamily="18" charset="0"/>
                                     </a:rPr>
                                   </m:ctrlPr>
                                 </m:fPr>
                                 <m:num>
                                   <m:r>
-                                    <a:rPr lang="en-GB" sz="2000" b="0" i="1" smtClean="0">
+                                    <a:rPr lang="en-GB" sz="2000" b="1" i="1" smtClean="0">
                                       <a:latin typeface="Cambria Math" panose="02040503050406030204" pitchFamily="18" charset="0"/>
                                       <a:ea typeface="Cambria Math" panose="02040503050406030204" pitchFamily="18" charset="0"/>
                                     </a:rPr>
-                                    <m:t>2×</m:t>
+                                    <m:t>𝟐</m:t>
                                   </m:r>
                                   <m:r>
-                                    <a:rPr lang="en-GB" sz="2000" b="0" i="1" smtClean="0">
-                                      <a:latin typeface="Cambria Math" panose="02040503050406030204" pitchFamily="18" charset="0"/>
-                                      <a:ea typeface="Cambria Math" panose="02040503050406030204" pitchFamily="18" charset="0"/>
-                                    </a:rPr>
-                                    <m:t>𝑝𝑟𝑒𝑐𝑖𝑠𝑖𝑜𝑛</m:t>
-                                  </m:r>
-                                  <m:r>
-                                    <a:rPr lang="en-GB" sz="2000" b="0" i="1" smtClean="0">
+                                    <a:rPr lang="en-GB" sz="2000" b="1" i="1" smtClean="0">
                                       <a:latin typeface="Cambria Math" panose="02040503050406030204" pitchFamily="18" charset="0"/>
                                       <a:ea typeface="Cambria Math" panose="02040503050406030204" pitchFamily="18" charset="0"/>
                                     </a:rPr>
                                     <m:t>×</m:t>
                                   </m:r>
                                   <m:r>
-                                    <a:rPr lang="en-GB" sz="2000" b="0" i="1" smtClean="0">
+                                    <a:rPr lang="en-GB" sz="2000" b="1" i="1" smtClean="0">
                                       <a:latin typeface="Cambria Math" panose="02040503050406030204" pitchFamily="18" charset="0"/>
                                       <a:ea typeface="Cambria Math" panose="02040503050406030204" pitchFamily="18" charset="0"/>
                                     </a:rPr>
-                                    <m:t>𝑟𝑒𝑐𝑎𝑙𝑙</m:t>
+                                    <m:t>𝒑𝒓𝒆𝒄𝒊𝒔𝒊𝒐𝒏</m:t>
+                                  </m:r>
+                                  <m:r>
+                                    <a:rPr lang="en-GB" sz="2000" b="1" i="1" smtClean="0">
+                                      <a:latin typeface="Cambria Math" panose="02040503050406030204" pitchFamily="18" charset="0"/>
+                                      <a:ea typeface="Cambria Math" panose="02040503050406030204" pitchFamily="18" charset="0"/>
+                                    </a:rPr>
+                                    <m:t>×</m:t>
+                                  </m:r>
+                                  <m:r>
+                                    <a:rPr lang="en-GB" sz="2000" b="1" i="1" smtClean="0">
+                                      <a:latin typeface="Cambria Math" panose="02040503050406030204" pitchFamily="18" charset="0"/>
+                                      <a:ea typeface="Cambria Math" panose="02040503050406030204" pitchFamily="18" charset="0"/>
+                                    </a:rPr>
+                                    <m:t>𝒓𝒆𝒄𝒂𝒍𝒍</m:t>
                                   </m:r>
                                 </m:num>
                                 <m:den>
                                   <m:r>
-                                    <a:rPr lang="en-GB" sz="2000" b="0" i="1" smtClean="0">
+                                    <a:rPr lang="en-GB" sz="2000" b="1" i="1" smtClean="0">
                                       <a:latin typeface="Cambria Math" panose="02040503050406030204" pitchFamily="18" charset="0"/>
                                       <a:ea typeface="Cambria Math" panose="02040503050406030204" pitchFamily="18" charset="0"/>
                                     </a:rPr>
-                                    <m:t>𝑝𝑟𝑒𝑐𝑖𝑠𝑖𝑜𝑛</m:t>
+                                    <m:t>𝒑𝒓𝒆𝒄𝒊𝒔𝒊𝒐𝒏</m:t>
                                   </m:r>
                                   <m:r>
-                                    <a:rPr lang="en-GB" sz="2000" b="0" i="1" smtClean="0">
+                                    <a:rPr lang="en-GB" sz="2000" b="1" i="1" smtClean="0">
                                       <a:latin typeface="Cambria Math" panose="02040503050406030204" pitchFamily="18" charset="0"/>
                                       <a:ea typeface="Cambria Math" panose="02040503050406030204" pitchFamily="18" charset="0"/>
                                     </a:rPr>
                                     <m:t>+</m:t>
                                   </m:r>
                                   <m:r>
-                                    <a:rPr lang="en-GB" sz="2000" b="0" i="1" smtClean="0">
+                                    <a:rPr lang="en-GB" sz="2000" b="1" i="1" smtClean="0">
                                       <a:latin typeface="Cambria Math" panose="02040503050406030204" pitchFamily="18" charset="0"/>
                                       <a:ea typeface="Cambria Math" panose="02040503050406030204" pitchFamily="18" charset="0"/>
                                     </a:rPr>
-                                    <m:t>𝑟𝑒𝑐𝑎𝑙𝑙</m:t>
+                                    <m:t>𝒓𝒆𝒄𝒂𝒍𝒍</m:t>
                                   </m:r>
                                 </m:den>
                               </m:f>
                               <m:r>
-                                <a:rPr lang="en-GB" sz="2000" b="0" i="1" smtClean="0">
+                                <a:rPr lang="en-GB" sz="2000" b="1" i="1" smtClean="0">
                                   <a:latin typeface="Cambria Math" panose="02040503050406030204" pitchFamily="18" charset="0"/>
                                   <a:ea typeface="Cambria Math" panose="02040503050406030204" pitchFamily="18" charset="0"/>
                                 </a:rPr>
@@ -5737,8 +6771,8 @@
                                   <m:chr m:val="∑"/>
                                   <m:supHide m:val="on"/>
                                   <m:ctrlPr>
-                                    <a:rPr lang="en-GB" sz="2000" b="0" i="1" smtClean="0">
-                                      <a:latin typeface="Cambria Math" panose="02040503050406030204" pitchFamily="18" charset="0"/>
+                                    <a:rPr lang="en-GB" sz="2000" b="1" i="1" smtClean="0">
+                                      <a:latin typeface="Cambria Math"/>
                                       <a:ea typeface="Cambria Math" panose="02040503050406030204" pitchFamily="18" charset="0"/>
                                     </a:rPr>
                                   </m:ctrlPr>
@@ -5748,45 +6782,45 @@
                                     <m:rPr>
                                       <m:brk m:alnAt="7"/>
                                     </m:rPr>
-                                    <a:rPr lang="en-GB" sz="2000" b="0" i="1" smtClean="0">
+                                    <a:rPr lang="en-GB" sz="2000" b="1" i="1" smtClean="0">
                                       <a:latin typeface="Cambria Math" panose="02040503050406030204" pitchFamily="18" charset="0"/>
                                       <a:ea typeface="Cambria Math" panose="02040503050406030204" pitchFamily="18" charset="0"/>
                                     </a:rPr>
-                                    <m:t>𝑐</m:t>
+                                    <m:t>𝒄</m:t>
                                   </m:r>
                                   <m:r>
-                                    <a:rPr lang="en-GB" sz="2000" b="0" i="1" smtClean="0">
+                                    <a:rPr lang="en-GB" sz="2000" b="1" i="1" smtClean="0">
                                       <a:latin typeface="Cambria Math" panose="02040503050406030204" pitchFamily="18" charset="0"/>
                                       <a:ea typeface="Cambria Math" panose="02040503050406030204" pitchFamily="18" charset="0"/>
                                     </a:rPr>
                                     <m:t>∈</m:t>
                                   </m:r>
                                   <m:r>
-                                    <a:rPr lang="en-GB" sz="2000" b="0" i="1" smtClean="0">
+                                    <a:rPr lang="en-GB" sz="2000" b="1" i="1" smtClean="0">
                                       <a:latin typeface="Cambria Math" panose="02040503050406030204" pitchFamily="18" charset="0"/>
                                       <a:ea typeface="Cambria Math" panose="02040503050406030204" pitchFamily="18" charset="0"/>
                                     </a:rPr>
-                                    <m:t>𝐶</m:t>
+                                    <m:t>𝑪</m:t>
                                   </m:r>
                                 </m:sub>
                                 <m:sup/>
                                 <m:e>
                                   <m:r>
-                                    <a:rPr lang="en-GB" sz="2000" b="0" i="1" smtClean="0">
+                                    <a:rPr lang="en-GB" sz="2000" b="1" i="1" smtClean="0">
                                       <a:latin typeface="Cambria Math" panose="02040503050406030204" pitchFamily="18" charset="0"/>
                                       <a:ea typeface="Cambria Math" panose="02040503050406030204" pitchFamily="18" charset="0"/>
                                     </a:rPr>
                                     <m:t>|</m:t>
                                   </m:r>
                                   <m:r>
-                                    <a:rPr lang="en-GB" sz="2000" b="0" i="1" smtClean="0">
+                                    <a:rPr lang="en-GB" sz="2000" b="1" i="1" smtClean="0">
                                       <a:latin typeface="Cambria Math" panose="02040503050406030204" pitchFamily="18" charset="0"/>
                                       <a:ea typeface="Cambria Math" panose="02040503050406030204" pitchFamily="18" charset="0"/>
                                     </a:rPr>
-                                    <m:t>𝐶</m:t>
+                                    <m:t>𝑪</m:t>
                                   </m:r>
                                   <m:r>
-                                    <a:rPr lang="en-GB" sz="2000" b="0" i="1" smtClean="0">
+                                    <a:rPr lang="en-GB" sz="2000" b="1" i="1" smtClean="0">
                                       <a:latin typeface="Cambria Math" panose="02040503050406030204" pitchFamily="18" charset="0"/>
                                       <a:ea typeface="Cambria Math" panose="02040503050406030204" pitchFamily="18" charset="0"/>
                                     </a:rPr>
@@ -5797,7 +6831,7 @@
                             </m:e>
                           </m:nary>
                           <m:r>
-                            <a:rPr lang="en-GB" sz="2000" b="0" i="1" smtClean="0">
+                            <a:rPr lang="en-GB" sz="2000" b="1" i="1" smtClean="0">
                               <a:latin typeface="Cambria Math" panose="02040503050406030204" pitchFamily="18" charset="0"/>
                             </a:rPr>
                             <m:t> </m:t>
@@ -5805,7 +6839,7 @@
                         </m:oMath>
                       </m:oMathPara>
                     </a14:m>
-                    <a:endParaRPr lang="en-GB" sz="2000" dirty="0"/>
+                    <a:endParaRPr lang="en-GB" sz="2000" b="1" dirty="0"/>
                   </a:p>
                 </p:txBody>
               </p:sp>
@@ -5816,7 +6850,7 @@
                   <p:cNvPr id="30" name="TextBox 29">
                     <a:extLst>
                       <a:ext uri="{FF2B5EF4-FFF2-40B4-BE49-F238E27FC236}">
-                        <a16:creationId xmlns:a16="http://schemas.microsoft.com/office/drawing/2014/main" id="{0176BFC8-13F4-4CB7-9752-140161DD25FF}"/>
+                        <a16:creationId xmlns="" xmlns:a16="http://schemas.microsoft.com/office/drawing/2014/main" xmlns:a14="http://schemas.microsoft.com/office/drawing/2010/main" id="{0176BFC8-13F4-4CB7-9752-140161DD25FF}"/>
                       </a:ext>
                     </a:extLst>
                   </p:cNvPr>
@@ -5827,14 +6861,14 @@
                 </p:nvSpPr>
                 <p:spPr>
                   <a:xfrm>
-                    <a:off x="762044" y="13548616"/>
-                    <a:ext cx="7309116" cy="747320"/>
+                    <a:off x="218956" y="13584521"/>
+                    <a:ext cx="8574450" cy="746743"/>
                   </a:xfrm>
                   <a:prstGeom prst="rect">
                     <a:avLst/>
                   </a:prstGeom>
-                  <a:blipFill>
-                    <a:blip r:embed="rId14"/>
+                  <a:blipFill rotWithShape="1">
+                    <a:blip r:embed="rId15"/>
                     <a:stretch>
                       <a:fillRect/>
                     </a:stretch>
@@ -5861,7 +6895,7 @@
             <p:cNvPr id="46" name="TextBox 45">
               <a:extLst>
                 <a:ext uri="{FF2B5EF4-FFF2-40B4-BE49-F238E27FC236}">
-                  <a16:creationId xmlns:a16="http://schemas.microsoft.com/office/drawing/2014/main" id="{CCFCE45D-D1A5-4C22-90BB-F83EA12CF9BF}"/>
+                  <a16:creationId xmlns="" xmlns:a16="http://schemas.microsoft.com/office/drawing/2014/main" id="{CCFCE45D-D1A5-4C22-90BB-F83EA12CF9BF}"/>
                 </a:ext>
               </a:extLst>
             </p:cNvPr>
@@ -5870,8 +6904,8 @@
           </p:nvSpPr>
           <p:spPr>
             <a:xfrm>
-              <a:off x="772742" y="14149784"/>
-              <a:ext cx="2371113" cy="1323439"/>
+              <a:off x="5690897" y="15356929"/>
+              <a:ext cx="2603653" cy="1015663"/>
             </a:xfrm>
             <a:prstGeom prst="rect">
               <a:avLst/>
@@ -5885,29 +6919,389 @@
             <a:lstStyle/>
             <a:p>
               <a:r>
-                <a:rPr lang="en-GB" sz="2000" dirty="0"/>
+                <a:rPr lang="en-GB" sz="2000" b="1" dirty="0"/>
                 <a:t>F1 metric is result of an internal 3 fold cross-validation (k=3) . </a:t>
               </a:r>
             </a:p>
           </p:txBody>
         </p:sp>
       </p:grpSp>
-      <p:sp>
-        <p:nvSpPr>
-          <p:cNvPr id="48" name="TextBox 47">
-            <a:extLst>
-              <a:ext uri="{FF2B5EF4-FFF2-40B4-BE49-F238E27FC236}">
-                <a16:creationId xmlns:a16="http://schemas.microsoft.com/office/drawing/2014/main" id="{FB66A6BB-3B62-4856-A79F-C7687717B983}"/>
-              </a:ext>
-            </a:extLst>
-          </p:cNvPr>
+      <p:graphicFrame>
+        <p:nvGraphicFramePr>
+          <p:cNvPr id="56" name="Table 55"/>
+          <p:cNvGraphicFramePr>
+            <a:graphicFrameLocks noGrp="1"/>
+          </p:cNvGraphicFramePr>
+          <p:nvPr>
+            <p:extLst>
+              <p:ext uri="{D42A27DB-BD31-4B8C-83A1-F6EECF244321}">
+                <p14:modId xmlns:p14="http://schemas.microsoft.com/office/powerpoint/2010/main" val="383886919"/>
+              </p:ext>
+            </p:extLst>
+          </p:nvPr>
+        </p:nvGraphicFramePr>
+        <p:xfrm>
+          <a:off x="21908739" y="11485488"/>
+          <a:ext cx="7668000" cy="4033314"/>
+        </p:xfrm>
+        <a:graphic>
+          <a:graphicData uri="http://schemas.openxmlformats.org/drawingml/2006/table">
+            <a:tbl>
+              <a:tblPr firstRow="1" bandRow="1">
+                <a:tableStyleId>{69C7853C-536D-4A76-A0AE-DD22124D55A5}</a:tableStyleId>
+              </a:tblPr>
+              <a:tblGrid>
+                <a:gridCol w="2556000"/>
+                <a:gridCol w="2556000"/>
+                <a:gridCol w="2556000"/>
+              </a:tblGrid>
+              <a:tr h="372583">
+                <a:tc gridSpan="3">
+                  <a:txBody>
+                    <a:bodyPr/>
+                    <a:lstStyle/>
+                    <a:p>
+                      <a:pPr algn="ctr"/>
+                      <a:r>
+                        <a:rPr lang="en-GB" sz="2000" dirty="0" smtClean="0"/>
+                        <a:t>Difficult Datasets</a:t>
+                      </a:r>
+                      <a:endParaRPr lang="en-GB" sz="2000" dirty="0"/>
+                    </a:p>
+                  </a:txBody>
+                  <a:tcPr/>
+                </a:tc>
+                <a:tc hMerge="1">
+                  <a:txBody>
+                    <a:bodyPr/>
+                    <a:lstStyle/>
+                    <a:p>
+                      <a:endParaRPr lang="en-GB"/>
+                    </a:p>
+                  </a:txBody>
+                  <a:tcPr/>
+                </a:tc>
+                <a:tc hMerge="1">
+                  <a:txBody>
+                    <a:bodyPr/>
+                    <a:lstStyle/>
+                    <a:p>
+                      <a:endParaRPr lang="en-GB" dirty="0"/>
+                    </a:p>
+                  </a:txBody>
+                  <a:tcPr/>
+                </a:tc>
+              </a:tr>
+              <a:tr h="372583">
+                <a:tc>
+                  <a:txBody>
+                    <a:bodyPr/>
+                    <a:lstStyle/>
+                    <a:p>
+                      <a:pPr algn="ctr"/>
+                      <a:r>
+                        <a:rPr lang="en-GB" sz="2000" dirty="0" smtClean="0"/>
+                        <a:t>Dataset</a:t>
+                      </a:r>
+                      <a:endParaRPr lang="en-GB" sz="2000" dirty="0"/>
+                    </a:p>
+                  </a:txBody>
+                  <a:tcPr/>
+                </a:tc>
+                <a:tc>
+                  <a:txBody>
+                    <a:bodyPr/>
+                    <a:lstStyle/>
+                    <a:p>
+                      <a:pPr algn="ctr"/>
+                      <a:r>
+                        <a:rPr lang="en-GB" sz="2000" dirty="0" smtClean="0"/>
+                        <a:t>Reason</a:t>
+                      </a:r>
+                      <a:endParaRPr lang="en-GB" sz="2000" dirty="0"/>
+                    </a:p>
+                  </a:txBody>
+                  <a:tcPr/>
+                </a:tc>
+                <a:tc>
+                  <a:txBody>
+                    <a:bodyPr/>
+                    <a:lstStyle/>
+                    <a:p>
+                      <a:pPr algn="ctr"/>
+                      <a:r>
+                        <a:rPr lang="en-GB" sz="2000" dirty="0" smtClean="0"/>
+                        <a:t>Evaluation</a:t>
+                      </a:r>
+                      <a:endParaRPr lang="en-GB" sz="2000" dirty="0"/>
+                    </a:p>
+                  </a:txBody>
+                  <a:tcPr/>
+                </a:tc>
+              </a:tr>
+              <a:tr h="945787">
+                <a:tc>
+                  <a:txBody>
+                    <a:bodyPr/>
+                    <a:lstStyle/>
+                    <a:p>
+                      <a:pPr marL="0" marR="0" indent="0" algn="l" defTabSz="2952323" rtl="0" eaLnBrk="1" fontAlgn="auto" latinLnBrk="0" hangingPunct="1">
+                        <a:lnSpc>
+                          <a:spcPct val="100000"/>
+                        </a:lnSpc>
+                        <a:spcBef>
+                          <a:spcPts val="0"/>
+                        </a:spcBef>
+                        <a:spcAft>
+                          <a:spcPts val="0"/>
+                        </a:spcAft>
+                        <a:buClrTx/>
+                        <a:buSzTx/>
+                        <a:buFontTx/>
+                        <a:buNone/>
+                        <a:tabLst/>
+                        <a:defRPr/>
+                      </a:pPr>
+                      <a:r>
+                        <a:rPr lang="en-GB" sz="2000" dirty="0" smtClean="0"/>
+                        <a:t>Autonuniv-Au7-500 &amp; </a:t>
+                      </a:r>
+                      <a:r>
+                        <a:rPr lang="en-GB" sz="2000" dirty="0" err="1" smtClean="0"/>
+                        <a:t>GesturePhase</a:t>
+                      </a:r>
+                      <a:endParaRPr lang="en-GB" sz="2000" dirty="0" smtClean="0"/>
+                    </a:p>
+                    <a:p>
+                      <a:endParaRPr lang="en-GB" sz="2000" dirty="0"/>
+                    </a:p>
+                  </a:txBody>
+                  <a:tcPr/>
+                </a:tc>
+                <a:tc>
+                  <a:txBody>
+                    <a:bodyPr/>
+                    <a:lstStyle/>
+                    <a:p>
+                      <a:r>
+                        <a:rPr lang="en-GB" sz="2000" dirty="0" smtClean="0"/>
+                        <a:t>5 classes</a:t>
+                      </a:r>
+                      <a:endParaRPr lang="en-GB" sz="2000" dirty="0"/>
+                    </a:p>
+                  </a:txBody>
+                  <a:tcPr/>
+                </a:tc>
+                <a:tc>
+                  <a:txBody>
+                    <a:bodyPr/>
+                    <a:lstStyle/>
+                    <a:p>
+                      <a:r>
+                        <a:rPr lang="en-GB" sz="2000" dirty="0" smtClean="0"/>
+                        <a:t>Relax push</a:t>
+                      </a:r>
+                      <a:r>
+                        <a:rPr lang="en-GB" sz="2000" baseline="0" dirty="0" smtClean="0"/>
+                        <a:t> for simple trees on datasets with many classes</a:t>
+                      </a:r>
+                      <a:endParaRPr lang="en-GB" sz="2000" dirty="0"/>
+                    </a:p>
+                  </a:txBody>
+                  <a:tcPr/>
+                </a:tc>
+              </a:tr>
+              <a:tr h="945787">
+                <a:tc>
+                  <a:txBody>
+                    <a:bodyPr/>
+                    <a:lstStyle/>
+                    <a:p>
+                      <a:r>
+                        <a:rPr lang="en-GB" sz="2000" dirty="0" smtClean="0"/>
+                        <a:t>onks-Problems-2</a:t>
+                      </a:r>
+                      <a:endParaRPr lang="en-GB" sz="2000" dirty="0"/>
+                    </a:p>
+                  </a:txBody>
+                  <a:tcPr/>
+                </a:tc>
+                <a:tc>
+                  <a:txBody>
+                    <a:bodyPr/>
+                    <a:lstStyle/>
+                    <a:p>
+                      <a:r>
+                        <a:rPr lang="en-GB" sz="2000" dirty="0" smtClean="0"/>
+                        <a:t>entirely categorical features</a:t>
+                      </a:r>
+                      <a:endParaRPr lang="en-GB" sz="2000" dirty="0"/>
+                    </a:p>
+                  </a:txBody>
+                  <a:tcPr/>
+                </a:tc>
+                <a:tc>
+                  <a:txBody>
+                    <a:bodyPr/>
+                    <a:lstStyle/>
+                    <a:p>
+                      <a:r>
+                        <a:rPr lang="en-GB" sz="2000" dirty="0" smtClean="0"/>
+                        <a:t>Combining categorical features into a single branch</a:t>
+                      </a:r>
+                      <a:endParaRPr lang="en-GB" sz="2000" dirty="0"/>
+                    </a:p>
+                  </a:txBody>
+                  <a:tcPr/>
+                </a:tc>
+              </a:tr>
+              <a:tr h="1229154">
+                <a:tc>
+                  <a:txBody>
+                    <a:bodyPr/>
+                    <a:lstStyle/>
+                    <a:p>
+                      <a:r>
+                        <a:rPr lang="en-GB" sz="2000" dirty="0" err="1" smtClean="0"/>
+                        <a:t>eeg</a:t>
+                      </a:r>
+                      <a:r>
+                        <a:rPr lang="en-GB" sz="2000" dirty="0" smtClean="0"/>
+                        <a:t>-eye-state</a:t>
+                      </a:r>
+                      <a:endParaRPr lang="en-GB" sz="2000" dirty="0"/>
+                    </a:p>
+                  </a:txBody>
+                  <a:tcPr/>
+                </a:tc>
+                <a:tc>
+                  <a:txBody>
+                    <a:bodyPr/>
+                    <a:lstStyle/>
+                    <a:p>
+                      <a:r>
+                        <a:rPr lang="en-GB" sz="2000" dirty="0" smtClean="0"/>
+                        <a:t>data is sequential/time-series</a:t>
+                      </a:r>
+                      <a:endParaRPr lang="en-GB" sz="2000" dirty="0"/>
+                    </a:p>
+                  </a:txBody>
+                  <a:tcPr/>
+                </a:tc>
+                <a:tc>
+                  <a:txBody>
+                    <a:bodyPr/>
+                    <a:lstStyle/>
+                    <a:p>
+                      <a:pPr marL="0" marR="0" indent="0" algn="l" defTabSz="2952323" rtl="0" eaLnBrk="1" fontAlgn="auto" latinLnBrk="0" hangingPunct="1">
+                        <a:lnSpc>
+                          <a:spcPct val="100000"/>
+                        </a:lnSpc>
+                        <a:spcBef>
+                          <a:spcPts val="0"/>
+                        </a:spcBef>
+                        <a:spcAft>
+                          <a:spcPts val="0"/>
+                        </a:spcAft>
+                        <a:buClrTx/>
+                        <a:buSzTx/>
+                        <a:buFontTx/>
+                        <a:buNone/>
+                        <a:tabLst/>
+                        <a:defRPr/>
+                      </a:pPr>
+                      <a:r>
+                        <a:rPr lang="en-GB" sz="2000" dirty="0" smtClean="0"/>
+                        <a:t>The proposed method is not designed for such datasets</a:t>
+                      </a:r>
+                    </a:p>
+                  </a:txBody>
+                  <a:tcPr/>
+                </a:tc>
+              </a:tr>
+            </a:tbl>
+          </a:graphicData>
+        </a:graphic>
+      </p:graphicFrame>
+      <p:sp>
+        <p:nvSpPr>
+          <p:cNvPr id="67" name="Rectangle 66"/>
+          <p:cNvSpPr/>
+          <p:nvPr/>
+        </p:nvSpPr>
+        <p:spPr>
+          <a:xfrm>
+            <a:off x="378347" y="4191188"/>
+            <a:ext cx="8280000" cy="3333859"/>
+          </a:xfrm>
+          <a:prstGeom prst="rect">
+            <a:avLst/>
+          </a:prstGeom>
+          <a:gradFill flip="none" rotWithShape="1">
+            <a:gsLst>
+              <a:gs pos="50000">
+                <a:srgbClr val="FCD6B6">
+                  <a:alpha val="55000"/>
+                </a:srgbClr>
+              </a:gs>
+              <a:gs pos="0">
+                <a:schemeClr val="accent6">
+                  <a:lumMod val="60000"/>
+                  <a:lumOff val="40000"/>
+                </a:schemeClr>
+              </a:gs>
+              <a:gs pos="100000">
+                <a:schemeClr val="accent6">
+                  <a:lumMod val="60000"/>
+                  <a:lumOff val="40000"/>
+                  <a:tint val="23500"/>
+                  <a:satMod val="160000"/>
+                  <a:alpha val="9000"/>
+                </a:schemeClr>
+              </a:gs>
+            </a:gsLst>
+            <a:lin ang="5400000" scaled="1"/>
+            <a:tileRect/>
+          </a:gradFill>
+          <a:effectLst>
+            <a:softEdge rad="127000"/>
+          </a:effectLst>
+        </p:spPr>
+        <p:style>
+          <a:lnRef idx="2">
+            <a:schemeClr val="accent1">
+              <a:shade val="50000"/>
+            </a:schemeClr>
+          </a:lnRef>
+          <a:fillRef idx="1">
+            <a:schemeClr val="accent1"/>
+          </a:fillRef>
+          <a:effectRef idx="0">
+            <a:schemeClr val="accent1"/>
+          </a:effectRef>
+          <a:fontRef idx="minor">
+            <a:schemeClr val="lt1"/>
+          </a:fontRef>
+        </p:style>
+        <p:txBody>
+          <a:bodyPr rtlCol="0" anchor="ctr"/>
+          <a:lstStyle/>
+          <a:p>
+            <a:pPr algn="ctr"/>
+            <a:endParaRPr lang="en-GB"/>
+          </a:p>
+        </p:txBody>
+      </p:sp>
+      <p:sp>
+        <p:nvSpPr>
+          <p:cNvPr id="63" name="TextBox 62"/>
           <p:cNvSpPr txBox="1"/>
           <p:nvPr/>
         </p:nvSpPr>
         <p:spPr>
           <a:xfrm>
-            <a:off x="274047" y="16679058"/>
-            <a:ext cx="3120936" cy="830997"/>
+            <a:off x="800746" y="4539621"/>
+            <a:ext cx="7498481" cy="2677656"/>
           </a:xfrm>
           <a:prstGeom prst="rect">
             <a:avLst/>
@@ -5920,210 +7314,73 @@
           </a:bodyPr>
           <a:lstStyle/>
           <a:p>
-            <a:r>
-              <a:rPr lang="en-GB" sz="2400" dirty="0"/>
-              <a:t>Elitist NSGA-II</a:t>
-            </a:r>
-            <a:br>
-              <a:rPr lang="en-GB" sz="2400" dirty="0"/>
-            </a:br>
-            <a:r>
-              <a:rPr lang="en-GB" sz="2400" dirty="0"/>
-              <a:t>with </a:t>
-            </a:r>
-            <a:r>
-              <a:rPr lang="el-GR" sz="2400" dirty="0"/>
-              <a:t>μ</a:t>
-            </a:r>
-            <a:r>
-              <a:rPr lang="en-GB" sz="2400" dirty="0"/>
-              <a:t>+</a:t>
-            </a:r>
-            <a:r>
-              <a:rPr lang="el-GR" sz="2400" dirty="0"/>
-              <a:t> λ</a:t>
-            </a:r>
-            <a:r>
-              <a:rPr lang="en-GB" sz="2400" dirty="0"/>
-              <a:t> (|</a:t>
-            </a:r>
-            <a:r>
-              <a:rPr lang="el-GR" sz="2400" dirty="0"/>
-              <a:t>μ</a:t>
-            </a:r>
-            <a:r>
-              <a:rPr lang="en-GB" sz="2400" dirty="0"/>
-              <a:t>|=|</a:t>
-            </a:r>
-            <a:r>
-              <a:rPr lang="el-GR" sz="2400" dirty="0"/>
-              <a:t>λ</a:t>
-            </a:r>
-            <a:r>
-              <a:rPr lang="en-GB" sz="2400" dirty="0"/>
-              <a:t>|)</a:t>
-            </a:r>
-          </a:p>
-        </p:txBody>
-      </p:sp>
-      <p:cxnSp>
-        <p:nvCxnSpPr>
-          <p:cNvPr id="52" name="Straight Arrow Connector 51">
-            <a:extLst>
-              <a:ext uri="{FF2B5EF4-FFF2-40B4-BE49-F238E27FC236}">
-                <a16:creationId xmlns:a16="http://schemas.microsoft.com/office/drawing/2014/main" id="{E5F585F5-F936-4D25-B50A-E06C38939F0F}"/>
-              </a:ext>
-            </a:extLst>
-          </p:cNvPr>
-          <p:cNvCxnSpPr>
-            <a:cxnSpLocks/>
-          </p:cNvCxnSpPr>
-          <p:nvPr/>
-        </p:nvCxnSpPr>
-        <p:spPr>
-          <a:xfrm>
-            <a:off x="1073835" y="17465615"/>
-            <a:ext cx="522319" cy="1680534"/>
-          </a:xfrm>
-          <a:prstGeom prst="straightConnector1">
-            <a:avLst/>
-          </a:prstGeom>
-          <a:ln>
-            <a:solidFill>
-              <a:schemeClr val="tx1"/>
-            </a:solidFill>
-            <a:tailEnd type="triangle"/>
-          </a:ln>
-        </p:spPr>
-        <p:style>
-          <a:lnRef idx="1">
-            <a:schemeClr val="accent1"/>
-          </a:lnRef>
-          <a:fillRef idx="0">
-            <a:schemeClr val="accent1"/>
-          </a:fillRef>
-          <a:effectRef idx="0">
-            <a:schemeClr val="accent1"/>
-          </a:effectRef>
-          <a:fontRef idx="minor">
-            <a:schemeClr val="tx1"/>
-          </a:fontRef>
-        </p:style>
-      </p:cxnSp>
-      <p:cxnSp>
-        <p:nvCxnSpPr>
-          <p:cNvPr id="58" name="Straight Arrow Connector 57">
-            <a:extLst>
-              <a:ext uri="{FF2B5EF4-FFF2-40B4-BE49-F238E27FC236}">
-                <a16:creationId xmlns:a16="http://schemas.microsoft.com/office/drawing/2014/main" id="{A19D8E4A-710D-429A-9A74-396247CB582B}"/>
-              </a:ext>
-            </a:extLst>
-          </p:cNvPr>
-          <p:cNvCxnSpPr>
-            <a:cxnSpLocks/>
-          </p:cNvCxnSpPr>
-          <p:nvPr/>
-        </p:nvCxnSpPr>
-        <p:spPr>
-          <a:xfrm>
-            <a:off x="1470072" y="17390144"/>
-            <a:ext cx="126082" cy="1129622"/>
-          </a:xfrm>
-          <a:prstGeom prst="straightConnector1">
-            <a:avLst/>
-          </a:prstGeom>
-          <a:ln>
-            <a:solidFill>
-              <a:schemeClr val="tx1"/>
-            </a:solidFill>
-            <a:tailEnd type="triangle"/>
-          </a:ln>
-        </p:spPr>
-        <p:style>
-          <a:lnRef idx="1">
-            <a:schemeClr val="accent1"/>
-          </a:lnRef>
-          <a:fillRef idx="0">
-            <a:schemeClr val="accent1"/>
-          </a:fillRef>
-          <a:effectRef idx="0">
-            <a:schemeClr val="accent1"/>
-          </a:effectRef>
-          <a:fontRef idx="minor">
-            <a:schemeClr val="tx1"/>
-          </a:fontRef>
-        </p:style>
-      </p:cxnSp>
-      <p:sp>
-        <p:nvSpPr>
-          <p:cNvPr id="65" name="TextBox 64">
-            <a:extLst>
-              <a:ext uri="{FF2B5EF4-FFF2-40B4-BE49-F238E27FC236}">
-                <a16:creationId xmlns:a16="http://schemas.microsoft.com/office/drawing/2014/main" id="{9865FD7D-806A-40E6-9D7E-4E528F5CBC05}"/>
-              </a:ext>
-            </a:extLst>
-          </p:cNvPr>
-          <p:cNvSpPr txBox="1"/>
-          <p:nvPr/>
-        </p:nvSpPr>
-        <p:spPr>
-          <a:xfrm>
-            <a:off x="634068" y="14293800"/>
-            <a:ext cx="7718400" cy="1203475"/>
-          </a:xfrm>
-          <a:prstGeom prst="rect">
-            <a:avLst/>
-          </a:prstGeom>
-          <a:noFill/>
-        </p:spPr>
-        <p:txBody>
-          <a:bodyPr wrap="square" rtlCol="0">
-            <a:noAutofit/>
-          </a:bodyPr>
-          <a:lstStyle/>
-          <a:p>
-            <a:r>
-              <a:rPr lang="en-GB" sz="2400" dirty="0"/>
-              <a:t>We use subtrees to construct features as mathematical expressions, these implicit features allow our trees to learn simpler rules.</a:t>
-            </a:r>
-          </a:p>
-          <a:p>
-            <a:endParaRPr lang="en-GB" sz="2000" dirty="0"/>
-          </a:p>
-        </p:txBody>
-      </p:sp>
-      <p:sp>
-        <p:nvSpPr>
-          <p:cNvPr id="70" name="TextBox 69">
-            <a:extLst>
-              <a:ext uri="{FF2B5EF4-FFF2-40B4-BE49-F238E27FC236}">
-                <a16:creationId xmlns:a16="http://schemas.microsoft.com/office/drawing/2014/main" id="{A7BB08E5-F237-4A27-99C8-17787047B618}"/>
-              </a:ext>
-            </a:extLst>
-          </p:cNvPr>
-          <p:cNvSpPr txBox="1"/>
-          <p:nvPr/>
-        </p:nvSpPr>
-        <p:spPr>
-          <a:xfrm>
-            <a:off x="9225197" y="8965208"/>
-            <a:ext cx="5904000" cy="1277124"/>
-          </a:xfrm>
-          <a:prstGeom prst="rect">
-            <a:avLst/>
-          </a:prstGeom>
-          <a:noFill/>
-        </p:spPr>
-        <p:txBody>
-          <a:bodyPr wrap="square" rtlCol="0">
-            <a:noAutofit/>
-          </a:bodyPr>
-          <a:lstStyle/>
-          <a:p>
-            <a:r>
-              <a:rPr lang="en-GB" sz="2000" dirty="0"/>
-              <a:t>The reconstruction ability was an f1 measure result of a 10 fold cross-validation across averaged across all three black-box classifiers. For each model extraction method this was done for each dataset.</a:t>
-            </a:r>
+            <a:pPr marL="342900" indent="-342900">
+              <a:buFont typeface="Arial" panose="020B0604020202020204" pitchFamily="34" charset="0"/>
+              <a:buChar char="•"/>
+            </a:pPr>
+            <a:r>
+              <a:rPr lang="en-GB" sz="2100" dirty="0" smtClean="0"/>
+              <a:t>Best </a:t>
+            </a:r>
+            <a:r>
+              <a:rPr lang="en-GB" sz="2100" dirty="0"/>
+              <a:t>performing ML techniques are worst with respect to being interpretable/explainable</a:t>
+            </a:r>
+          </a:p>
+          <a:p>
+            <a:pPr marL="342900" indent="-342900">
+              <a:buFont typeface="Arial" panose="020B0604020202020204" pitchFamily="34" charset="0"/>
+              <a:buChar char="•"/>
+            </a:pPr>
+            <a:r>
+              <a:rPr lang="en-GB" sz="2100" dirty="0"/>
+              <a:t>Explainability key for adoption of AI in more areas</a:t>
+            </a:r>
+          </a:p>
+          <a:p>
+            <a:pPr marL="342900" indent="-342900">
+              <a:buFont typeface="Arial" panose="020B0604020202020204" pitchFamily="34" charset="0"/>
+              <a:buChar char="•"/>
+            </a:pPr>
+            <a:r>
+              <a:rPr lang="en-GB" sz="2100" dirty="0"/>
+              <a:t>Model extraction as addition to ML to generate understandable models</a:t>
+            </a:r>
+          </a:p>
+          <a:p>
+            <a:pPr marL="342900" indent="-342900">
+              <a:buFont typeface="Arial" panose="020B0604020202020204" pitchFamily="34" charset="0"/>
+              <a:buChar char="•"/>
+            </a:pPr>
+            <a:r>
+              <a:rPr lang="en-GB" sz="2100" dirty="0"/>
+              <a:t>Most natural example: decision trees</a:t>
+            </a:r>
+          </a:p>
+          <a:p>
+            <a:pPr marL="342900" indent="-342900">
+              <a:buFont typeface="Arial" panose="020B0604020202020204" pitchFamily="34" charset="0"/>
+              <a:buChar char="•"/>
+            </a:pPr>
+            <a:r>
+              <a:rPr lang="en-GB" sz="2100" dirty="0"/>
+              <a:t>Greedy tree-construction flawed</a:t>
+            </a:r>
+          </a:p>
+          <a:p>
+            <a:pPr marL="342900" indent="-342900">
+              <a:buFont typeface="Arial" panose="020B0604020202020204" pitchFamily="34" charset="0"/>
+              <a:buChar char="•"/>
+            </a:pPr>
+            <a:r>
+              <a:rPr lang="en-GB" sz="2100" dirty="0"/>
+              <a:t>Our approach: Multi-objective GP for model </a:t>
+            </a:r>
+            <a:r>
+              <a:rPr lang="en-GB" sz="2100" dirty="0" smtClean="0"/>
+              <a:t>extraction</a:t>
+            </a:r>
+            <a:endParaRPr lang="en-GB" sz="2100" dirty="0"/>
           </a:p>
         </p:txBody>
       </p:sp>
@@ -6433,4 +7690,289 @@
   <a:objectDefaults/>
   <a:extraClrSchemeLst/>
 </a:theme>
+</file>
+
+<file path=ppt/theme/theme2.xml><?xml version="1.0" encoding="utf-8"?>
+<a:theme xmlns:a="http://schemas.openxmlformats.org/drawingml/2006/main" name="Office Theme">
+  <a:themeElements>
+    <a:clrScheme name="Office">
+      <a:dk1>
+        <a:sysClr val="windowText" lastClr="000000"/>
+      </a:dk1>
+      <a:lt1>
+        <a:sysClr val="window" lastClr="FFFFFF"/>
+      </a:lt1>
+      <a:dk2>
+        <a:srgbClr val="1F497D"/>
+      </a:dk2>
+      <a:lt2>
+        <a:srgbClr val="EEECE1"/>
+      </a:lt2>
+      <a:accent1>
+        <a:srgbClr val="4F81BD"/>
+      </a:accent1>
+      <a:accent2>
+        <a:srgbClr val="C0504D"/>
+      </a:accent2>
+      <a:accent3>
+        <a:srgbClr val="9BBB59"/>
+      </a:accent3>
+      <a:accent4>
+        <a:srgbClr val="8064A2"/>
+      </a:accent4>
+      <a:accent5>
+        <a:srgbClr val="4BACC6"/>
+      </a:accent5>
+      <a:accent6>
+        <a:srgbClr val="F79646"/>
+      </a:accent6>
+      <a:hlink>
+        <a:srgbClr val="0000FF"/>
+      </a:hlink>
+      <a:folHlink>
+        <a:srgbClr val="800080"/>
+      </a:folHlink>
+    </a:clrScheme>
+    <a:fontScheme name="Office">
+      <a:majorFont>
+        <a:latin typeface="Calibri"/>
+        <a:ea typeface=""/>
+        <a:cs typeface=""/>
+        <a:font script="Jpan" typeface="ＭＳ Ｐゴシック"/>
+        <a:font script="Hang" typeface="맑은 고딕"/>
+        <a:font script="Hans" typeface="宋体"/>
+        <a:font script="Hant" typeface="新細明體"/>
+        <a:font script="Arab" typeface="Times New Roman"/>
+        <a:font script="Hebr" typeface="Times New Roman"/>
+        <a:font script="Thai" typeface="Angsana New"/>
+        <a:font script="Ethi" typeface="Nyala"/>
+        <a:font script="Beng" typeface="Vrinda"/>
+        <a:font script="Gujr" typeface="Shruti"/>
+        <a:font script="Khmr" typeface="MoolBoran"/>
+        <a:font script="Knda" typeface="Tunga"/>
+        <a:font script="Guru" typeface="Raavi"/>
+        <a:font script="Cans" typeface="Euphemia"/>
+        <a:font script="Cher" typeface="Plantagenet Cherokee"/>
+        <a:font script="Yiii" typeface="Microsoft Yi Baiti"/>
+        <a:font script="Tibt" typeface="Microsoft Himalaya"/>
+        <a:font script="Thaa" typeface="MV Boli"/>
+        <a:font script="Deva" typeface="Mangal"/>
+        <a:font script="Telu" typeface="Gautami"/>
+        <a:font script="Taml" typeface="Latha"/>
+        <a:font script="Syrc" typeface="Estrangelo Edessa"/>
+        <a:font script="Orya" typeface="Kalinga"/>
+        <a:font script="Mlym" typeface="Kartika"/>
+        <a:font script="Laoo" typeface="DokChampa"/>
+        <a:font script="Sinh" typeface="Iskoola Pota"/>
+        <a:font script="Mong" typeface="Mongolian Baiti"/>
+        <a:font script="Viet" typeface="Times New Roman"/>
+        <a:font script="Uigh" typeface="Microsoft Uighur"/>
+        <a:font script="Geor" typeface="Sylfaen"/>
+      </a:majorFont>
+      <a:minorFont>
+        <a:latin typeface="Calibri"/>
+        <a:ea typeface=""/>
+        <a:cs typeface=""/>
+        <a:font script="Jpan" typeface="ＭＳ Ｐゴシック"/>
+        <a:font script="Hang" typeface="맑은 고딕"/>
+        <a:font script="Hans" typeface="宋体"/>
+        <a:font script="Hant" typeface="新細明體"/>
+        <a:font script="Arab" typeface="Arial"/>
+        <a:font script="Hebr" typeface="Arial"/>
+        <a:font script="Thai" typeface="Cordia New"/>
+        <a:font script="Ethi" typeface="Nyala"/>
+        <a:font script="Beng" typeface="Vrinda"/>
+        <a:font script="Gujr" typeface="Shruti"/>
+        <a:font script="Khmr" typeface="DaunPenh"/>
+        <a:font script="Knda" typeface="Tunga"/>
+        <a:font script="Guru" typeface="Raavi"/>
+        <a:font script="Cans" typeface="Euphemia"/>
+        <a:font script="Cher" typeface="Plantagenet Cherokee"/>
+        <a:font script="Yiii" typeface="Microsoft Yi Baiti"/>
+        <a:font script="Tibt" typeface="Microsoft Himalaya"/>
+        <a:font script="Thaa" typeface="MV Boli"/>
+        <a:font script="Deva" typeface="Mangal"/>
+        <a:font script="Telu" typeface="Gautami"/>
+        <a:font script="Taml" typeface="Latha"/>
+        <a:font script="Syrc" typeface="Estrangelo Edessa"/>
+        <a:font script="Orya" typeface="Kalinga"/>
+        <a:font script="Mlym" typeface="Kartika"/>
+        <a:font script="Laoo" typeface="DokChampa"/>
+        <a:font script="Sinh" typeface="Iskoola Pota"/>
+        <a:font script="Mong" typeface="Mongolian Baiti"/>
+        <a:font script="Viet" typeface="Arial"/>
+        <a:font script="Uigh" typeface="Microsoft Uighur"/>
+        <a:font script="Geor" typeface="Sylfaen"/>
+      </a:minorFont>
+    </a:fontScheme>
+    <a:fmtScheme name="Office">
+      <a:fillStyleLst>
+        <a:solidFill>
+          <a:schemeClr val="phClr"/>
+        </a:solidFill>
+        <a:gradFill rotWithShape="1">
+          <a:gsLst>
+            <a:gs pos="0">
+              <a:schemeClr val="phClr">
+                <a:tint val="50000"/>
+                <a:satMod val="300000"/>
+              </a:schemeClr>
+            </a:gs>
+            <a:gs pos="35000">
+              <a:schemeClr val="phClr">
+                <a:tint val="37000"/>
+                <a:satMod val="300000"/>
+              </a:schemeClr>
+            </a:gs>
+            <a:gs pos="100000">
+              <a:schemeClr val="phClr">
+                <a:tint val="15000"/>
+                <a:satMod val="350000"/>
+              </a:schemeClr>
+            </a:gs>
+          </a:gsLst>
+          <a:lin ang="16200000" scaled="1"/>
+        </a:gradFill>
+        <a:gradFill rotWithShape="1">
+          <a:gsLst>
+            <a:gs pos="0">
+              <a:schemeClr val="phClr">
+                <a:shade val="51000"/>
+                <a:satMod val="130000"/>
+              </a:schemeClr>
+            </a:gs>
+            <a:gs pos="80000">
+              <a:schemeClr val="phClr">
+                <a:shade val="93000"/>
+                <a:satMod val="130000"/>
+              </a:schemeClr>
+            </a:gs>
+            <a:gs pos="100000">
+              <a:schemeClr val="phClr">
+                <a:shade val="94000"/>
+                <a:satMod val="135000"/>
+              </a:schemeClr>
+            </a:gs>
+          </a:gsLst>
+          <a:lin ang="16200000" scaled="0"/>
+        </a:gradFill>
+      </a:fillStyleLst>
+      <a:lnStyleLst>
+        <a:ln w="9525" cap="flat" cmpd="sng" algn="ctr">
+          <a:solidFill>
+            <a:schemeClr val="phClr">
+              <a:shade val="95000"/>
+              <a:satMod val="105000"/>
+            </a:schemeClr>
+          </a:solidFill>
+          <a:prstDash val="solid"/>
+        </a:ln>
+        <a:ln w="25400" cap="flat" cmpd="sng" algn="ctr">
+          <a:solidFill>
+            <a:schemeClr val="phClr"/>
+          </a:solidFill>
+          <a:prstDash val="solid"/>
+        </a:ln>
+        <a:ln w="38100" cap="flat" cmpd="sng" algn="ctr">
+          <a:solidFill>
+            <a:schemeClr val="phClr"/>
+          </a:solidFill>
+          <a:prstDash val="solid"/>
+        </a:ln>
+      </a:lnStyleLst>
+      <a:effectStyleLst>
+        <a:effectStyle>
+          <a:effectLst>
+            <a:outerShdw blurRad="40000" dist="20000" dir="5400000" rotWithShape="0">
+              <a:srgbClr val="000000">
+                <a:alpha val="38000"/>
+              </a:srgbClr>
+            </a:outerShdw>
+          </a:effectLst>
+        </a:effectStyle>
+        <a:effectStyle>
+          <a:effectLst>
+            <a:outerShdw blurRad="40000" dist="23000" dir="5400000" rotWithShape="0">
+              <a:srgbClr val="000000">
+                <a:alpha val="35000"/>
+              </a:srgbClr>
+            </a:outerShdw>
+          </a:effectLst>
+        </a:effectStyle>
+        <a:effectStyle>
+          <a:effectLst>
+            <a:outerShdw blurRad="40000" dist="23000" dir="5400000" rotWithShape="0">
+              <a:srgbClr val="000000">
+                <a:alpha val="35000"/>
+              </a:srgbClr>
+            </a:outerShdw>
+          </a:effectLst>
+          <a:scene3d>
+            <a:camera prst="orthographicFront">
+              <a:rot lat="0" lon="0" rev="0"/>
+            </a:camera>
+            <a:lightRig rig="threePt" dir="t">
+              <a:rot lat="0" lon="0" rev="1200000"/>
+            </a:lightRig>
+          </a:scene3d>
+          <a:sp3d>
+            <a:bevelT w="63500" h="25400"/>
+          </a:sp3d>
+        </a:effectStyle>
+      </a:effectStyleLst>
+      <a:bgFillStyleLst>
+        <a:solidFill>
+          <a:schemeClr val="phClr"/>
+        </a:solidFill>
+        <a:gradFill rotWithShape="1">
+          <a:gsLst>
+            <a:gs pos="0">
+              <a:schemeClr val="phClr">
+                <a:tint val="40000"/>
+                <a:satMod val="350000"/>
+              </a:schemeClr>
+            </a:gs>
+            <a:gs pos="40000">
+              <a:schemeClr val="phClr">
+                <a:tint val="45000"/>
+                <a:shade val="99000"/>
+                <a:satMod val="350000"/>
+              </a:schemeClr>
+            </a:gs>
+            <a:gs pos="100000">
+              <a:schemeClr val="phClr">
+                <a:shade val="20000"/>
+                <a:satMod val="255000"/>
+              </a:schemeClr>
+            </a:gs>
+          </a:gsLst>
+          <a:path path="circle">
+            <a:fillToRect l="50000" t="-80000" r="50000" b="180000"/>
+          </a:path>
+        </a:gradFill>
+        <a:gradFill rotWithShape="1">
+          <a:gsLst>
+            <a:gs pos="0">
+              <a:schemeClr val="phClr">
+                <a:tint val="80000"/>
+                <a:satMod val="300000"/>
+              </a:schemeClr>
+            </a:gs>
+            <a:gs pos="100000">
+              <a:schemeClr val="phClr">
+                <a:shade val="30000"/>
+                <a:satMod val="200000"/>
+              </a:schemeClr>
+            </a:gs>
+          </a:gsLst>
+          <a:path path="circle">
+            <a:fillToRect l="50000" t="50000" r="50000" b="50000"/>
+          </a:path>
+        </a:gradFill>
+      </a:bgFillStyleLst>
+    </a:fmtScheme>
+  </a:themeElements>
+  <a:objectDefaults/>
+  <a:extraClrSchemeLst/>
+</a:theme>
 </file>